--- a/Courses/Software-Sciences/Module-2-DS-and-Algo/10.1-Streams-Files-and-Directories/10.1-Streams-Files-and-Directories.pptx
+++ b/Courses/Software-Sciences/Module-2-DS-and-Algo/10.1-Streams-Files-and-Directories/10.1-Streams-Files-and-Directories.pptx
@@ -332,7 +332,7 @@
             </a:lvl1pPr>
           </a:lstStyle>
           <a:p>
-            <a:endParaRPr lang="bg-BG"/>
+            <a:endParaRPr lang="bg-BG" dirty="0"/>
           </a:p>
         </p:txBody>
       </p:sp>
@@ -371,9 +371,9 @@
           <a:p>
             <a:fld id="{4E087215-0C8F-4762-A664-737A353EC9A4}" type="datetimeFigureOut">
               <a:rPr lang="bg-BG" smtClean="0"/>
-              <a:t>12.6.2023 г.</a:t>
+              <a:t>22.8.2023 г.</a:t>
             </a:fld>
-            <a:endParaRPr lang="bg-BG"/>
+            <a:endParaRPr lang="bg-BG" dirty="0"/>
           </a:p>
         </p:txBody>
       </p:sp>
@@ -529,7 +529,7 @@
             </a:lvl1pPr>
           </a:lstStyle>
           <a:p>
-            <a:endParaRPr lang="en-US"/>
+            <a:endParaRPr lang="en-US" dirty="0"/>
           </a:p>
         </p:txBody>
       </p:sp>
@@ -562,9 +562,9 @@
           <a:p>
             <a:fld id="{72D84649-876A-46C9-8472-14CB09C070D8}" type="datetimeFigureOut">
               <a:rPr lang="en-US" smtClean="0"/>
-              <a:t>6/12/2023</a:t>
+              <a:t>8/22/2023</a:t>
             </a:fld>
-            <a:endParaRPr lang="en-US"/>
+            <a:endParaRPr lang="en-US" dirty="0"/>
           </a:p>
         </p:txBody>
       </p:sp>
@@ -597,7 +597,7 @@
           <a:bodyPr vert="horz" lIns="91440" tIns="45720" rIns="91440" bIns="45720" rtlCol="0" anchor="ctr"/>
           <a:lstStyle/>
           <a:p>
-            <a:endParaRPr lang="en-US"/>
+            <a:endParaRPr lang="en-US" dirty="0"/>
           </a:p>
         </p:txBody>
       </p:sp>
@@ -1324,7 +1324,7 @@
           <a:bodyPr/>
           <a:lstStyle/>
           <a:p>
-            <a:endParaRPr lang="bg-BG"/>
+            <a:endParaRPr lang="bg-BG" dirty="0"/>
           </a:p>
         </p:txBody>
       </p:sp>
@@ -1589,15 +1589,7 @@
             </a:pPr>
             <a:r>
               <a:rPr lang="en-US" sz="1600" dirty="0"/>
-              <a:t>Icons by </a:t>
-            </a:r>
-            <a:r>
-              <a:rPr lang="en-US" sz="1600" dirty="0" err="1"/>
-              <a:t>Chanut</a:t>
-            </a:r>
-            <a:r>
-              <a:rPr lang="en-US" sz="1600" dirty="0"/>
-              <a:t> is Industries / Pixel perfect at </a:t>
+              <a:t>Icons by Chanut is Industries / Pixel perfect at </a:t>
             </a:r>
             <a:r>
               <a:rPr lang="en-US" sz="1600" dirty="0">
@@ -1925,14 +1917,14 @@
               </a:lnSpc>
             </a:pPr>
             <a:r>
-              <a:rPr lang="en-US" altLang="en-US" sz="1100" b="0">
+              <a:rPr lang="en-US" altLang="en-US" sz="1100" b="0" dirty="0">
                 <a:solidFill>
                   <a:schemeClr val="tx1"/>
                 </a:solidFill>
               </a:rPr>
               <a:t>*</a:t>
             </a:r>
-            <a:endParaRPr lang="en-US" altLang="en-US" sz="1300" b="0" i="0">
+            <a:endParaRPr lang="en-US" altLang="en-US" sz="1300" b="0" i="0" dirty="0">
               <a:solidFill>
                 <a:schemeClr val="tx1"/>
               </a:solidFill>
@@ -2100,14 +2092,14 @@
               <a:t>23</a:t>
             </a:fld>
             <a:r>
-              <a:rPr lang="en-US" altLang="en-US" sz="1100" b="0">
+              <a:rPr lang="en-US" altLang="en-US" sz="1100" b="0" dirty="0">
                 <a:solidFill>
                   <a:schemeClr val="tx1"/>
                 </a:solidFill>
               </a:rPr>
               <a:t>##</a:t>
             </a:r>
-            <a:endParaRPr lang="en-US" altLang="en-US" sz="1300" b="0" i="0">
+            <a:endParaRPr lang="en-US" altLang="en-US" sz="1300" b="0" i="0" dirty="0">
               <a:solidFill>
                 <a:schemeClr val="tx1"/>
               </a:solidFill>
@@ -2147,7 +2139,7 @@
           <a:lstStyle/>
           <a:p>
             <a:pPr eaLnBrk="1" hangingPunct="1"/>
-            <a:endParaRPr lang="bg-BG" altLang="en-US"/>
+            <a:endParaRPr lang="bg-BG" altLang="en-US" dirty="0"/>
           </a:p>
         </p:txBody>
       </p:sp>
@@ -2378,14 +2370,14 @@
               </a:lnSpc>
             </a:pPr>
             <a:r>
-              <a:rPr lang="en-US" altLang="en-US" sz="1100" b="0">
+              <a:rPr lang="en-US" altLang="en-US" sz="1100" b="0" dirty="0">
                 <a:solidFill>
                   <a:schemeClr val="tx1"/>
                 </a:solidFill>
               </a:rPr>
               <a:t>*</a:t>
             </a:r>
-            <a:endParaRPr lang="en-US" altLang="en-US" sz="1300" b="0" i="0">
+            <a:endParaRPr lang="en-US" altLang="en-US" sz="1300" b="0" i="0" dirty="0">
               <a:solidFill>
                 <a:schemeClr val="tx1"/>
               </a:solidFill>
@@ -2553,14 +2545,14 @@
               <a:t>24</a:t>
             </a:fld>
             <a:r>
-              <a:rPr lang="en-US" altLang="en-US" sz="1100" b="0">
+              <a:rPr lang="en-US" altLang="en-US" sz="1100" b="0" dirty="0">
                 <a:solidFill>
                   <a:schemeClr val="tx1"/>
                 </a:solidFill>
               </a:rPr>
               <a:t>##</a:t>
             </a:r>
-            <a:endParaRPr lang="en-US" altLang="en-US" sz="1300" b="0" i="0">
+            <a:endParaRPr lang="en-US" altLang="en-US" sz="1300" b="0" i="0" dirty="0">
               <a:solidFill>
                 <a:schemeClr val="tx1"/>
               </a:solidFill>
@@ -2600,7 +2592,7 @@
           <a:lstStyle/>
           <a:p>
             <a:pPr eaLnBrk="1" hangingPunct="1"/>
-            <a:endParaRPr lang="bg-BG" altLang="en-US"/>
+            <a:endParaRPr lang="bg-BG" altLang="en-US" dirty="0"/>
           </a:p>
         </p:txBody>
       </p:sp>
@@ -2846,7 +2838,7 @@
           <a:bodyPr/>
           <a:lstStyle/>
           <a:p>
-            <a:endParaRPr lang="en-US"/>
+            <a:endParaRPr lang="en-US" dirty="0"/>
           </a:p>
         </p:txBody>
       </p:sp>
@@ -3259,7 +3251,7 @@
               <a:tabLst/>
               <a:defRPr/>
             </a:pPr>
-            <a:endParaRPr kumimoji="0" lang="en-US" altLang="ko-KR" sz="2398" b="0" i="0" u="none" strike="noStrike" kern="1200" cap="none" spc="0" normalizeH="0" baseline="0" noProof="0">
+            <a:endParaRPr kumimoji="0" lang="en-US" altLang="ko-KR" sz="2398" b="0" i="0" u="none" strike="noStrike" kern="1200" cap="none" spc="0" normalizeH="0" baseline="0" noProof="0" dirty="0">
               <a:ln>
                 <a:noFill/>
               </a:ln>
@@ -3888,7 +3880,7 @@
               <a:tabLst/>
               <a:defRPr/>
             </a:pPr>
-            <a:endParaRPr kumimoji="0" lang="en-US" altLang="ko-KR" sz="2398" b="0" i="0" u="none" strike="noStrike" kern="1200" cap="none" spc="0" normalizeH="0" baseline="0" noProof="0">
+            <a:endParaRPr kumimoji="0" lang="en-US" altLang="ko-KR" sz="2398" b="0" i="0" u="none" strike="noStrike" kern="1200" cap="none" spc="0" normalizeH="0" baseline="0" noProof="0" dirty="0">
               <a:ln>
                 <a:noFill/>
               </a:ln>
@@ -4011,7 +4003,7 @@
               <a:tabLst/>
               <a:defRPr/>
             </a:pPr>
-            <a:endParaRPr kumimoji="0" lang="en-US" altLang="ko-KR" sz="2398" b="0" i="0" u="none" strike="noStrike" kern="1200" cap="none" spc="0" normalizeH="0" baseline="0" noProof="0">
+            <a:endParaRPr kumimoji="0" lang="en-US" altLang="ko-KR" sz="2398" b="0" i="0" u="none" strike="noStrike" kern="1200" cap="none" spc="0" normalizeH="0" baseline="0" noProof="0" dirty="0">
               <a:ln>
                 <a:noFill/>
               </a:ln>
@@ -4284,7 +4276,7 @@
               <a:tabLst/>
               <a:defRPr/>
             </a:pPr>
-            <a:endParaRPr kumimoji="0" lang="en-US" altLang="ko-KR" sz="2398" b="0" i="0" u="none" strike="noStrike" kern="1200" cap="none" spc="0" normalizeH="0" baseline="0" noProof="0">
+            <a:endParaRPr kumimoji="0" lang="en-US" altLang="ko-KR" sz="2398" b="0" i="0" u="none" strike="noStrike" kern="1200" cap="none" spc="0" normalizeH="0" baseline="0" noProof="0" dirty="0">
               <a:ln>
                 <a:noFill/>
               </a:ln>
@@ -4470,7 +4462,7 @@
               <a:pPr/>
               <a:t>‹#›</a:t>
             </a:fld>
-            <a:endParaRPr lang="en-US" noProof="0"/>
+            <a:endParaRPr lang="en-US" noProof="0" dirty="0"/>
           </a:p>
         </p:txBody>
       </p:sp>
@@ -4624,7 +4616,7 @@
           </a:lstStyle>
           <a:p>
             <a:r>
-              <a:rPr lang="en-US" altLang="ko-KR" noProof="0"/>
+              <a:rPr lang="en-US" altLang="ko-KR" noProof="0" dirty="0"/>
               <a:t>Your Picture Here</a:t>
             </a:r>
           </a:p>
@@ -4688,7 +4680,7 @@
               <a:tabLst/>
               <a:defRPr/>
             </a:pPr>
-            <a:endParaRPr kumimoji="0" lang="en-US" altLang="ko-KR" sz="2398" b="0" i="0" u="none" strike="noStrike" kern="1200" cap="none" spc="0" normalizeH="0" baseline="0" noProof="0">
+            <a:endParaRPr kumimoji="0" lang="en-US" altLang="ko-KR" sz="2398" b="0" i="0" u="none" strike="noStrike" kern="1200" cap="none" spc="0" normalizeH="0" baseline="0" noProof="0" dirty="0">
               <a:ln>
                 <a:noFill/>
               </a:ln>
@@ -4763,7 +4755,7 @@
               <a:tabLst/>
               <a:defRPr/>
             </a:pPr>
-            <a:endParaRPr kumimoji="0" lang="en-US" altLang="ko-KR" sz="2398" b="0" i="0" u="none" strike="noStrike" kern="1200" cap="none" spc="0" normalizeH="0" baseline="0" noProof="0">
+            <a:endParaRPr kumimoji="0" lang="en-US" altLang="ko-KR" sz="2398" b="0" i="0" u="none" strike="noStrike" kern="1200" cap="none" spc="0" normalizeH="0" baseline="0" noProof="0" dirty="0">
               <a:ln>
                 <a:noFill/>
               </a:ln>
@@ -4844,7 +4836,7 @@
               <a:tabLst/>
               <a:defRPr/>
             </a:pPr>
-            <a:endParaRPr kumimoji="0" lang="en-US" altLang="ko-KR" sz="2398" b="0" i="0" u="none" strike="noStrike" kern="1200" cap="none" spc="0" normalizeH="0" baseline="0" noProof="0">
+            <a:endParaRPr kumimoji="0" lang="en-US" altLang="ko-KR" sz="2398" b="0" i="0" u="none" strike="noStrike" kern="1200" cap="none" spc="0" normalizeH="0" baseline="0" noProof="0" dirty="0">
               <a:ln>
                 <a:noFill/>
               </a:ln>
@@ -4925,7 +4917,7 @@
               <a:tabLst/>
               <a:defRPr/>
             </a:pPr>
-            <a:endParaRPr kumimoji="0" lang="en-US" altLang="ko-KR" sz="2398" b="0" i="0" u="none" strike="noStrike" kern="1200" cap="none" spc="0" normalizeH="0" baseline="0" noProof="0">
+            <a:endParaRPr kumimoji="0" lang="en-US" altLang="ko-KR" sz="2398" b="0" i="0" u="none" strike="noStrike" kern="1200" cap="none" spc="0" normalizeH="0" baseline="0" noProof="0" dirty="0">
               <a:ln>
                 <a:noFill/>
               </a:ln>
@@ -5129,7 +5121,7 @@
               <a:tabLst/>
               <a:defRPr/>
             </a:pPr>
-            <a:endParaRPr kumimoji="0" lang="en-US" altLang="ko-KR" sz="2398" b="0" i="0" u="none" strike="noStrike" kern="1200" cap="none" spc="0" normalizeH="0" baseline="0" noProof="0">
+            <a:endParaRPr kumimoji="0" lang="en-US" altLang="ko-KR" sz="2398" b="0" i="0" u="none" strike="noStrike" kern="1200" cap="none" spc="0" normalizeH="0" baseline="0" noProof="0" dirty="0">
               <a:ln>
                 <a:noFill/>
               </a:ln>
@@ -6635,7 +6627,7 @@
               <a:tabLst/>
               <a:defRPr/>
             </a:pPr>
-            <a:endParaRPr kumimoji="0" lang="en-US" altLang="ko-KR" sz="2398" b="0" i="0" u="none" strike="noStrike" kern="1200" cap="none" spc="0" normalizeH="0" baseline="0" noProof="0">
+            <a:endParaRPr kumimoji="0" lang="en-US" altLang="ko-KR" sz="2398" b="0" i="0" u="none" strike="noStrike" kern="1200" cap="none" spc="0" normalizeH="0" baseline="0" noProof="0" dirty="0">
               <a:ln>
                 <a:noFill/>
               </a:ln>
@@ -6963,7 +6955,7 @@
               <a:tabLst/>
               <a:defRPr/>
             </a:pPr>
-            <a:endParaRPr kumimoji="0" lang="en-US" altLang="ko-KR" sz="2398" b="0" i="0" u="none" strike="noStrike" kern="1200" cap="none" spc="0" normalizeH="0" baseline="0" noProof="0">
+            <a:endParaRPr kumimoji="0" lang="en-US" altLang="ko-KR" sz="2398" b="0" i="0" u="none" strike="noStrike" kern="1200" cap="none" spc="0" normalizeH="0" baseline="0" noProof="0" dirty="0">
               <a:ln>
                 <a:noFill/>
               </a:ln>
@@ -7133,7 +7125,7 @@
               <a:pPr/>
               <a:t>‹#›</a:t>
             </a:fld>
-            <a:endParaRPr lang="en-US" noProof="0"/>
+            <a:endParaRPr lang="en-US" noProof="0" dirty="0"/>
           </a:p>
         </p:txBody>
       </p:sp>
@@ -7328,7 +7320,7 @@
               <a:tabLst/>
               <a:defRPr/>
             </a:pPr>
-            <a:endParaRPr kumimoji="0" lang="en-US" altLang="ko-KR" sz="2398" b="0" i="0" u="none" strike="noStrike" kern="1200" cap="none" spc="0" normalizeH="0" baseline="0" noProof="0">
+            <a:endParaRPr kumimoji="0" lang="en-US" altLang="ko-KR" sz="2398" b="0" i="0" u="none" strike="noStrike" kern="1200" cap="none" spc="0" normalizeH="0" baseline="0" noProof="0" dirty="0">
               <a:ln>
                 <a:noFill/>
               </a:ln>
@@ -8589,7 +8581,7 @@
               <a:pPr/>
               <a:t>‹#›</a:t>
             </a:fld>
-            <a:endParaRPr lang="en-US" noProof="0"/>
+            <a:endParaRPr lang="en-US" noProof="0" dirty="0"/>
           </a:p>
         </p:txBody>
       </p:sp>
@@ -8657,7 +8649,7 @@
               <a:tabLst/>
               <a:defRPr/>
             </a:pPr>
-            <a:endParaRPr kumimoji="0" lang="en-US" altLang="ko-KR" sz="2398" b="0" i="0" u="none" strike="noStrike" kern="1200" cap="none" spc="0" normalizeH="0" baseline="0" noProof="0">
+            <a:endParaRPr kumimoji="0" lang="en-US" altLang="ko-KR" sz="2398" b="0" i="0" u="none" strike="noStrike" kern="1200" cap="none" spc="0" normalizeH="0" baseline="0" noProof="0" dirty="0">
               <a:ln>
                 <a:noFill/>
               </a:ln>
@@ -9025,7 +9017,7 @@
               <a:tabLst/>
               <a:defRPr/>
             </a:pPr>
-            <a:endParaRPr kumimoji="0" lang="en-US" altLang="ko-KR" sz="2398" b="0" i="0" u="none" strike="noStrike" kern="1200" cap="none" spc="0" normalizeH="0" baseline="0" noProof="0">
+            <a:endParaRPr kumimoji="0" lang="en-US" altLang="ko-KR" sz="2398" b="0" i="0" u="none" strike="noStrike" kern="1200" cap="none" spc="0" normalizeH="0" baseline="0" noProof="0" dirty="0">
               <a:ln>
                 <a:noFill/>
               </a:ln>
@@ -9679,110 +9671,35 @@
           <a:lstStyle/>
           <a:p>
             <a:r>
+              <a:rPr lang="en-US" sz="3550" dirty="0">
+                <a:cs typeface="Calibri"/>
+              </a:rPr>
+              <a:t>Видове файлове, </a:t>
+            </a:r>
+            <a:r>
               <a:rPr lang="en-US" sz="3550" dirty="0" err="1">
                 <a:cs typeface="Calibri"/>
               </a:rPr>
-              <a:t>Видове</a:t>
+              <a:t>използване</a:t>
             </a:r>
             <a:r>
               <a:rPr lang="en-US" sz="3550" dirty="0">
                 <a:cs typeface="Calibri"/>
               </a:rPr>
-              <a:t> </a:t>
-            </a:r>
-            <a:r>
-              <a:rPr lang="en-US" sz="3550" dirty="0" err="1">
+              <a:t> на стриймове и манип</a:t>
+            </a:r>
+            <a:r>
+              <a:rPr lang="bg-BG" sz="3550" dirty="0">
                 <a:cs typeface="Calibri"/>
               </a:rPr>
-              <a:t>файлове</a:t>
+              <a:t>у</a:t>
             </a:r>
             <a:r>
               <a:rPr lang="en-US" sz="3550" dirty="0">
                 <a:cs typeface="Calibri"/>
               </a:rPr>
-              <a:t>, </a:t>
-            </a:r>
-            <a:r>
-              <a:rPr lang="en-US" sz="3550" dirty="0" err="1">
-                <a:cs typeface="Calibri"/>
-              </a:rPr>
-              <a:t>използване</a:t>
-            </a:r>
-            <a:r>
-              <a:rPr lang="en-US" sz="3550" dirty="0">
-                <a:cs typeface="Calibri"/>
-              </a:rPr>
-              <a:t> </a:t>
-            </a:r>
-            <a:r>
-              <a:rPr lang="en-US" sz="3550" dirty="0" err="1">
-                <a:cs typeface="Calibri"/>
-              </a:rPr>
-              <a:t>на</a:t>
-            </a:r>
-            <a:r>
-              <a:rPr lang="en-US" sz="3550" dirty="0">
-                <a:cs typeface="Calibri"/>
-              </a:rPr>
-              <a:t> </a:t>
-            </a:r>
-            <a:r>
-              <a:rPr lang="en-US" sz="3550" dirty="0" err="1">
-                <a:cs typeface="Calibri"/>
-              </a:rPr>
-              <a:t>стриймове</a:t>
-            </a:r>
-            <a:r>
-              <a:rPr lang="en-US" sz="3550" dirty="0">
-                <a:cs typeface="Calibri"/>
-              </a:rPr>
-              <a:t> и </a:t>
-            </a:r>
-            <a:r>
-              <a:rPr lang="en-US" sz="3550" dirty="0" err="1">
-                <a:cs typeface="Calibri"/>
-              </a:rPr>
-              <a:t>манип</a:t>
-            </a:r>
-            <a:r>
-              <a:rPr lang="bg-BG" sz="3550" dirty="0">
-                <a:cs typeface="Calibri"/>
-              </a:rPr>
-              <a:t>у</a:t>
-            </a:r>
-            <a:r>
-              <a:rPr lang="en-US" sz="3550" dirty="0" err="1">
-                <a:cs typeface="Calibri"/>
-              </a:rPr>
-              <a:t>лиране</a:t>
-            </a:r>
-            <a:r>
-              <a:rPr lang="en-US" sz="3550" dirty="0">
-                <a:cs typeface="Calibri"/>
-              </a:rPr>
-              <a:t> </a:t>
-            </a:r>
-            <a:r>
-              <a:rPr lang="en-US" sz="3550" dirty="0" err="1">
-                <a:cs typeface="Calibri"/>
-              </a:rPr>
-              <a:t>на</a:t>
-            </a:r>
-            <a:r>
-              <a:rPr lang="en-US" sz="3550" dirty="0">
-                <a:cs typeface="Calibri"/>
-              </a:rPr>
-              <a:t> </a:t>
-            </a:r>
-            <a:r>
-              <a:rPr lang="en-US" sz="3550" dirty="0" err="1">
-                <a:cs typeface="Calibri"/>
-              </a:rPr>
-              <a:t>файлове</a:t>
-            </a:r>
-            <a:endParaRPr lang="en-US" sz="3550" dirty="0">
-              <a:cs typeface="Calibri"/>
-            </a:endParaRPr>
+              <a:t>лиране на файлове</a:t>
+            </a:r>
           </a:p>
         </p:txBody>
       </p:sp>
@@ -9804,24 +9721,8 @@
           <a:lstStyle/>
           <a:p>
             <a:r>
-              <a:rPr lang="en-US" sz="4750" dirty="0" err="1"/>
-              <a:t>Стриймове</a:t>
-            </a:r>
-            <a:r>
               <a:rPr lang="en-US" sz="4750" dirty="0"/>
-              <a:t>, </a:t>
-            </a:r>
-            <a:r>
-              <a:rPr lang="en-US" sz="4750" dirty="0" err="1"/>
-              <a:t>файлове</a:t>
-            </a:r>
-            <a:r>
-              <a:rPr lang="en-US" sz="4750" dirty="0"/>
-              <a:t> и </a:t>
-            </a:r>
-            <a:r>
-              <a:rPr lang="en-US" sz="4750" dirty="0" err="1"/>
-              <a:t>директории</a:t>
+              <a:t>Стриймове, файлове и директории</a:t>
             </a:r>
           </a:p>
         </p:txBody>
@@ -9842,16 +9743,8 @@
           <a:lstStyle/>
           <a:p>
             <a:r>
-              <a:rPr lang="en-US" sz="2000" dirty="0" err="1"/>
-              <a:t>Софтуерен</a:t>
-            </a:r>
-            <a:r>
               <a:rPr lang="en-US" sz="2000" dirty="0"/>
-              <a:t> </a:t>
-            </a:r>
-            <a:r>
-              <a:rPr lang="en-US" sz="2000" dirty="0" err="1"/>
-              <a:t>университет</a:t>
+              <a:t>Софтуерен университет</a:t>
             </a:r>
             <a:endParaRPr lang="en-US" sz="2000" b="0" dirty="0">
               <a:ea typeface="+mn-lt"/>
@@ -9876,7 +9769,7 @@
           <a:lstStyle/>
           <a:p>
             <a:r>
-              <a:rPr lang="en-US">
+              <a:rPr lang="en-US" dirty="0">
                 <a:hlinkClick r:id="rId3"/>
               </a:rPr>
               <a:t>https://softuni.bg</a:t>
@@ -9901,7 +9794,7 @@
           <a:lstStyle/>
           <a:p>
             <a:r>
-              <a:rPr lang="en-US" sz="2800" dirty="0" err="1">
+              <a:rPr lang="en-US" sz="2800" dirty="0">
                 <a:ea typeface="+mn-lt"/>
                 <a:cs typeface="+mn-lt"/>
               </a:rPr>
@@ -9923,8 +9816,8 @@
         </p:nvSpPr>
         <p:spPr>
           <a:xfrm>
-            <a:off x="554524" y="5149726"/>
-            <a:ext cx="3561475" cy="832591"/>
+            <a:off x="554524" y="5343625"/>
+            <a:ext cx="3561475" cy="444793"/>
           </a:xfrm>
         </p:spPr>
         <p:txBody>
@@ -9932,16 +9825,8 @@
           <a:lstStyle/>
           <a:p>
             <a:r>
-              <a:rPr lang="en-US" sz="2400" dirty="0" err="1"/>
-              <a:t>Преподавателски</a:t>
-            </a:r>
-            <a:r>
               <a:rPr lang="en-US" sz="2400" dirty="0"/>
-              <a:t> </a:t>
-            </a:r>
-            <a:r>
-              <a:rPr lang="en-US" sz="2400" dirty="0" err="1"/>
-              <a:t>екип</a:t>
+              <a:t>Преподавателски екип</a:t>
             </a:r>
             <a:endParaRPr lang="en-US" sz="2400" b="0" dirty="0">
               <a:ea typeface="+mn-lt"/>
@@ -10042,32 +9927,12 @@
           <a:p>
             <a:pPr marL="360045" indent="-360045"/>
             <a:r>
-              <a:rPr lang="bg-BG" sz="3800" dirty="0" err="1"/>
+              <a:rPr lang="bg-BG" sz="3800" dirty="0"/>
               <a:t>Стриймването</a:t>
             </a:r>
             <a:r>
               <a:rPr lang="en-US" sz="3800" dirty="0"/>
-              <a:t> </a:t>
-            </a:r>
-            <a:r>
-              <a:rPr lang="en-US" sz="3800" dirty="0" err="1"/>
-              <a:t>се</a:t>
-            </a:r>
-            <a:r>
-              <a:rPr lang="en-US" sz="3800" dirty="0"/>
-              <a:t> </a:t>
-            </a:r>
-            <a:r>
-              <a:rPr lang="en-US" sz="3800" dirty="0" err="1"/>
-              <a:t>използва</a:t>
-            </a:r>
-            <a:r>
-              <a:rPr lang="en-US" sz="3800" dirty="0"/>
-              <a:t> </a:t>
-            </a:r>
-            <a:r>
-              <a:rPr lang="en-US" sz="3800" dirty="0" err="1"/>
-              <a:t>за</a:t>
+              <a:t> се използва за</a:t>
             </a:r>
             <a:r>
               <a:rPr lang="en-US" sz="3800" b="1" dirty="0">
@@ -10075,47 +9940,7 @@
                   <a:schemeClr val="bg1"/>
                 </a:solidFill>
               </a:rPr>
-              <a:t> </a:t>
-            </a:r>
-            <a:r>
-              <a:rPr lang="en-US" sz="3800" b="1" dirty="0" err="1">
-                <a:solidFill>
-                  <a:schemeClr val="bg1"/>
-                </a:solidFill>
-              </a:rPr>
-              <a:t>пренасяне</a:t>
-            </a:r>
-            <a:r>
-              <a:rPr lang="en-US" sz="3800" b="1" dirty="0">
-                <a:solidFill>
-                  <a:schemeClr val="bg1"/>
-                </a:solidFill>
-              </a:rPr>
-              <a:t> </a:t>
-            </a:r>
-            <a:r>
-              <a:rPr lang="en-US" sz="3800" b="1" dirty="0" err="1">
-                <a:solidFill>
-                  <a:schemeClr val="bg1"/>
-                </a:solidFill>
-              </a:rPr>
-              <a:t>на</a:t>
-            </a:r>
-            <a:r>
-              <a:rPr lang="en-US" sz="3800" b="1" dirty="0">
-                <a:solidFill>
-                  <a:schemeClr val="bg1"/>
-                </a:solidFill>
-              </a:rPr>
-              <a:t> </a:t>
-            </a:r>
-            <a:r>
-              <a:rPr lang="en-US" sz="3800" b="1" dirty="0" err="1">
-                <a:solidFill>
-                  <a:schemeClr val="bg1"/>
-                </a:solidFill>
-              </a:rPr>
-              <a:t>информация</a:t>
+              <a:t> пренасяне на информация</a:t>
             </a:r>
             <a:endParaRPr lang="en-US" sz="3800" b="1" dirty="0">
               <a:solidFill>
@@ -10127,16 +9952,8 @@
           <a:p>
             <a:pPr marL="360045" indent="-360045"/>
             <a:r>
-              <a:rPr lang="en-US" sz="3800" dirty="0" err="1"/>
-              <a:t>Създаваме</a:t>
-            </a:r>
-            <a:r>
               <a:rPr lang="en-US" sz="3800" dirty="0"/>
-              <a:t> </a:t>
-            </a:r>
-            <a:r>
-              <a:rPr lang="en-US" sz="3800" dirty="0" err="1"/>
-              <a:t>стрийм</a:t>
+              <a:t>Създаваме стрийм</a:t>
             </a:r>
             <a:r>
               <a:rPr lang="bg-BG" sz="3800" dirty="0"/>
@@ -10144,23 +9961,7 @@
             </a:r>
             <a:r>
               <a:rPr lang="en-US" sz="3800" dirty="0"/>
-              <a:t> </a:t>
-            </a:r>
-            <a:r>
-              <a:rPr lang="en-US" sz="3800" dirty="0" err="1"/>
-              <a:t>за</a:t>
-            </a:r>
-            <a:r>
-              <a:rPr lang="en-US" sz="3800" dirty="0"/>
-              <a:t> </a:t>
-            </a:r>
-            <a:r>
-              <a:rPr lang="en-US" sz="3800" dirty="0" err="1"/>
-              <a:t>да</a:t>
-            </a:r>
-            <a:r>
-              <a:rPr lang="en-US" sz="3800" dirty="0"/>
-              <a:t>:</a:t>
+              <a:t> за да:</a:t>
             </a:r>
             <a:endParaRPr lang="en-US" sz="3800" dirty="0">
               <a:cs typeface="Calibri"/>
@@ -10173,7 +9974,7 @@
               </a:buClr>
             </a:pPr>
             <a:r>
-              <a:rPr lang="en-US" sz="3600" b="1" dirty="0" err="1">
+              <a:rPr lang="en-US" sz="3600" b="1" dirty="0">
                 <a:solidFill>
                   <a:schemeClr val="bg1"/>
                 </a:solidFill>
@@ -10182,13 +9983,9 @@
             </a:r>
             <a:r>
               <a:rPr lang="en-US" sz="3600" dirty="0"/>
-              <a:t> </a:t>
-            </a:r>
-            <a:r>
-              <a:rPr lang="en-US" sz="3600" dirty="0" err="1"/>
-              <a:t>информация</a:t>
-            </a:r>
-            <a:endParaRPr lang="en-US" sz="3600" dirty="0" err="1">
+              <a:t> информация</a:t>
+            </a:r>
+            <a:endParaRPr lang="en-US" sz="3600" dirty="0">
               <a:solidFill>
                 <a:srgbClr val="234465"/>
               </a:solidFill>
@@ -10201,7 +9998,7 @@
               </a:buClr>
             </a:pPr>
             <a:r>
-              <a:rPr lang="en-US" sz="3600" b="1" dirty="0" err="1">
+              <a:rPr lang="en-US" sz="3600" b="1" dirty="0">
                 <a:solidFill>
                   <a:schemeClr val="bg1"/>
                 </a:solidFill>
@@ -10210,13 +10007,9 @@
             </a:r>
             <a:r>
               <a:rPr lang="en-US" sz="3600" dirty="0"/>
-              <a:t> </a:t>
-            </a:r>
-            <a:r>
-              <a:rPr lang="en-US" sz="3600" dirty="0" err="1"/>
-              <a:t>информация</a:t>
-            </a:r>
-            <a:endParaRPr lang="en-US" sz="3600" dirty="0" err="1">
+              <a:t> информация</a:t>
+            </a:r>
+            <a:endParaRPr lang="en-US" sz="3600" dirty="0">
               <a:cs typeface="Calibri"/>
             </a:endParaRPr>
           </a:p>
@@ -10242,21 +10035,7 @@
                 <a:ea typeface="+mj-lt"/>
                 <a:cs typeface="+mj-lt"/>
               </a:rPr>
-              <a:t>Какво е </a:t>
-            </a:r>
-            <a:r>
-              <a:rPr lang="en-US" sz="3950" dirty="0" err="1">
-                <a:ea typeface="+mj-lt"/>
-                <a:cs typeface="+mj-lt"/>
-              </a:rPr>
-              <a:t>стриймване</a:t>
-            </a:r>
-            <a:r>
-              <a:rPr lang="en-US" sz="3950" dirty="0">
-                <a:ea typeface="+mj-lt"/>
-                <a:cs typeface="+mj-lt"/>
-              </a:rPr>
-              <a:t>?</a:t>
+              <a:t>Какво е стриймване?</a:t>
             </a:r>
             <a:endParaRPr lang="en-US" sz="3950" b="0" dirty="0">
               <a:ea typeface="+mj-lt"/>
@@ -11081,74 +10860,30 @@
               </a:spcBef>
             </a:pPr>
             <a:r>
-              <a:rPr lang="en-US" sz="3350" dirty="0" err="1"/>
-              <a:t>Стриймване</a:t>
-            </a:r>
-            <a:r>
               <a:rPr lang="en-US" sz="3350" dirty="0"/>
-              <a:t> </a:t>
-            </a:r>
-            <a:r>
-              <a:rPr lang="en-US" sz="3350" dirty="0" err="1"/>
-              <a:t>означава</a:t>
+              <a:t>Стриймване означава </a:t>
+            </a:r>
+            <a:r>
+              <a:rPr lang="en-US" sz="3350" b="1" dirty="0">
+                <a:solidFill>
+                  <a:schemeClr val="bg1"/>
+                </a:solidFill>
+              </a:rPr>
+              <a:t>пренасяне</a:t>
             </a:r>
             <a:r>
               <a:rPr lang="en-US" sz="3350" dirty="0"/>
-              <a:t> </a:t>
-            </a:r>
-            <a:r>
-              <a:rPr lang="en-US" sz="3350" b="1" dirty="0" err="1">
+              <a:t> (четене и писане) </a:t>
+            </a:r>
+            <a:r>
+              <a:rPr lang="en-US" sz="3350" b="1" dirty="0">
                 <a:solidFill>
                   <a:schemeClr val="bg1"/>
                 </a:solidFill>
               </a:rPr>
-              <a:t>пренасяне</a:t>
-            </a:r>
-            <a:r>
-              <a:rPr lang="en-US" sz="3350" dirty="0"/>
-              <a:t> (</a:t>
-            </a:r>
-            <a:r>
-              <a:rPr lang="en-US" sz="3350" dirty="0" err="1"/>
-              <a:t>четене</a:t>
-            </a:r>
-            <a:r>
-              <a:rPr lang="en-US" sz="3350" dirty="0"/>
-              <a:t> и </a:t>
-            </a:r>
-            <a:r>
-              <a:rPr lang="en-US" sz="3350" dirty="0" err="1"/>
-              <a:t>писане</a:t>
-            </a:r>
-            <a:r>
-              <a:rPr lang="en-US" sz="3350" dirty="0"/>
-              <a:t>) </a:t>
-            </a:r>
-            <a:r>
-              <a:rPr lang="en-US" sz="3350" b="1" dirty="0" err="1">
-                <a:solidFill>
-                  <a:schemeClr val="bg1"/>
-                </a:solidFill>
-              </a:rPr>
-              <a:t>на</a:t>
-            </a:r>
-            <a:r>
-              <a:rPr lang="en-US" sz="3350" b="1" dirty="0">
-                <a:solidFill>
-                  <a:schemeClr val="bg1"/>
-                </a:solidFill>
-              </a:rPr>
-              <a:t> </a:t>
-            </a:r>
-            <a:r>
-              <a:rPr lang="en-US" sz="3350" b="1" dirty="0" err="1">
-                <a:solidFill>
-                  <a:schemeClr val="bg1"/>
-                </a:solidFill>
-              </a:rPr>
-              <a:t>информация</a:t>
-            </a:r>
-            <a:endParaRPr lang="bg-BG" sz="3350" dirty="0" err="1">
+              <a:t>на информация</a:t>
+            </a:r>
+            <a:endParaRPr lang="bg-BG" sz="3350" dirty="0">
               <a:solidFill>
                 <a:schemeClr val="bg1"/>
               </a:solidFill>
@@ -11161,54 +10896,18 @@
               </a:spcBef>
             </a:pPr>
             <a:r>
-              <a:rPr lang="en-US" sz="3350" dirty="0" err="1"/>
-              <a:t>Стриймването</a:t>
-            </a:r>
-            <a:r>
               <a:rPr lang="en-US" sz="3350" dirty="0"/>
-              <a:t> е </a:t>
-            </a:r>
-            <a:r>
-              <a:rPr lang="en-US" sz="3350" b="1" dirty="0" err="1">
+              <a:t>Стриймването е </a:t>
+            </a:r>
+            <a:r>
+              <a:rPr lang="en-US" sz="3350" b="1" dirty="0">
                 <a:solidFill>
                   <a:schemeClr val="bg1"/>
                 </a:solidFill>
               </a:rPr>
-              <a:t>редица</a:t>
-            </a:r>
-            <a:r>
-              <a:rPr lang="en-US" sz="3350" b="1" dirty="0">
-                <a:solidFill>
-                  <a:schemeClr val="bg1"/>
-                </a:solidFill>
-              </a:rPr>
-              <a:t> </a:t>
-            </a:r>
-            <a:r>
-              <a:rPr lang="en-US" sz="3350" b="1" dirty="0" err="1">
-                <a:solidFill>
-                  <a:schemeClr val="bg1"/>
-                </a:solidFill>
-              </a:rPr>
-              <a:t>от</a:t>
-            </a:r>
-            <a:r>
-              <a:rPr lang="en-US" sz="3350" b="1" dirty="0">
-                <a:solidFill>
-                  <a:schemeClr val="bg1"/>
-                </a:solidFill>
-              </a:rPr>
-              <a:t> </a:t>
-            </a:r>
-            <a:r>
-              <a:rPr lang="en-US" sz="3350" b="1" dirty="0" err="1">
-                <a:solidFill>
-                  <a:schemeClr val="bg1"/>
-                </a:solidFill>
-              </a:rPr>
-              <a:t>битове</a:t>
-            </a:r>
-            <a:endParaRPr lang="en-US" sz="3350" b="1" dirty="0" err="1">
+              <a:t>редица от битове</a:t>
+            </a:r>
+            <a:endParaRPr lang="en-US" sz="3350" b="1" dirty="0">
               <a:solidFill>
                 <a:schemeClr val="bg1"/>
               </a:solidFill>
@@ -11256,23 +10955,15 @@
               </a:spcBef>
             </a:pPr>
             <a:r>
-              <a:rPr lang="en-US" sz="3350" dirty="0" err="1"/>
-              <a:t>Има</a:t>
-            </a:r>
-            <a:r>
               <a:rPr lang="en-US" sz="3350" dirty="0"/>
-              <a:t> </a:t>
-            </a:r>
-            <a:r>
-              <a:rPr lang="en-US" sz="3350" dirty="0" err="1"/>
-              <a:t>различни</a:t>
+              <a:t>Има различни</a:t>
             </a:r>
             <a:r>
               <a:rPr lang="bg-BG" sz="3350" dirty="0"/>
               <a:t> </a:t>
             </a:r>
             <a:r>
-              <a:rPr lang="en-US" sz="3350" dirty="0" err="1"/>
+              <a:rPr lang="en-US" sz="3350" dirty="0"/>
               <a:t>в</a:t>
             </a:r>
             <a:r>
@@ -11280,52 +10971,16 @@
               <a:t>и</a:t>
             </a:r>
             <a:r>
-              <a:rPr lang="en-US" sz="3350" dirty="0" err="1"/>
-              <a:t>дове</a:t>
-            </a:r>
-            <a:r>
               <a:rPr lang="en-US" sz="3350" dirty="0"/>
-              <a:t> </a:t>
-            </a:r>
-            <a:r>
-              <a:rPr lang="en-US" sz="3350" dirty="0" err="1"/>
-              <a:t>стриймове</a:t>
-            </a:r>
-            <a:r>
-              <a:rPr lang="en-US" sz="3350" dirty="0"/>
-              <a:t> </a:t>
-            </a:r>
-            <a:r>
-              <a:rPr lang="en-US" sz="3350" dirty="0" err="1"/>
-              <a:t>за</a:t>
+              <a:t>дове стриймове за</a:t>
             </a:r>
             <a:r>
               <a:rPr lang="bg-BG" sz="3350" dirty="0"/>
               <a:t> </a:t>
             </a:r>
             <a:r>
-              <a:rPr lang="en-US" sz="3350" dirty="0" err="1"/>
-              <a:t>различни</a:t>
-            </a:r>
-            <a:r>
               <a:rPr lang="en-US" sz="3350" dirty="0"/>
-              <a:t> </a:t>
-            </a:r>
-            <a:r>
-              <a:rPr lang="en-US" sz="3350" dirty="0" err="1"/>
-              <a:t>типове</a:t>
-            </a:r>
-            <a:r>
-              <a:rPr lang="en-US" sz="3350" dirty="0"/>
-              <a:t> </a:t>
-            </a:r>
-            <a:r>
-              <a:rPr lang="en-US" sz="3350" dirty="0" err="1"/>
-              <a:t>информация</a:t>
-            </a:r>
-            <a:r>
-              <a:rPr lang="en-US" sz="3350" dirty="0"/>
-              <a:t>:</a:t>
+              <a:t>различни типове информация:</a:t>
             </a:r>
             <a:endParaRPr lang="en-US" sz="3350" dirty="0">
               <a:cs typeface="Calibri"/>
@@ -11395,130 +11050,70 @@
               </a:spcBef>
             </a:pPr>
             <a:r>
-              <a:rPr lang="en-US" sz="3350" dirty="0" err="1"/>
-              <a:t>Стриймовете</a:t>
-            </a:r>
-            <a:r>
               <a:rPr lang="en-US" sz="3350" dirty="0"/>
-              <a:t> </a:t>
-            </a:r>
-            <a:r>
-              <a:rPr lang="en-US" sz="3350" dirty="0" err="1"/>
-              <a:t>се</a:t>
+              <a:t>Стриймовете се </a:t>
+            </a:r>
+            <a:r>
+              <a:rPr lang="en-US" sz="3350" b="1" dirty="0">
+                <a:solidFill>
+                  <a:schemeClr val="bg1"/>
+                </a:solidFill>
+              </a:rPr>
+              <a:t>отварят</a:t>
             </a:r>
             <a:r>
               <a:rPr lang="en-US" sz="3350" dirty="0"/>
               <a:t> </a:t>
             </a:r>
             <a:r>
-              <a:rPr lang="en-US" sz="3350" b="1" dirty="0" err="1">
+              <a:rPr lang="en-US" sz="3350" b="1" dirty="0">
                 <a:solidFill>
                   <a:schemeClr val="bg1"/>
                 </a:solidFill>
               </a:rPr>
-              <a:t>отварят</a:t>
+              <a:t>преди </a:t>
             </a:r>
             <a:r>
               <a:rPr lang="en-US" sz="3350" dirty="0"/>
+              <a:t>да се използват и се </a:t>
+            </a:r>
+            <a:r>
+              <a:rPr lang="en-US" sz="3350" b="1" dirty="0">
+                <a:solidFill>
+                  <a:schemeClr val="bg1"/>
+                </a:solidFill>
+              </a:rPr>
+              <a:t>затварят</a:t>
+            </a:r>
+            <a:r>
+              <a:rPr lang="en-US" sz="3350" dirty="0">
+                <a:solidFill>
+                  <a:srgbClr val="234465"/>
+                </a:solidFill>
+              </a:rPr>
               <a:t> </a:t>
             </a:r>
             <a:r>
-              <a:rPr lang="en-US" sz="3350" b="1" dirty="0" err="1">
+              <a:rPr lang="en-US" sz="3350" b="1" dirty="0">
                 <a:solidFill>
                   <a:schemeClr val="bg1"/>
                 </a:solidFill>
               </a:rPr>
-              <a:t>преди</a:t>
-            </a:r>
-            <a:r>
-              <a:rPr lang="en-US" sz="3350" b="1" dirty="0">
-                <a:solidFill>
-                  <a:schemeClr val="bg1"/>
-                </a:solidFill>
-              </a:rPr>
-              <a:t> </a:t>
-            </a:r>
-            <a:r>
-              <a:rPr lang="en-US" sz="3350" dirty="0" err="1"/>
-              <a:t>да</a:t>
+              <a:t>след </a:t>
+            </a:r>
+            <a:r>
+              <a:rPr lang="en-US" sz="3350" dirty="0">
+                <a:solidFill>
+                  <a:srgbClr val="234465"/>
+                </a:solidFill>
+              </a:rPr>
+              <a:t>тяхната</a:t>
             </a:r>
             <a:r>
               <a:rPr lang="en-US" sz="3350" dirty="0"/>
-              <a:t> </a:t>
-            </a:r>
-            <a:r>
-              <a:rPr lang="en-US" sz="3350" dirty="0" err="1"/>
-              <a:t>се</a:t>
-            </a:r>
-            <a:r>
-              <a:rPr lang="en-US" sz="3350" dirty="0"/>
-              <a:t> </a:t>
-            </a:r>
-            <a:r>
-              <a:rPr lang="en-US" sz="3350" dirty="0" err="1"/>
-              <a:t>използват</a:t>
-            </a:r>
-            <a:r>
-              <a:rPr lang="en-US" sz="3350" dirty="0"/>
-              <a:t> и </a:t>
-            </a:r>
-            <a:r>
-              <a:rPr lang="en-US" sz="3350" dirty="0" err="1"/>
-              <a:t>се</a:t>
-            </a:r>
-            <a:r>
-              <a:rPr lang="en-US" sz="3350" dirty="0"/>
-              <a:t> </a:t>
-            </a:r>
-            <a:r>
-              <a:rPr lang="en-US" sz="3350" b="1" dirty="0" err="1">
-                <a:solidFill>
-                  <a:schemeClr val="bg1"/>
-                </a:solidFill>
-              </a:rPr>
-              <a:t>затварят</a:t>
-            </a:r>
-            <a:r>
-              <a:rPr lang="en-US" sz="3350" dirty="0">
-                <a:solidFill>
-                  <a:srgbClr val="234465"/>
-                </a:solidFill>
-              </a:rPr>
-              <a:t> </a:t>
-            </a:r>
-            <a:r>
-              <a:rPr lang="en-US" sz="3350" b="1" dirty="0" err="1">
-                <a:solidFill>
-                  <a:schemeClr val="bg1"/>
-                </a:solidFill>
-              </a:rPr>
-              <a:t>след</a:t>
-            </a:r>
-            <a:r>
-              <a:rPr lang="en-US" sz="3350" b="1" dirty="0">
-                <a:solidFill>
-                  <a:schemeClr val="bg1"/>
-                </a:solidFill>
-              </a:rPr>
-              <a:t> </a:t>
-            </a:r>
-            <a:r>
-              <a:rPr lang="en-US" sz="3350" dirty="0" err="1">
-                <a:solidFill>
-                  <a:srgbClr val="234465"/>
-                </a:solidFill>
-              </a:rPr>
-              <a:t>тяхната</a:t>
-            </a:r>
-            <a:r>
-              <a:rPr lang="en-US" sz="3350" dirty="0"/>
-              <a:t> </a:t>
-            </a:r>
-            <a:r>
-              <a:rPr lang="en-US" sz="3350" dirty="0" err="1"/>
-              <a:t>работа</a:t>
-            </a:r>
-            <a:endParaRPr lang="en-US" sz="3350" dirty="0" err="1">
+              <a:t> работа</a:t>
+            </a:r>
+            <a:endParaRPr lang="en-US" sz="3350" dirty="0">
               <a:cs typeface="Calibri"/>
             </a:endParaRPr>
           </a:p>
@@ -11541,13 +11136,8 @@
           <a:p>
             <a:r>
               <a:rPr lang="bg-BG" dirty="0"/>
-              <a:t>Основи на </a:t>
-            </a:r>
-            <a:r>
-              <a:rPr lang="bg-BG" dirty="0" err="1"/>
-              <a:t>стриймването</a:t>
-            </a:r>
-            <a:endParaRPr lang="bg-BG" dirty="0"/>
+              <a:t>Основи на стриймването</a:t>
+            </a:r>
           </a:p>
         </p:txBody>
       </p:sp>
@@ -11986,24 +11576,20 @@
               </a:buClr>
             </a:pPr>
             <a:r>
-              <a:rPr lang="en-US" sz="3350" b="1" dirty="0" err="1">
+              <a:rPr lang="en-US" sz="3350" b="1" dirty="0">
                 <a:solidFill>
                   <a:schemeClr val="bg1"/>
                 </a:solidFill>
               </a:rPr>
-              <a:t>Позицията</a:t>
-            </a:r>
-            <a:r>
-              <a:rPr lang="en-US" sz="3350" b="1" dirty="0">
-                <a:solidFill>
-                  <a:schemeClr val="bg1"/>
-                </a:solidFill>
-              </a:rPr>
-              <a:t> </a:t>
-            </a:r>
-            <a:r>
-              <a:rPr lang="en-US" sz="3350" dirty="0" err="1"/>
-              <a:t>е</a:t>
+              <a:t>Позицията </a:t>
+            </a:r>
+            <a:r>
+              <a:rPr lang="en-US" sz="3350" dirty="0"/>
+              <a:t>е </a:t>
+            </a:r>
+            <a:r>
+              <a:rPr lang="bg-BG" sz="3350" dirty="0"/>
+              <a:t>текущия</a:t>
             </a:r>
             <a:r>
               <a:rPr lang="en-US" sz="3350" dirty="0"/>
@@ -12011,31 +11597,11 @@
             </a:r>
             <a:r>
               <a:rPr lang="bg-BG" sz="3350" dirty="0"/>
-              <a:t>текущия</a:t>
+              <a:t>индекс</a:t>
             </a:r>
             <a:r>
               <a:rPr lang="en-US" sz="3350" dirty="0"/>
-              <a:t> </a:t>
-            </a:r>
-            <a:r>
-              <a:rPr lang="bg-BG" sz="3350" dirty="0"/>
-              <a:t>индекс</a:t>
-            </a:r>
-            <a:r>
-              <a:rPr lang="en-US" sz="3350" dirty="0"/>
-              <a:t> </a:t>
-            </a:r>
-            <a:r>
-              <a:rPr lang="en-US" sz="3350" dirty="0" err="1"/>
-              <a:t>от</a:t>
-            </a:r>
-            <a:r>
-              <a:rPr lang="en-US" sz="3350" dirty="0"/>
-              <a:t> </a:t>
-            </a:r>
-            <a:r>
-              <a:rPr lang="en-US" sz="3350" dirty="0" err="1"/>
-              <a:t>стрийм</a:t>
+              <a:t> от стрийм</a:t>
             </a:r>
             <a:r>
               <a:rPr lang="bg-BG" sz="3350" dirty="0"/>
@@ -12052,7 +11618,7 @@
               </a:buClr>
             </a:pPr>
             <a:r>
-              <a:rPr lang="en-US" sz="3350" b="1" dirty="0" err="1">
+              <a:rPr lang="en-US" sz="3350" b="1" dirty="0">
                 <a:solidFill>
                   <a:schemeClr val="bg1"/>
                 </a:solidFill>
@@ -12060,7 +11626,7 @@
               <a:t>Буфер</a:t>
             </a:r>
             <a:r>
-              <a:rPr lang="bg-BG" sz="3350" b="1" dirty="0" err="1">
+              <a:rPr lang="bg-BG" sz="3350" b="1" dirty="0">
                 <a:solidFill>
                   <a:schemeClr val="bg1"/>
                 </a:solidFill>
@@ -12076,7 +11642,7 @@
               <a:t> </a:t>
             </a:r>
             <a:r>
-              <a:rPr lang="en-US" sz="3350" dirty="0" err="1">
+              <a:rPr lang="en-US" sz="3350" dirty="0">
                 <a:solidFill>
                   <a:srgbClr val="234465"/>
                 </a:solidFill>
@@ -12097,39 +11663,7 @@
             </a:r>
             <a:r>
               <a:rPr lang="en-US" sz="3350" dirty="0"/>
-              <a:t> </a:t>
-            </a:r>
-            <a:r>
-              <a:rPr lang="en-US" sz="3350" dirty="0" err="1"/>
-              <a:t>бита</a:t>
-            </a:r>
-            <a:r>
-              <a:rPr lang="en-US" sz="3350" dirty="0"/>
-              <a:t> </a:t>
-            </a:r>
-            <a:r>
-              <a:rPr lang="en-US" sz="3350" dirty="0" err="1"/>
-              <a:t>на</a:t>
-            </a:r>
-            <a:r>
-              <a:rPr lang="en-US" sz="3350" dirty="0"/>
-              <a:t> </a:t>
-            </a:r>
-            <a:r>
-              <a:rPr lang="en-US" sz="3350" dirty="0" err="1"/>
-              <a:t>стрийм</a:t>
-            </a:r>
-            <a:r>
-              <a:rPr lang="en-US" sz="3350" dirty="0"/>
-              <a:t> </a:t>
-            </a:r>
-            <a:r>
-              <a:rPr lang="en-US" sz="3350" dirty="0" err="1"/>
-              <a:t>от</a:t>
-            </a:r>
-            <a:r>
-              <a:rPr lang="en-US" sz="3350" dirty="0"/>
-              <a:t> </a:t>
+              <a:t> бита на стрийм от </a:t>
             </a:r>
             <a:r>
               <a:rPr lang="bg-BG" sz="3350" dirty="0"/>
@@ -12165,12 +11699,8 @@
           <a:lstStyle/>
           <a:p>
             <a:r>
-              <a:rPr lang="bg-BG" dirty="0" err="1"/>
-              <a:t>Стриймове</a:t>
-            </a:r>
-            <a:r>
               <a:rPr lang="bg-BG" dirty="0"/>
-              <a:t> и буфери </a:t>
+              <a:t>Стриймове и буфери </a:t>
             </a:r>
             <a:r>
               <a:rPr lang="en-US" dirty="0"/>
@@ -13395,7 +12925,7 @@
           <a:lstStyle/>
           <a:p>
             <a:pPr algn="ctr"/>
-            <a:endParaRPr lang="en-US" sz="1799"/>
+            <a:endParaRPr lang="en-US" sz="1799" dirty="0"/>
           </a:p>
         </p:txBody>
       </p:sp>
@@ -13483,7 +13013,7 @@
           <a:lstStyle/>
           <a:p>
             <a:pPr algn="ctr"/>
-            <a:endParaRPr lang="en-US" sz="2799" b="1">
+            <a:endParaRPr lang="en-US" sz="2799" b="1" dirty="0">
               <a:solidFill>
                 <a:srgbClr val="FFFFFF"/>
               </a:solidFill>
@@ -13521,10 +13051,10 @@
           <a:lstStyle/>
           <a:p>
             <a:r>
-              <a:rPr lang="en-US" sz="2750" b="1" dirty="0" err="1"/>
+              <a:rPr lang="en-US" sz="2750" b="1" dirty="0"/>
               <a:t>Позиция</a:t>
             </a:r>
-            <a:endParaRPr lang="en-US" sz="2799" b="1" dirty="0" err="1"/>
+            <a:endParaRPr lang="en-US" sz="2799" b="1" dirty="0"/>
           </a:p>
         </p:txBody>
       </p:sp>
@@ -13800,10 +13330,10 @@
           <a:lstStyle/>
           <a:p>
             <a:r>
-              <a:rPr lang="en-US" sz="2750" b="1" dirty="0" err="1"/>
+              <a:rPr lang="en-US" sz="2750" b="1" dirty="0"/>
               <a:t>Буфер</a:t>
             </a:r>
-            <a:endParaRPr lang="en-US" sz="2799" b="1" dirty="0" err="1"/>
+            <a:endParaRPr lang="en-US" sz="2799" b="1" dirty="0"/>
           </a:p>
         </p:txBody>
       </p:sp>
@@ -15400,20 +14930,8 @@
               <a:defRPr/>
             </a:pPr>
             <a:r>
-              <a:rPr lang="en-US" sz="3950" dirty="0" err="1"/>
-              <a:t>Типове</a:t>
-            </a:r>
-            <a:r>
               <a:rPr lang="en-US" sz="3950" dirty="0"/>
-              <a:t> </a:t>
-            </a:r>
-            <a:r>
-              <a:rPr lang="en-US" sz="3950" dirty="0" err="1"/>
-              <a:t>стрийм</a:t>
-            </a:r>
-            <a:r>
-              <a:rPr lang="en-US" sz="3950" dirty="0"/>
-              <a:t> в .NET</a:t>
+              <a:t>Типове стрийм в .NET</a:t>
             </a:r>
           </a:p>
         </p:txBody>
@@ -15592,28 +15110,10 @@
           <a:lstStyle/>
           <a:p>
             <a:r>
-              <a:rPr lang="en-GB" sz="5350" dirty="0" err="1">
-                <a:cs typeface="Arial"/>
-              </a:rPr>
-              <a:t>Четене</a:t>
-            </a:r>
-            <a:r>
               <a:rPr lang="en-GB" sz="5350" dirty="0">
                 <a:cs typeface="Arial"/>
               </a:rPr>
-              <a:t> и </a:t>
-            </a:r>
-            <a:r>
-              <a:rPr lang="en-GB" sz="5350" dirty="0" err="1">
-                <a:cs typeface="Arial"/>
-              </a:rPr>
-              <a:t>писане</a:t>
-            </a:r>
-            <a:r>
-              <a:rPr lang="en-GB" sz="5350" dirty="0">
-                <a:cs typeface="Arial"/>
-              </a:rPr>
-              <a:t> </a:t>
+              <a:t>Четене и писане </a:t>
             </a:r>
             <a:r>
               <a:rPr lang="bg-BG" sz="5350" dirty="0">
@@ -15703,57 +15203,29 @@
             </a:r>
             <a:r>
               <a:rPr lang="en-US" sz="3350" dirty="0"/>
-              <a:t> в C# </a:t>
-            </a:r>
-            <a:r>
-              <a:rPr lang="en-US" sz="3350" dirty="0" err="1"/>
-              <a:t>чете</a:t>
+              <a:t> в C# чете </a:t>
+            </a:r>
+            <a:r>
+              <a:rPr lang="en-US" sz="3350" b="1" dirty="0">
+                <a:solidFill>
+                  <a:schemeClr val="bg1"/>
+                </a:solidFill>
+              </a:rPr>
+              <a:t>текст </a:t>
+            </a:r>
+            <a:r>
+              <a:rPr lang="en-US" sz="3350" dirty="0">
+                <a:solidFill>
+                  <a:srgbClr val="234465"/>
+                </a:solidFill>
+              </a:rPr>
+              <a:t>от</a:t>
             </a:r>
             <a:r>
               <a:rPr lang="en-US" sz="3350" dirty="0"/>
-              <a:t> </a:t>
-            </a:r>
-            <a:r>
-              <a:rPr lang="en-US" sz="3350" b="1" dirty="0" err="1">
-                <a:solidFill>
-                  <a:schemeClr val="bg1"/>
-                </a:solidFill>
-              </a:rPr>
-              <a:t>текст</a:t>
-            </a:r>
-            <a:r>
-              <a:rPr lang="en-US" sz="3350" b="1" dirty="0">
-                <a:solidFill>
-                  <a:schemeClr val="bg1"/>
-                </a:solidFill>
-              </a:rPr>
-              <a:t> </a:t>
-            </a:r>
-            <a:r>
-              <a:rPr lang="en-US" sz="3350" dirty="0" err="1">
-                <a:solidFill>
-                  <a:srgbClr val="234465"/>
-                </a:solidFill>
-              </a:rPr>
-              <a:t>от</a:t>
-            </a:r>
-            <a:r>
-              <a:rPr lang="en-US" sz="3350" dirty="0"/>
-              <a:t> a </a:t>
-            </a:r>
-            <a:r>
-              <a:rPr lang="en-US" sz="3350" dirty="0" err="1"/>
-              <a:t>файл</a:t>
-            </a:r>
-            <a:r>
-              <a:rPr lang="en-US" sz="3350" dirty="0"/>
-              <a:t> / </a:t>
-            </a:r>
-            <a:r>
-              <a:rPr lang="en-US" sz="3350" dirty="0" err="1"/>
-              <a:t>стрийм</a:t>
-            </a:r>
-            <a:endParaRPr lang="bg-BG" sz="3350" dirty="0" err="1"/>
+              <a:t> a файл / стрийм</a:t>
+            </a:r>
+            <a:endParaRPr lang="bg-BG" sz="3350" dirty="0"/>
           </a:p>
           <a:p>
             <a:pPr marL="360045" indent="-360045">
@@ -15763,60 +15235,20 @@
             </a:pPr>
             <a:r>
               <a:rPr lang="en-US" sz="3350" dirty="0"/>
-              <a:t>Използването </a:t>
-            </a:r>
-            <a:r>
-              <a:rPr lang="en-US" sz="3350" dirty="0" err="1"/>
-              <a:t>на</a:t>
+              <a:t>Използването на </a:t>
+            </a:r>
+            <a:r>
+              <a:rPr lang="en-US" sz="3350" b="1" dirty="0">
+                <a:solidFill>
+                  <a:schemeClr val="bg1"/>
+                </a:solidFill>
+                <a:latin typeface="Consolas"/>
+              </a:rPr>
+              <a:t>using(…)</a:t>
             </a:r>
             <a:r>
               <a:rPr lang="en-US" sz="3350" dirty="0"/>
-              <a:t> </a:t>
-            </a:r>
-            <a:r>
-              <a:rPr lang="en-US" sz="3350" b="1" dirty="0">
-                <a:solidFill>
-                  <a:schemeClr val="bg1"/>
-                </a:solidFill>
-                <a:latin typeface="Consolas"/>
-              </a:rPr>
-              <a:t>using(…)</a:t>
-            </a:r>
-            <a:r>
-              <a:rPr lang="en-US" sz="3350" dirty="0"/>
-              <a:t>  </a:t>
-            </a:r>
-            <a:r>
-              <a:rPr lang="en-US" sz="3350" dirty="0" err="1"/>
-              <a:t>затваря</a:t>
-            </a:r>
-            <a:r>
-              <a:rPr lang="en-US" sz="3350" dirty="0"/>
-              <a:t> </a:t>
-            </a:r>
-            <a:r>
-              <a:rPr lang="en-US" sz="3350" dirty="0" err="1"/>
-              <a:t>правилно</a:t>
-            </a:r>
-            <a:r>
-              <a:rPr lang="en-US" sz="3350" dirty="0"/>
-              <a:t> </a:t>
-            </a:r>
-            <a:r>
-              <a:rPr lang="en-US" sz="3350" dirty="0" err="1"/>
-              <a:t>стрийма</a:t>
-            </a:r>
-            <a:r>
-              <a:rPr lang="en-US" sz="3350" dirty="0"/>
-              <a:t> </a:t>
-            </a:r>
-            <a:r>
-              <a:rPr lang="en-US" sz="3350" dirty="0" err="1"/>
-              <a:t>накрая</a:t>
-            </a:r>
-            <a:r>
-              <a:rPr lang="en-US" sz="3350" dirty="0"/>
-              <a:t> </a:t>
+              <a:t>  затваря правилно стрийма накрая </a:t>
             </a:r>
             <a:endParaRPr lang="en-US" sz="3350" dirty="0">
               <a:cs typeface="Calibri"/>
@@ -15840,20 +15272,8 @@
           <a:lstStyle/>
           <a:p>
             <a:r>
-              <a:rPr lang="en-US" sz="3950" dirty="0" err="1"/>
-              <a:t>Използване</a:t>
-            </a:r>
-            <a:r>
               <a:rPr lang="en-US" sz="3950" dirty="0"/>
-              <a:t> </a:t>
-            </a:r>
-            <a:r>
-              <a:rPr lang="en-US" sz="3950" dirty="0" err="1"/>
-              <a:t>на</a:t>
-            </a:r>
-            <a:r>
-              <a:rPr lang="en-US" sz="3950" dirty="0"/>
-              <a:t> </a:t>
+              <a:t>Използване на </a:t>
             </a:r>
             <a:r>
               <a:rPr lang="en-US" sz="3950" noProof="1"/>
@@ -16691,59 +16111,31 @@
               </a:lnSpc>
             </a:pPr>
             <a:r>
-              <a:rPr lang="en-US" sz="3350" dirty="0" err="1"/>
-              <a:t>Прочетете</a:t>
-            </a:r>
-            <a:r>
               <a:rPr lang="en-US" sz="3350" dirty="0"/>
+              <a:t>Прочетете съдържанието от вашия  </a:t>
+            </a:r>
+            <a:r>
+              <a:rPr lang="en-US" sz="3350" b="1" noProof="1">
+                <a:solidFill>
+                  <a:schemeClr val="bg1"/>
+                </a:solidFill>
+                <a:latin typeface="Consolas"/>
+              </a:rPr>
+              <a:t>input.txt</a:t>
+            </a:r>
+            <a:r>
+              <a:rPr lang="en-US" sz="3350" noProof="1">
+                <a:solidFill>
+                  <a:schemeClr val="bg1"/>
+                </a:solidFill>
+              </a:rPr>
               <a:t> </a:t>
             </a:r>
             <a:r>
-              <a:rPr lang="en-US" sz="3350" dirty="0" err="1"/>
-              <a:t>съдържанието</a:t>
-            </a:r>
-            <a:r>
               <a:rPr lang="en-US" sz="3350" dirty="0"/>
-              <a:t> </a:t>
-            </a:r>
-            <a:r>
-              <a:rPr lang="en-US" sz="3350" dirty="0" err="1"/>
-              <a:t>от</a:t>
-            </a:r>
-            <a:r>
-              <a:rPr lang="en-US" sz="3350" dirty="0"/>
-              <a:t> </a:t>
-            </a:r>
-            <a:r>
-              <a:rPr lang="en-US" sz="3350" dirty="0" err="1"/>
-              <a:t>вашия</a:t>
-            </a:r>
-            <a:r>
-              <a:rPr lang="en-US" sz="3350" dirty="0"/>
-              <a:t>  </a:t>
-            </a:r>
-            <a:r>
-              <a:rPr lang="en-US" sz="3350" b="1" noProof="1">
-                <a:solidFill>
-                  <a:schemeClr val="bg1"/>
-                </a:solidFill>
-                <a:latin typeface="Consolas"/>
-              </a:rPr>
-              <a:t>input.txt</a:t>
-            </a:r>
-            <a:r>
-              <a:rPr lang="en-US" sz="3350" noProof="1">
-                <a:solidFill>
-                  <a:schemeClr val="bg1"/>
-                </a:solidFill>
-              </a:rPr>
-              <a:t> </a:t>
-            </a:r>
-            <a:r>
-              <a:rPr lang="en-US" sz="3350" dirty="0" err="1"/>
               <a:t>файл</a:t>
             </a:r>
-            <a:endParaRPr lang="bg-BG" sz="3350" dirty="0" err="1"/>
+            <a:endParaRPr lang="bg-BG" sz="3350" dirty="0"/>
           </a:p>
           <a:p>
             <a:pPr marL="360045" indent="-360045">
@@ -16752,7 +16144,7 @@
               </a:lnSpc>
             </a:pPr>
             <a:r>
-              <a:rPr lang="en-US" sz="3350" dirty="0" err="1"/>
+              <a:rPr lang="en-US" sz="3350" dirty="0"/>
               <a:t>Отпечатайте</a:t>
             </a:r>
             <a:r>
@@ -16764,48 +16156,16 @@
               <a:t> </a:t>
             </a:r>
             <a:r>
-              <a:rPr lang="en-US" sz="3350" b="1" dirty="0" err="1">
+              <a:rPr lang="en-US" sz="3350" b="1" dirty="0">
                 <a:solidFill>
                   <a:schemeClr val="bg1"/>
                 </a:solidFill>
               </a:rPr>
-              <a:t>четните</a:t>
-            </a:r>
-            <a:r>
-              <a:rPr lang="en-US" sz="3350" b="1" dirty="0">
-                <a:solidFill>
-                  <a:schemeClr val="bg1"/>
-                </a:solidFill>
-              </a:rPr>
-              <a:t> </a:t>
-            </a:r>
-            <a:r>
-              <a:rPr lang="en-US" sz="3350" b="1" dirty="0" err="1">
-                <a:solidFill>
-                  <a:schemeClr val="bg1"/>
-                </a:solidFill>
-              </a:rPr>
-              <a:t>редове</a:t>
-            </a:r>
-            <a:r>
-              <a:rPr lang="en-US" sz="3350" b="1" dirty="0">
-                <a:solidFill>
-                  <a:schemeClr val="bg1"/>
-                </a:solidFill>
-              </a:rPr>
-              <a:t> </a:t>
-            </a:r>
-            <a:r>
-              <a:rPr lang="en-US" sz="3350" dirty="0" err="1"/>
-              <a:t>на</a:t>
+              <a:t>четните редове </a:t>
             </a:r>
             <a:r>
               <a:rPr lang="en-US" sz="3350" dirty="0"/>
-              <a:t> </a:t>
-            </a:r>
-            <a:r>
-              <a:rPr lang="en-US" sz="3350" dirty="0" err="1"/>
-              <a:t>конзолата</a:t>
+              <a:t>на конзолата</a:t>
             </a:r>
             <a:endParaRPr lang="en-US" sz="3350" dirty="0">
               <a:cs typeface="Calibri"/>
@@ -16818,31 +16178,15 @@
               </a:lnSpc>
             </a:pPr>
             <a:r>
-              <a:rPr lang="en-US" sz="3350" dirty="0" err="1"/>
-              <a:t>Започваме</a:t>
-            </a:r>
-            <a:r>
               <a:rPr lang="en-US" sz="3350" dirty="0"/>
-              <a:t> </a:t>
-            </a:r>
-            <a:r>
-              <a:rPr lang="en-US" sz="3350" dirty="0" err="1"/>
-              <a:t>да</a:t>
-            </a:r>
-            <a:r>
-              <a:rPr lang="en-US" sz="3350" dirty="0"/>
-              <a:t> </a:t>
-            </a:r>
-            <a:r>
-              <a:rPr lang="en-US" sz="3350" dirty="0" err="1"/>
-              <a:t>бро</a:t>
+              <a:t>Започваме да бро</a:t>
             </a:r>
             <a:r>
               <a:rPr lang="bg-BG" sz="3350" dirty="0"/>
               <a:t>и</a:t>
             </a:r>
             <a:r>
-              <a:rPr lang="en-US" sz="3350" dirty="0" err="1"/>
+              <a:rPr lang="en-US" sz="3350" dirty="0"/>
               <a:t>м</a:t>
             </a:r>
             <a:r>
@@ -16851,23 +16195,7 @@
                   <a:srgbClr val="234465"/>
                 </a:solidFill>
               </a:rPr>
-              <a:t> </a:t>
-            </a:r>
-            <a:r>
-              <a:rPr lang="en-US" sz="3350" dirty="0" err="1">
-                <a:solidFill>
-                  <a:srgbClr val="234465"/>
-                </a:solidFill>
-              </a:rPr>
-              <a:t>от</a:t>
-            </a:r>
-            <a:r>
-              <a:rPr lang="en-US" sz="3350" dirty="0">
-                <a:solidFill>
-                  <a:srgbClr val="234465"/>
-                </a:solidFill>
-              </a:rPr>
-              <a:t> </a:t>
+              <a:t> от </a:t>
             </a:r>
             <a:r>
               <a:rPr lang="en-US" sz="3350" b="1" dirty="0">
@@ -16904,35 +16232,17 @@
           <a:lstStyle/>
           <a:p>
             <a:r>
-              <a:rPr lang="en-US" sz="3950" dirty="0" err="1"/>
-              <a:t>Задачи</a:t>
-            </a:r>
-            <a:r>
               <a:rPr lang="en-US" sz="3950" dirty="0"/>
-              <a:t>: </a:t>
-            </a:r>
-            <a:r>
-              <a:rPr lang="en-US" sz="3950" dirty="0" err="1">
-                <a:ea typeface="+mj-lt"/>
-                <a:cs typeface="+mj-lt"/>
-              </a:rPr>
-              <a:t>Нечетни</a:t>
+              <a:t>Задачи: </a:t>
             </a:r>
             <a:r>
               <a:rPr lang="en-US" sz="3950" dirty="0">
                 <a:ea typeface="+mj-lt"/>
                 <a:cs typeface="+mj-lt"/>
               </a:rPr>
-              <a:t> </a:t>
-            </a:r>
-            <a:r>
-              <a:rPr lang="en-US" sz="3950" dirty="0" err="1">
-                <a:ea typeface="+mj-lt"/>
-                <a:cs typeface="+mj-lt"/>
-              </a:rPr>
-              <a:t>редове</a:t>
-            </a:r>
-            <a:endParaRPr lang="en-US" sz="3950" b="0" dirty="0" err="1">
+              <a:t>Нечетни редове</a:t>
+            </a:r>
+            <a:endParaRPr lang="en-US" sz="3950" b="0" dirty="0">
               <a:ea typeface="+mj-lt"/>
               <a:cs typeface="+mj-lt"/>
             </a:endParaRPr>
@@ -17206,7 +16516,7 @@
           <a:lstStyle/>
           <a:p>
             <a:pPr algn="ctr"/>
-            <a:endParaRPr lang="bg-BG" sz="2799" b="1">
+            <a:endParaRPr lang="bg-BG" sz="2799" b="1" dirty="0">
               <a:solidFill>
                 <a:srgbClr val="FFFFFF"/>
               </a:solidFill>
@@ -17736,26 +17046,10 @@
           <a:lstStyle/>
           <a:p>
             <a:r>
-              <a:rPr lang="en-US" sz="3950" dirty="0" err="1"/>
-              <a:t>Решение</a:t>
-            </a:r>
-            <a:r>
               <a:rPr lang="en-US" sz="3950" dirty="0"/>
-              <a:t>: </a:t>
-            </a:r>
-            <a:r>
-              <a:rPr lang="en-US" sz="3950" dirty="0" err="1"/>
-              <a:t>Нечетни</a:t>
-            </a:r>
-            <a:r>
-              <a:rPr lang="en-US" sz="3950" dirty="0"/>
-              <a:t> </a:t>
-            </a:r>
-            <a:r>
-              <a:rPr lang="en-US" sz="3950" dirty="0" err="1"/>
-              <a:t>редове</a:t>
-            </a:r>
-            <a:endParaRPr lang="en-US" sz="3950" dirty="0" err="1">
+              <a:t>Решение: Нечетни редове</a:t>
+            </a:r>
+            <a:endParaRPr lang="en-US" sz="3950" dirty="0">
               <a:cs typeface="Calibri"/>
             </a:endParaRPr>
           </a:p>
@@ -18558,44 +17852,14 @@
               </a:lnSpc>
             </a:pPr>
             <a:r>
-              <a:rPr lang="en-US" sz="3150" dirty="0" err="1">
+              <a:rPr lang="en-US" sz="3150" dirty="0">
                 <a:solidFill>
                   <a:srgbClr val="234465"/>
                 </a:solidFill>
                 <a:latin typeface="Calibri"/>
                 <a:cs typeface="Calibri"/>
               </a:rPr>
-              <a:t>Прочетете</a:t>
-            </a:r>
-            <a:r>
-              <a:rPr lang="en-US" sz="3150" dirty="0">
-                <a:solidFill>
-                  <a:srgbClr val="234465"/>
-                </a:solidFill>
-                <a:latin typeface="Calibri"/>
-                <a:cs typeface="Calibri"/>
-              </a:rPr>
-              <a:t> </a:t>
-            </a:r>
-            <a:r>
-              <a:rPr lang="en-US" sz="3150" dirty="0" err="1">
-                <a:solidFill>
-                  <a:srgbClr val="234465"/>
-                </a:solidFill>
-                <a:latin typeface="Calibri"/>
-                <a:cs typeface="Calibri"/>
-              </a:rPr>
-              <a:t>файла</a:t>
-            </a:r>
-            <a:r>
-              <a:rPr lang="en-US" sz="3150" dirty="0">
-                <a:solidFill>
-                  <a:srgbClr val="234465"/>
-                </a:solidFill>
-                <a:latin typeface="Calibri"/>
-                <a:cs typeface="Calibri"/>
-              </a:rPr>
-              <a:t> </a:t>
+              <a:t>Прочетете файла </a:t>
             </a:r>
             <a:r>
               <a:rPr lang="en-US" sz="3150" b="1" noProof="1">
@@ -18621,98 +17885,22 @@
               </a:lnSpc>
             </a:pPr>
             <a:r>
-              <a:rPr lang="en-US" sz="3150" dirty="0" err="1"/>
-              <a:t>Добавете</a:t>
-            </a:r>
-            <a:r>
               <a:rPr lang="en-US" sz="3150" dirty="0"/>
-              <a:t> </a:t>
-            </a:r>
-            <a:r>
-              <a:rPr lang="en-US" sz="3150" b="1" dirty="0" err="1">
+              <a:t>Добавете </a:t>
+            </a:r>
+            <a:r>
+              <a:rPr lang="en-US" sz="3150" b="1" dirty="0">
                 <a:solidFill>
                   <a:schemeClr val="bg1"/>
                 </a:solidFill>
               </a:rPr>
-              <a:t>номер</a:t>
-            </a:r>
-            <a:r>
-              <a:rPr lang="en-US" sz="3150" b="1" dirty="0">
-                <a:solidFill>
-                  <a:schemeClr val="bg1"/>
-                </a:solidFill>
-              </a:rPr>
-              <a:t> </a:t>
-            </a:r>
-            <a:r>
-              <a:rPr lang="en-US" sz="3150" b="1" dirty="0" err="1">
-                <a:solidFill>
-                  <a:schemeClr val="bg1"/>
-                </a:solidFill>
-              </a:rPr>
-              <a:t>на</a:t>
-            </a:r>
-            <a:r>
-              <a:rPr lang="en-US" sz="3150" b="1" dirty="0">
-                <a:solidFill>
-                  <a:schemeClr val="bg1"/>
-                </a:solidFill>
-              </a:rPr>
-              <a:t> </a:t>
-            </a:r>
-            <a:r>
-              <a:rPr lang="en-US" sz="3150" b="1" dirty="0" err="1">
-                <a:solidFill>
-                  <a:schemeClr val="bg1"/>
-                </a:solidFill>
-              </a:rPr>
-              <a:t>реда</a:t>
-            </a:r>
-            <a:r>
-              <a:rPr lang="en-US" sz="3150" b="1" dirty="0">
-                <a:solidFill>
-                  <a:schemeClr val="bg1"/>
-                </a:solidFill>
-              </a:rPr>
-              <a:t> </a:t>
-            </a:r>
-            <a:r>
-              <a:rPr lang="en-US" sz="3150" dirty="0" err="1"/>
-              <a:t>за</a:t>
+              <a:t>номер на реда </a:t>
             </a:r>
             <a:r>
               <a:rPr lang="en-US" sz="3150" dirty="0"/>
-              <a:t> </a:t>
-            </a:r>
-            <a:r>
-              <a:rPr lang="en-US" sz="3150" dirty="0" err="1"/>
-              <a:t>всеки</a:t>
-            </a:r>
-            <a:r>
-              <a:rPr lang="en-US" sz="3150" dirty="0"/>
-              <a:t> </a:t>
-            </a:r>
-            <a:r>
-              <a:rPr lang="en-US" sz="3150" dirty="0" err="1"/>
-              <a:t>ред</a:t>
-            </a:r>
-            <a:r>
-              <a:rPr lang="en-US" sz="3150" dirty="0"/>
-              <a:t> </a:t>
-            </a:r>
-            <a:r>
-              <a:rPr lang="en-US" sz="3150" dirty="0" err="1"/>
-              <a:t>на</a:t>
-            </a:r>
-            <a:r>
-              <a:rPr lang="en-US" sz="3150" dirty="0"/>
-              <a:t> </a:t>
-            </a:r>
-            <a:r>
-              <a:rPr lang="en-US" sz="3150" dirty="0" err="1"/>
-              <a:t>файла</a:t>
-            </a:r>
-            <a:endParaRPr lang="en-US" sz="3150" dirty="0" err="1">
+              <a:t>за всеки ред на файла</a:t>
+            </a:r>
+            <a:endParaRPr lang="en-US" sz="3150" dirty="0">
               <a:cs typeface="Calibri"/>
             </a:endParaRPr>
           </a:p>
@@ -18723,16 +17911,8 @@
               </a:lnSpc>
             </a:pPr>
             <a:r>
-              <a:rPr lang="en-US" sz="3150" dirty="0" err="1"/>
-              <a:t>Запишете</a:t>
-            </a:r>
-            <a:r>
               <a:rPr lang="en-US" sz="3150" dirty="0"/>
-              <a:t> </a:t>
-            </a:r>
-            <a:r>
-              <a:rPr lang="en-US" sz="3150" dirty="0" err="1"/>
-              <a:t>го</a:t>
+              <a:t>Запишете го</a:t>
             </a:r>
             <a:r>
               <a:rPr lang="en-US" sz="3150" dirty="0">
@@ -18800,24 +17980,8 @@
           <a:lstStyle/>
           <a:p>
             <a:r>
-              <a:rPr lang="en-US" sz="3950" dirty="0" err="1"/>
-              <a:t>Задача</a:t>
-            </a:r>
-            <a:r>
               <a:rPr lang="en-US" sz="3950" dirty="0"/>
-              <a:t>: </a:t>
-            </a:r>
-            <a:r>
-              <a:rPr lang="en-US" sz="3950" dirty="0" err="1"/>
-              <a:t>Номерирани</a:t>
-            </a:r>
-            <a:r>
-              <a:rPr lang="en-US" sz="3950" dirty="0"/>
-              <a:t> </a:t>
-            </a:r>
-            <a:r>
-              <a:rPr lang="en-US" sz="3950" dirty="0" err="1"/>
-              <a:t>редове</a:t>
+              <a:t>Задача: Номерирани редове</a:t>
             </a:r>
           </a:p>
         </p:txBody>
@@ -19737,35 +18901,17 @@
               <a:defRPr/>
             </a:pPr>
             <a:r>
-              <a:rPr lang="en-US" sz="3950" dirty="0" err="1"/>
-              <a:t>Решение</a:t>
-            </a:r>
-            <a:r>
               <a:rPr lang="en-US" sz="3950" dirty="0"/>
-              <a:t>: </a:t>
-            </a:r>
-            <a:r>
-              <a:rPr lang="en-US" sz="3950" dirty="0" err="1">
-                <a:ea typeface="+mj-lt"/>
-                <a:cs typeface="+mj-lt"/>
-              </a:rPr>
-              <a:t>Номерирани</a:t>
+              <a:t>Решение: </a:t>
             </a:r>
             <a:r>
               <a:rPr lang="en-US" sz="3950" dirty="0">
                 <a:ea typeface="+mj-lt"/>
                 <a:cs typeface="+mj-lt"/>
               </a:rPr>
-              <a:t> </a:t>
-            </a:r>
-            <a:r>
-              <a:rPr lang="en-US" sz="3950" dirty="0" err="1">
-                <a:ea typeface="+mj-lt"/>
-                <a:cs typeface="+mj-lt"/>
-              </a:rPr>
-              <a:t>редове</a:t>
-            </a:r>
-            <a:endParaRPr lang="en-US" sz="3950" b="0" dirty="0" err="1">
+              <a:t>Номерирани редове</a:t>
+            </a:r>
+            <a:endParaRPr lang="en-US" sz="3950" b="0" dirty="0">
               <a:ea typeface="+mj-lt"/>
               <a:cs typeface="+mj-lt"/>
             </a:endParaRPr>
@@ -20474,7 +19620,7 @@
               <a:t>Какво е </a:t>
             </a:r>
             <a:r>
-              <a:rPr lang="en-US" b="1" dirty="0" err="1">
+              <a:rPr lang="en-US" b="1" dirty="0">
                 <a:solidFill>
                   <a:schemeClr val="bg1"/>
                 </a:solidFill>
@@ -20544,46 +19690,14 @@
               <a:t>3. </a:t>
             </a:r>
             <a:r>
-              <a:rPr lang="en-US" b="1" dirty="0" err="1">
+              <a:rPr lang="en-US" b="1" dirty="0">
                 <a:solidFill>
                   <a:schemeClr val="bg1"/>
                 </a:solidFill>
               </a:rPr>
-              <a:t>Стриймване</a:t>
-            </a:r>
-            <a:r>
-              <a:rPr lang="en-US" b="1" dirty="0">
-                <a:solidFill>
-                  <a:schemeClr val="bg1"/>
-                </a:solidFill>
-              </a:rPr>
-              <a:t> </a:t>
-            </a:r>
-            <a:r>
-              <a:rPr lang="en-US" b="1" dirty="0" err="1">
-                <a:solidFill>
-                  <a:schemeClr val="bg1"/>
-                </a:solidFill>
-              </a:rPr>
-              <a:t>на</a:t>
-            </a:r>
-            <a:r>
-              <a:rPr lang="en-US" b="1" dirty="0">
-                <a:solidFill>
-                  <a:schemeClr val="bg1"/>
-                </a:solidFill>
-              </a:rPr>
-              <a:t> </a:t>
-            </a:r>
-            <a:r>
-              <a:rPr lang="en-US" b="1" dirty="0" err="1">
-                <a:solidFill>
-                  <a:schemeClr val="bg1"/>
-                </a:solidFill>
-              </a:rPr>
-              <a:t>файлове</a:t>
-            </a:r>
-            <a:endParaRPr lang="en-US" b="1" dirty="0" err="1">
+              <a:t>Стриймване на файлове</a:t>
+            </a:r>
+            <a:endParaRPr lang="en-US" b="1" dirty="0">
               <a:solidFill>
                 <a:schemeClr val="bg1"/>
               </a:solidFill>
@@ -20599,15 +19713,7 @@
             </a:pPr>
             <a:r>
               <a:rPr lang="en-US" dirty="0"/>
-              <a:t>4. </a:t>
-            </a:r>
-            <a:r>
-              <a:rPr lang="en-US" dirty="0" err="1"/>
-              <a:t>Клас</a:t>
-            </a:r>
-            <a:r>
-              <a:rPr lang="en-US" dirty="0"/>
-              <a:t> </a:t>
+              <a:t>4. Клас </a:t>
             </a:r>
             <a:r>
               <a:rPr lang="en-US" b="1" dirty="0">
@@ -20641,7 +19747,7 @@
               <a:t> </a:t>
             </a:r>
             <a:r>
-              <a:rPr lang="en-US" dirty="0" err="1">
+              <a:rPr lang="en-US" dirty="0">
                 <a:ea typeface="+mn-lt"/>
                 <a:cs typeface="+mn-lt"/>
               </a:rPr>
@@ -20681,18 +19787,9 @@
               <a:t>Какво е </a:t>
             </a:r>
             <a:r>
-              <a:rPr lang="ru-RU" dirty="0" err="1"/>
-              <a:t>Бинарната</a:t>
-            </a:r>
-            <a:r>
               <a:rPr lang="ru-RU" dirty="0"/>
-              <a:t> </a:t>
-            </a:r>
-            <a:r>
-              <a:rPr lang="ru-RU" dirty="0" err="1"/>
-              <a:t>сериализация</a:t>
-            </a:r>
-            <a:endParaRPr lang="ru-RU" dirty="0"/>
+              <a:t>Бинарната сериализация</a:t>
+            </a:r>
           </a:p>
           <a:p>
             <a:pPr marL="0" indent="0">
@@ -20753,7 +19850,7 @@
           <a:lstStyle/>
           <a:p>
             <a:r>
-              <a:rPr lang="en-GB" sz="4000" dirty="0" err="1"/>
+              <a:rPr lang="en-GB" sz="4000" dirty="0"/>
               <a:t>Съдържание</a:t>
             </a:r>
             <a:endParaRPr lang="bg-BG" dirty="0"/>
@@ -21326,11 +20423,7 @@
             </a:r>
             <a:r>
               <a:rPr lang="en-US" sz="3950" dirty="0"/>
-              <a:t> </a:t>
-            </a:r>
-            <a:r>
-              <a:rPr lang="en-US" sz="3950" dirty="0" err="1"/>
-              <a:t>пример</a:t>
+              <a:t> пример</a:t>
             </a:r>
             <a:endParaRPr lang="en-US" dirty="0"/>
           </a:p>
@@ -21887,7 +20980,7 @@
           <a:p>
             <a:pPr algn="ctr"/>
             <a:r>
-              <a:rPr lang="en-US" sz="2350" b="1" dirty="0" err="1">
+              <a:rPr lang="en-US" sz="2350" b="1" dirty="0">
                 <a:solidFill>
                   <a:srgbClr val="FFFFFF"/>
                 </a:solidFill>
@@ -21922,52 +21015,12 @@
               <a:t>  </a:t>
             </a:r>
             <a:r>
-              <a:rPr lang="en-US" sz="2350" b="1" dirty="0" err="1">
+              <a:rPr lang="en-US" sz="2350" b="1" dirty="0">
                 <a:solidFill>
                   <a:srgbClr val="FFFFFF"/>
                 </a:solidFill>
               </a:rPr>
-              <a:t>може</a:t>
-            </a:r>
-            <a:r>
-              <a:rPr lang="en-US" sz="2350" b="1" dirty="0">
-                <a:solidFill>
-                  <a:srgbClr val="FFFFFF"/>
-                </a:solidFill>
-              </a:rPr>
-              <a:t> </a:t>
-            </a:r>
-            <a:r>
-              <a:rPr lang="en-US" sz="2350" b="1" dirty="0" err="1">
-                <a:solidFill>
-                  <a:srgbClr val="FFFFFF"/>
-                </a:solidFill>
-              </a:rPr>
-              <a:t>да</a:t>
-            </a:r>
-            <a:r>
-              <a:rPr lang="en-US" sz="2350" b="1" dirty="0">
-                <a:solidFill>
-                  <a:srgbClr val="FFFFFF"/>
-                </a:solidFill>
-              </a:rPr>
-              <a:t> </a:t>
-            </a:r>
-            <a:r>
-              <a:rPr lang="en-US" sz="2350" b="1" dirty="0" err="1">
-                <a:solidFill>
-                  <a:srgbClr val="FFFFFF"/>
-                </a:solidFill>
-              </a:rPr>
-              <a:t>използвате</a:t>
-            </a:r>
-            <a:r>
-              <a:rPr lang="en-US" sz="2350" b="1" dirty="0">
-                <a:solidFill>
-                  <a:srgbClr val="FFFFFF"/>
-                </a:solidFill>
-              </a:rPr>
-              <a:t> </a:t>
+              <a:t>може да използвате </a:t>
             </a:r>
             <a:r>
               <a:rPr lang="en-US" sz="2350" b="1" dirty="0">
@@ -22638,84 +21691,12 @@
           <a:lstStyle/>
           <a:p>
             <a:r>
-              <a:rPr lang="en-GB" sz="4800" dirty="0" err="1">
-                <a:cs typeface="Arial"/>
-              </a:rPr>
-              <a:t>Четене</a:t>
-            </a:r>
-            <a:r>
               <a:rPr lang="en-GB" sz="4800" dirty="0">
                 <a:cs typeface="Arial"/>
               </a:rPr>
-              <a:t>/</a:t>
-            </a:r>
-            <a:r>
-              <a:rPr lang="en-GB" sz="4800" dirty="0" err="1">
-                <a:cs typeface="Arial"/>
-              </a:rPr>
-              <a:t>Писане</a:t>
-            </a:r>
-            <a:r>
-              <a:rPr lang="en-GB" sz="4800" dirty="0">
-                <a:cs typeface="Arial"/>
-              </a:rPr>
-              <a:t> </a:t>
-            </a:r>
-            <a:r>
-              <a:rPr lang="en-GB" sz="4800" dirty="0" err="1">
-                <a:cs typeface="Arial"/>
-              </a:rPr>
-              <a:t>на</a:t>
-            </a:r>
-            <a:r>
-              <a:rPr lang="en-GB" sz="4800" dirty="0">
-                <a:cs typeface="Arial"/>
-              </a:rPr>
-              <a:t> </a:t>
-            </a:r>
-            <a:r>
-              <a:rPr lang="en-GB" sz="4800" dirty="0" err="1">
-                <a:cs typeface="Arial"/>
-              </a:rPr>
-              <a:t>информация</a:t>
-            </a:r>
-            <a:r>
-              <a:rPr lang="en-GB" sz="4800" dirty="0">
-                <a:cs typeface="Arial"/>
-              </a:rPr>
-              <a:t> </a:t>
-            </a:r>
-            <a:r>
-              <a:rPr lang="en-GB" sz="4800" dirty="0" err="1">
-                <a:cs typeface="Arial"/>
-              </a:rPr>
-              <a:t>от</a:t>
-            </a:r>
-            <a:r>
-              <a:rPr lang="en-GB" sz="4800" dirty="0">
-                <a:cs typeface="Arial"/>
-              </a:rPr>
-              <a:t>/</a:t>
-            </a:r>
-            <a:r>
-              <a:rPr lang="en-GB" sz="4800" dirty="0" err="1">
-                <a:cs typeface="Arial"/>
-              </a:rPr>
-              <a:t>на</a:t>
-            </a:r>
-            <a:r>
-              <a:rPr lang="en-GB" sz="4800" dirty="0">
-                <a:cs typeface="Arial"/>
-              </a:rPr>
-              <a:t> </a:t>
-            </a:r>
-            <a:r>
-              <a:rPr lang="en-GB" sz="4800" dirty="0" err="1">
-                <a:cs typeface="Arial"/>
-              </a:rPr>
-              <a:t>файлове</a:t>
-            </a:r>
-            <a:endParaRPr lang="bg-BG" sz="4800" dirty="0" err="1">
+              <a:t>Четене/Писане на информация от/на файлове</a:t>
+            </a:r>
+            <a:endParaRPr lang="bg-BG" sz="4800" dirty="0">
               <a:cs typeface="Arial"/>
             </a:endParaRPr>
           </a:p>
@@ -22822,44 +21803,16 @@
               </a:buClr>
             </a:pPr>
             <a:r>
-              <a:rPr lang="en-US" sz="3600" b="1" dirty="0" err="1">
+              <a:rPr lang="en-US" sz="3600" b="1" dirty="0">
                 <a:solidFill>
                   <a:schemeClr val="bg1"/>
                 </a:solidFill>
               </a:rPr>
-              <a:t>Създава</a:t>
-            </a:r>
-            <a:r>
-              <a:rPr lang="en-US" sz="3600" b="1" dirty="0">
-                <a:solidFill>
-                  <a:schemeClr val="bg1"/>
-                </a:solidFill>
-              </a:rPr>
-              <a:t> </a:t>
-            </a:r>
-            <a:r>
-              <a:rPr lang="en-US" sz="3600" dirty="0" err="1"/>
-              <a:t>нов</a:t>
+              <a:t>Създава </a:t>
             </a:r>
             <a:r>
               <a:rPr lang="en-US" sz="3600" dirty="0"/>
-              <a:t> </a:t>
-            </a:r>
-            <a:r>
-              <a:rPr lang="en-US" sz="3600" dirty="0" err="1"/>
-              <a:t>двоичен</a:t>
-            </a:r>
-            <a:r>
-              <a:rPr lang="en-US" sz="3600" dirty="0"/>
-              <a:t> </a:t>
-            </a:r>
-            <a:r>
-              <a:rPr lang="en-US" sz="3600" dirty="0" err="1"/>
-              <a:t>файл</a:t>
-            </a:r>
-            <a:r>
-              <a:rPr lang="en-US" sz="3600" dirty="0"/>
-              <a:t>:</a:t>
+              <a:t>нов двоичен файл:</a:t>
             </a:r>
             <a:endParaRPr lang="en-US" sz="3600" dirty="0">
               <a:cs typeface="Calibri"/>
@@ -22914,7 +21867,7 @@
               </a:buClr>
             </a:pPr>
             <a:r>
-              <a:rPr lang="en-US" sz="3600" b="1" dirty="0" err="1">
+              <a:rPr lang="en-US" sz="3600" b="1" dirty="0">
                 <a:solidFill>
                   <a:schemeClr val="bg1"/>
                 </a:solidFill>
@@ -22930,26 +21883,10 @@
               <a:t> </a:t>
             </a:r>
             <a:r>
-              <a:rPr lang="en-US" sz="3600" dirty="0" err="1"/>
-              <a:t>на</a:t>
-            </a:r>
-            <a:r>
               <a:rPr lang="en-US" sz="3600" dirty="0"/>
-              <a:t> </a:t>
-            </a:r>
-            <a:r>
-              <a:rPr lang="en-US" sz="3600" dirty="0" err="1"/>
-              <a:t>съществуващ</a:t>
-            </a:r>
-            <a:r>
-              <a:rPr lang="en-US" sz="3600" dirty="0"/>
-              <a:t> </a:t>
-            </a:r>
-            <a:r>
-              <a:rPr lang="en-US" sz="3600" dirty="0" err="1"/>
-              <a:t>файл</a:t>
-            </a:r>
-            <a:endParaRPr lang="en-US" sz="3600" dirty="0" err="1">
+              <a:t>на съществуващ файл</a:t>
+            </a:r>
+            <a:endParaRPr lang="en-US" sz="3600" dirty="0">
               <a:cs typeface="Calibri"/>
             </a:endParaRPr>
           </a:p>
@@ -23601,48 +22538,8 @@
               <a:defRPr/>
             </a:pPr>
             <a:r>
-              <a:rPr lang="en-US" altLang="en-US" sz="3950" dirty="0" err="1"/>
-              <a:t>Писане</a:t>
-            </a:r>
-            <a:r>
               <a:rPr lang="en-US" altLang="en-US" sz="3950" dirty="0"/>
-              <a:t> </a:t>
-            </a:r>
-            <a:r>
-              <a:rPr lang="en-US" altLang="en-US" sz="3950" dirty="0" err="1"/>
-              <a:t>на</a:t>
-            </a:r>
-            <a:r>
-              <a:rPr lang="en-US" altLang="en-US" sz="3950" dirty="0"/>
-              <a:t> </a:t>
-            </a:r>
-            <a:r>
-              <a:rPr lang="en-US" altLang="en-US" sz="3950" dirty="0" err="1"/>
-              <a:t>текст</a:t>
-            </a:r>
-            <a:r>
-              <a:rPr lang="en-US" altLang="en-US" sz="3950" dirty="0"/>
-              <a:t> </a:t>
-            </a:r>
-            <a:r>
-              <a:rPr lang="en-US" altLang="en-US" sz="3950" dirty="0" err="1"/>
-              <a:t>във</a:t>
-            </a:r>
-            <a:r>
-              <a:rPr lang="en-US" altLang="en-US" sz="3950" dirty="0"/>
-              <a:t> </a:t>
-            </a:r>
-            <a:r>
-              <a:rPr lang="en-US" altLang="en-US" sz="3950" dirty="0" err="1"/>
-              <a:t>файл</a:t>
-            </a:r>
-            <a:r>
-              <a:rPr lang="en-US" altLang="en-US" sz="3950" dirty="0"/>
-              <a:t> – </a:t>
-            </a:r>
-            <a:r>
-              <a:rPr lang="en-US" altLang="en-US" sz="3950" dirty="0" err="1"/>
-              <a:t>пример</a:t>
+              <a:t>Писане на текст във файл – пример</a:t>
             </a:r>
             <a:endParaRPr lang="en-US" altLang="en-US" sz="3950" noProof="1">
               <a:latin typeface="Consolas" panose="020B0609020204030204" pitchFamily="49" charset="0"/>
@@ -24410,36 +23307,8 @@
               <a:defRPr/>
             </a:pPr>
             <a:r>
-              <a:rPr lang="en-US" sz="3950" dirty="0" err="1"/>
-              <a:t>Криптиране</a:t>
-            </a:r>
-            <a:r>
               <a:rPr lang="en-US" sz="3950" dirty="0"/>
-              <a:t>/</a:t>
-            </a:r>
-            <a:r>
-              <a:rPr lang="en-US" sz="3950" dirty="0" err="1"/>
-              <a:t>Декрептиране</a:t>
-            </a:r>
-            <a:r>
-              <a:rPr lang="en-US" sz="3950" dirty="0"/>
-              <a:t> </a:t>
-            </a:r>
-            <a:r>
-              <a:rPr lang="en-US" sz="3950" dirty="0" err="1"/>
-              <a:t>на</a:t>
-            </a:r>
-            <a:r>
-              <a:rPr lang="en-US" sz="3950" dirty="0"/>
-              <a:t> </a:t>
-            </a:r>
-            <a:r>
-              <a:rPr lang="en-US" sz="3950" dirty="0" err="1"/>
-              <a:t>файл</a:t>
-            </a:r>
-            <a:r>
-              <a:rPr lang="en-US" sz="3950" dirty="0"/>
-              <a:t> с XOR</a:t>
+              <a:t>Криптиране/Декрептиране на файл с XOR</a:t>
             </a:r>
             <a:endParaRPr lang="en-US" altLang="en-US" sz="3950" noProof="1">
               <a:latin typeface="Consolas" panose="020B0609020204030204" pitchFamily="49" charset="0"/>
@@ -25653,16 +24522,10 @@
           <a:lstStyle/>
           <a:p>
             <a:r>
-              <a:rPr lang="en-US" sz="5350" dirty="0" err="1">
-                <a:cs typeface="Arial"/>
-              </a:rPr>
-              <a:t>Класа</a:t>
-            </a:r>
-            <a:r>
               <a:rPr lang="en-US" sz="5350" dirty="0">
                 <a:cs typeface="Arial"/>
               </a:rPr>
-              <a:t> File в .NET</a:t>
+              <a:t>Класа File в .NET</a:t>
             </a:r>
             <a:endParaRPr lang="bg-BG" sz="5350" dirty="0">
               <a:cs typeface="Arial"/>
@@ -25909,34 +24772,10 @@
           <a:lstStyle/>
           <a:p>
             <a:r>
-              <a:rPr lang="en-US" sz="3950" dirty="0" err="1"/>
-              <a:t>Четене</a:t>
-            </a:r>
-            <a:r>
               <a:rPr lang="en-US" sz="3950" dirty="0"/>
-              <a:t> </a:t>
-            </a:r>
-            <a:r>
-              <a:rPr lang="en-US" sz="3950" dirty="0" err="1"/>
-              <a:t>на</a:t>
-            </a:r>
-            <a:r>
-              <a:rPr lang="en-US" sz="3950" dirty="0"/>
-              <a:t> </a:t>
-            </a:r>
-            <a:r>
-              <a:rPr lang="en-US" sz="3950" dirty="0" err="1"/>
-              <a:t>текстов</a:t>
-            </a:r>
-            <a:r>
-              <a:rPr lang="en-US" sz="3950" dirty="0"/>
-              <a:t> </a:t>
-            </a:r>
-            <a:r>
-              <a:rPr lang="en-US" sz="3950" dirty="0" err="1"/>
-              <a:t>файл</a:t>
-            </a:r>
-            <a:endParaRPr lang="en-US" dirty="0" err="1"/>
+              <a:t>Четене на текстов файл</a:t>
+            </a:r>
+            <a:endParaRPr lang="en-US" dirty="0"/>
           </a:p>
         </p:txBody>
       </p:sp>
@@ -26523,34 +25362,10 @@
           <a:lstStyle/>
           <a:p>
             <a:r>
-              <a:rPr lang="en-US" sz="3950" dirty="0" err="1"/>
-              <a:t>Писане</a:t>
-            </a:r>
-            <a:r>
               <a:rPr lang="en-US" sz="3950" dirty="0"/>
-              <a:t> </a:t>
-            </a:r>
-            <a:r>
-              <a:rPr lang="en-US" sz="3950" dirty="0" err="1"/>
-              <a:t>на</a:t>
-            </a:r>
-            <a:r>
-              <a:rPr lang="en-US" sz="3950" dirty="0"/>
-              <a:t> </a:t>
-            </a:r>
-            <a:r>
-              <a:rPr lang="en-US" sz="3950" dirty="0" err="1"/>
-              <a:t>текстов</a:t>
-            </a:r>
-            <a:r>
-              <a:rPr lang="en-US" sz="3950" dirty="0"/>
-              <a:t> </a:t>
-            </a:r>
-            <a:r>
-              <a:rPr lang="en-US" sz="3950" dirty="0" err="1"/>
-              <a:t>файл</a:t>
-            </a:r>
-            <a:endParaRPr lang="en-US" dirty="0" err="1"/>
+              <a:t>Писане на текстов файл</a:t>
+            </a:r>
+            <a:endParaRPr lang="en-US" dirty="0"/>
           </a:p>
         </p:txBody>
       </p:sp>
@@ -27466,42 +26281,9 @@
           <a:lstStyle/>
           <a:p>
             <a:r>
-              <a:rPr lang="en-US" sz="3950" dirty="0" err="1"/>
-              <a:t>Четене</a:t>
-            </a:r>
-            <a:r>
               <a:rPr lang="en-US" sz="3950" dirty="0"/>
-              <a:t>/</a:t>
-            </a:r>
-            <a:r>
-              <a:rPr lang="en-US" sz="3950" dirty="0" err="1"/>
-              <a:t>Писане</a:t>
-            </a:r>
-            <a:r>
-              <a:rPr lang="en-US" sz="3950" dirty="0"/>
-              <a:t> </a:t>
-            </a:r>
-            <a:r>
-              <a:rPr lang="en-US" sz="3950" dirty="0" err="1"/>
-              <a:t>на</a:t>
-            </a:r>
-            <a:r>
-              <a:rPr lang="en-US" sz="3950" dirty="0"/>
-              <a:t> </a:t>
-            </a:r>
-            <a:r>
-              <a:rPr lang="en-US" sz="3950" dirty="0" err="1"/>
-              <a:t>двоичен</a:t>
-            </a:r>
-            <a:r>
-              <a:rPr lang="en-US" sz="3950" dirty="0"/>
-              <a:t> </a:t>
-            </a:r>
-            <a:r>
-              <a:rPr lang="en-US" sz="3950" dirty="0" err="1"/>
-              <a:t>файл</a:t>
-            </a:r>
-            <a:endParaRPr lang="en-US" sz="3950" dirty="0"/>
+              <a:t>Четене/Писане на двоичен файл</a:t>
+            </a:r>
           </a:p>
         </p:txBody>
       </p:sp>
@@ -28305,16 +27087,10 @@
           <a:lstStyle/>
           <a:p>
             <a:r>
-              <a:rPr lang="en-US" sz="5350" dirty="0" err="1">
-                <a:cs typeface="Arial"/>
-              </a:rPr>
-              <a:t>Класа</a:t>
-            </a:r>
-            <a:r>
               <a:rPr lang="en-US" sz="5350" dirty="0">
                 <a:cs typeface="Arial"/>
               </a:rPr>
-              <a:t> Directory в .NET</a:t>
+              <a:t>Класа Directory в .NET</a:t>
             </a:r>
             <a:endParaRPr lang="bg-BG" sz="5350" dirty="0">
               <a:cs typeface="Arial"/>
@@ -28529,23 +27305,15 @@
               </a:buClr>
             </a:pPr>
             <a:r>
-              <a:rPr lang="en-US" sz="3350" b="1" dirty="0" err="1">
+              <a:rPr lang="en-US" sz="3350" b="1" dirty="0">
                 <a:solidFill>
                   <a:schemeClr val="bg1"/>
                 </a:solidFill>
               </a:rPr>
-              <a:t>Създаване</a:t>
-            </a:r>
-            <a:r>
-              <a:rPr lang="en-US" sz="3350" b="1" dirty="0">
-                <a:solidFill>
-                  <a:schemeClr val="bg1"/>
-                </a:solidFill>
-              </a:rPr>
-              <a:t> </a:t>
-            </a:r>
-            <a:r>
-              <a:rPr lang="en-US" sz="3350" dirty="0" err="1">
+              <a:t>Създаване </a:t>
+            </a:r>
+            <a:r>
+              <a:rPr lang="en-US" sz="3350" dirty="0">
                 <a:solidFill>
                   <a:srgbClr val="234465"/>
                 </a:solidFill>
@@ -28554,182 +27322,49 @@
             </a:r>
             <a:r>
               <a:rPr lang="en-US" sz="3350" dirty="0"/>
-              <a:t> </a:t>
-            </a:r>
-            <a:r>
-              <a:rPr lang="en-US" sz="3350" dirty="0" err="1"/>
-              <a:t>директория</a:t>
-            </a:r>
-            <a:r>
-              <a:rPr lang="en-US" sz="3350" dirty="0"/>
-              <a:t> (</a:t>
+              <a:t> директория (</a:t>
             </a:r>
             <a:r>
               <a:rPr lang="en-US" sz="3350" dirty="0">
                 <a:ea typeface="+mn-lt"/>
                 <a:cs typeface="+mn-lt"/>
               </a:rPr>
-              <a:t>с </a:t>
-            </a:r>
-            <a:r>
-              <a:rPr lang="en-US" sz="3350" dirty="0" err="1">
+              <a:t>с всичките </a:t>
+            </a:r>
+            <a:r>
+              <a:rPr lang="bg-BG" sz="3350" dirty="0">
                 <a:ea typeface="+mn-lt"/>
                 <a:cs typeface="+mn-lt"/>
               </a:rPr>
-              <a:t>всичките</a:t>
+              <a:t>ѝ</a:t>
             </a:r>
             <a:r>
               <a:rPr lang="en-US" sz="3350" dirty="0">
                 <a:ea typeface="+mn-lt"/>
                 <a:cs typeface="+mn-lt"/>
               </a:rPr>
-              <a:t> </a:t>
-            </a:r>
-            <a:r>
-              <a:rPr lang="bg-BG" sz="3350" dirty="0">
-                <a:ea typeface="+mn-lt"/>
-                <a:cs typeface="+mn-lt"/>
-              </a:rPr>
-              <a:t>ѝ</a:t>
+              <a:t> поддиректории по посочения път</a:t>
+            </a:r>
+            <a:r>
+              <a:rPr lang="en-US" sz="3350" dirty="0"/>
+              <a:t>),</a:t>
             </a:r>
             <a:r>
               <a:rPr lang="en-US" sz="3350" dirty="0">
                 <a:ea typeface="+mn-lt"/>
                 <a:cs typeface="+mn-lt"/>
               </a:rPr>
-              <a:t> </a:t>
-            </a:r>
-            <a:r>
-              <a:rPr lang="en-US" sz="3350" dirty="0" err="1">
+              <a:t> освен ако вече </a:t>
+            </a:r>
+            <a:r>
+              <a:rPr lang="en-US" sz="3350" b="1" dirty="0">
+                <a:solidFill>
+                  <a:schemeClr val="bg1"/>
+                </a:solidFill>
                 <a:ea typeface="+mn-lt"/>
                 <a:cs typeface="+mn-lt"/>
               </a:rPr>
-              <a:t>поддиректории</a:t>
-            </a:r>
-            <a:r>
-              <a:rPr lang="en-US" sz="3350" dirty="0">
-                <a:ea typeface="+mn-lt"/>
-                <a:cs typeface="+mn-lt"/>
-              </a:rPr>
-              <a:t> </a:t>
-            </a:r>
-            <a:r>
-              <a:rPr lang="en-US" sz="3350" dirty="0" err="1">
-                <a:ea typeface="+mn-lt"/>
-                <a:cs typeface="+mn-lt"/>
-              </a:rPr>
-              <a:t>по</a:t>
-            </a:r>
-            <a:r>
-              <a:rPr lang="en-US" sz="3350" dirty="0">
-                <a:ea typeface="+mn-lt"/>
-                <a:cs typeface="+mn-lt"/>
-              </a:rPr>
-              <a:t> </a:t>
-            </a:r>
-            <a:r>
-              <a:rPr lang="en-US" sz="3350" dirty="0" err="1">
-                <a:ea typeface="+mn-lt"/>
-                <a:cs typeface="+mn-lt"/>
-              </a:rPr>
-              <a:t>посочения</a:t>
-            </a:r>
-            <a:r>
-              <a:rPr lang="en-US" sz="3350" dirty="0">
-                <a:ea typeface="+mn-lt"/>
-                <a:cs typeface="+mn-lt"/>
-              </a:rPr>
-              <a:t> </a:t>
-            </a:r>
-            <a:r>
-              <a:rPr lang="en-US" sz="3350" dirty="0" err="1">
-                <a:ea typeface="+mn-lt"/>
-                <a:cs typeface="+mn-lt"/>
-              </a:rPr>
-              <a:t>път</a:t>
-            </a:r>
-            <a:r>
-              <a:rPr lang="en-US" sz="3350" dirty="0"/>
-              <a:t>),</a:t>
-            </a:r>
-            <a:r>
-              <a:rPr lang="en-US" sz="3350" dirty="0">
-                <a:ea typeface="+mn-lt"/>
-                <a:cs typeface="+mn-lt"/>
-              </a:rPr>
-              <a:t> </a:t>
-            </a:r>
-            <a:r>
-              <a:rPr lang="en-US" sz="3350" dirty="0" err="1">
-                <a:ea typeface="+mn-lt"/>
-                <a:cs typeface="+mn-lt"/>
-              </a:rPr>
-              <a:t>освен</a:t>
-            </a:r>
-            <a:r>
-              <a:rPr lang="en-US" sz="3350" dirty="0">
-                <a:ea typeface="+mn-lt"/>
-                <a:cs typeface="+mn-lt"/>
-              </a:rPr>
-              <a:t> </a:t>
-            </a:r>
-            <a:r>
-              <a:rPr lang="en-US" sz="3350" dirty="0" err="1">
-                <a:ea typeface="+mn-lt"/>
-                <a:cs typeface="+mn-lt"/>
-              </a:rPr>
-              <a:t>ако</a:t>
-            </a:r>
-            <a:r>
-              <a:rPr lang="en-US" sz="3350" dirty="0">
-                <a:ea typeface="+mn-lt"/>
-                <a:cs typeface="+mn-lt"/>
-              </a:rPr>
-              <a:t> </a:t>
-            </a:r>
-            <a:r>
-              <a:rPr lang="en-US" sz="3350" dirty="0" err="1">
-                <a:ea typeface="+mn-lt"/>
-                <a:cs typeface="+mn-lt"/>
-              </a:rPr>
-              <a:t>вече</a:t>
-            </a:r>
-            <a:r>
-              <a:rPr lang="en-US" sz="3350" dirty="0">
-                <a:ea typeface="+mn-lt"/>
-                <a:cs typeface="+mn-lt"/>
-              </a:rPr>
-              <a:t> </a:t>
-            </a:r>
-            <a:r>
-              <a:rPr lang="en-US" sz="3350" b="1" dirty="0" err="1">
-                <a:solidFill>
-                  <a:schemeClr val="bg1"/>
-                </a:solidFill>
-                <a:ea typeface="+mn-lt"/>
-                <a:cs typeface="+mn-lt"/>
-              </a:rPr>
-              <a:t>не</a:t>
-            </a:r>
-            <a:r>
-              <a:rPr lang="en-US" sz="3350" b="1" dirty="0">
-                <a:solidFill>
-                  <a:schemeClr val="bg1"/>
-                </a:solidFill>
-                <a:ea typeface="+mn-lt"/>
-                <a:cs typeface="+mn-lt"/>
-              </a:rPr>
-              <a:t> </a:t>
-            </a:r>
-            <a:r>
-              <a:rPr lang="en-US" sz="3350" b="1" dirty="0" err="1">
-                <a:solidFill>
-                  <a:schemeClr val="bg1"/>
-                </a:solidFill>
-                <a:ea typeface="+mn-lt"/>
-                <a:cs typeface="+mn-lt"/>
-              </a:rPr>
-              <a:t>съществуват</a:t>
+              <a:t>не съществуват</a:t>
             </a:r>
             <a:r>
               <a:rPr lang="en-US" sz="3350" dirty="0"/>
@@ -28760,23 +27395,15 @@
               </a:buClr>
             </a:pPr>
             <a:r>
-              <a:rPr lang="en-US" sz="3350" b="1" dirty="0" err="1">
+              <a:rPr lang="en-US" sz="3350" b="1" dirty="0">
                 <a:solidFill>
                   <a:schemeClr val="bg1"/>
                 </a:solidFill>
               </a:rPr>
-              <a:t>Изтриване</a:t>
-            </a:r>
-            <a:r>
-              <a:rPr lang="en-US" sz="3350" b="1" dirty="0">
-                <a:solidFill>
-                  <a:schemeClr val="bg1"/>
-                </a:solidFill>
-              </a:rPr>
-              <a:t> </a:t>
-            </a:r>
-            <a:r>
-              <a:rPr lang="en-US" sz="3350" dirty="0" err="1">
+              <a:t>Изтриване </a:t>
+            </a:r>
+            <a:r>
+              <a:rPr lang="en-US" sz="3350" dirty="0">
                 <a:solidFill>
                   <a:srgbClr val="234465"/>
                 </a:solidFill>
@@ -28785,31 +27412,7 @@
             </a:r>
             <a:r>
               <a:rPr lang="en-US" sz="3350" dirty="0"/>
-              <a:t> </a:t>
-            </a:r>
-            <a:r>
-              <a:rPr lang="en-US" sz="3350" dirty="0" err="1"/>
-              <a:t>директория</a:t>
-            </a:r>
-            <a:r>
-              <a:rPr lang="en-US" sz="3350" dirty="0"/>
-              <a:t> (</a:t>
-            </a:r>
-            <a:r>
-              <a:rPr lang="en-US" sz="3350" dirty="0" err="1"/>
-              <a:t>със</a:t>
-            </a:r>
-            <a:r>
-              <a:rPr lang="en-US" sz="3350" dirty="0"/>
-              <a:t> </a:t>
-            </a:r>
-            <a:r>
-              <a:rPr lang="en-US" sz="3350" dirty="0" err="1"/>
-              <a:t>съдържание</a:t>
-            </a:r>
-            <a:r>
-              <a:rPr lang="en-US" sz="3350" dirty="0"/>
-              <a:t>):</a:t>
+              <a:t> директория (със съдържание):</a:t>
             </a:r>
             <a:endParaRPr lang="en-US" sz="3350" dirty="0">
               <a:cs typeface="Calibri"/>
@@ -28838,68 +27441,16 @@
               </a:buClr>
             </a:pPr>
             <a:r>
-              <a:rPr lang="en-US" sz="3350" b="1" dirty="0" err="1">
+              <a:rPr lang="en-US" sz="3350" b="1" dirty="0">
                 <a:solidFill>
                   <a:schemeClr val="bg1"/>
                 </a:solidFill>
               </a:rPr>
-              <a:t>Преместване</a:t>
-            </a:r>
-            <a:r>
-              <a:rPr lang="en-US" sz="3350" b="1" dirty="0">
-                <a:solidFill>
-                  <a:schemeClr val="bg1"/>
-                </a:solidFill>
-              </a:rPr>
-              <a:t> </a:t>
-            </a:r>
-            <a:r>
-              <a:rPr lang="en-US" sz="3350" dirty="0" err="1"/>
-              <a:t>на</a:t>
+              <a:t>Преместване </a:t>
             </a:r>
             <a:r>
               <a:rPr lang="en-US" sz="3350" dirty="0"/>
-              <a:t> </a:t>
-            </a:r>
-            <a:r>
-              <a:rPr lang="en-US" sz="3350" dirty="0" err="1"/>
-              <a:t>файл</a:t>
-            </a:r>
-            <a:r>
-              <a:rPr lang="en-US" sz="3350" dirty="0"/>
-              <a:t> </a:t>
-            </a:r>
-            <a:r>
-              <a:rPr lang="en-US" sz="3350" dirty="0" err="1"/>
-              <a:t>от</a:t>
-            </a:r>
-            <a:r>
-              <a:rPr lang="en-US" sz="3350" dirty="0"/>
-              <a:t> </a:t>
-            </a:r>
-            <a:r>
-              <a:rPr lang="en-US" sz="3350" dirty="0" err="1"/>
-              <a:t>една</a:t>
-            </a:r>
-            <a:r>
-              <a:rPr lang="en-US" sz="3350" dirty="0"/>
-              <a:t> </a:t>
-            </a:r>
-            <a:r>
-              <a:rPr lang="en-US" sz="3350" dirty="0" err="1"/>
-              <a:t>директория</a:t>
-            </a:r>
-            <a:r>
-              <a:rPr lang="en-US" sz="3350" dirty="0"/>
-              <a:t> в </a:t>
-            </a:r>
-            <a:r>
-              <a:rPr lang="en-US" sz="3350" dirty="0" err="1"/>
-              <a:t>друга</a:t>
-            </a:r>
-            <a:r>
-              <a:rPr lang="en-US" sz="3350" dirty="0"/>
-              <a:t>:</a:t>
+              <a:t>на файл от една директория в друга:</a:t>
             </a:r>
             <a:endParaRPr lang="en-US" sz="3350" dirty="0">
               <a:cs typeface="Calibri"/>
@@ -28925,16 +27476,8 @@
           <a:lstStyle/>
           <a:p>
             <a:r>
-              <a:rPr lang="en-US" sz="3950" dirty="0" err="1"/>
-              <a:t>Основни</a:t>
-            </a:r>
-            <a:r>
               <a:rPr lang="en-US" sz="3950" dirty="0"/>
-              <a:t> </a:t>
-            </a:r>
-            <a:r>
-              <a:rPr lang="en-US" sz="3950" dirty="0" err="1"/>
-              <a:t>операци</a:t>
+              <a:t>Основни операци</a:t>
             </a:r>
             <a:r>
               <a:rPr lang="bg-BG" sz="3950" dirty="0"/>
@@ -28942,19 +27485,7 @@
             </a:r>
             <a:r>
               <a:rPr lang="en-US" sz="3950" dirty="0"/>
-              <a:t> </a:t>
-            </a:r>
-            <a:r>
-              <a:rPr lang="en-US" sz="3950" dirty="0" err="1"/>
-              <a:t>на</a:t>
-            </a:r>
-            <a:r>
-              <a:rPr lang="en-US" sz="3950" dirty="0"/>
-              <a:t> </a:t>
-            </a:r>
-            <a:r>
-              <a:rPr lang="en-US" sz="3950" dirty="0" err="1"/>
-              <a:t>директори</a:t>
+              <a:t> на директори</a:t>
             </a:r>
             <a:r>
               <a:rPr lang="bg-BG" sz="3950" dirty="0"/>
@@ -29505,120 +28036,35 @@
               </a:buClr>
             </a:pPr>
             <a:r>
-              <a:rPr lang="en-US" sz="3150" b="1" dirty="0" err="1">
+              <a:rPr lang="en-US" sz="3150" b="1" dirty="0">
                 <a:solidFill>
                   <a:schemeClr val="bg1"/>
                 </a:solidFill>
                 <a:latin typeface="Consolas"/>
               </a:rPr>
-              <a:t>GetFiles</a:t>
-            </a:r>
-            <a:r>
-              <a:rPr lang="en-US" sz="3150" b="1" dirty="0">
+              <a:t>GetFiles()</a:t>
+            </a:r>
+            <a:r>
+              <a:rPr lang="en-US" sz="3150" dirty="0">
                 <a:solidFill>
                   <a:schemeClr val="bg1"/>
                 </a:solidFill>
-                <a:latin typeface="Consolas"/>
-              </a:rPr>
-              <a:t>()</a:t>
-            </a:r>
-            <a:r>
-              <a:rPr lang="en-US" sz="3150" dirty="0">
-                <a:solidFill>
-                  <a:schemeClr val="bg1"/>
-                </a:solidFill>
               </a:rPr>
               <a:t> </a:t>
             </a:r>
             <a:r>
               <a:rPr lang="en-US" sz="3350" dirty="0"/>
-              <a:t>– </a:t>
-            </a:r>
-            <a:r>
-              <a:rPr lang="en-US" sz="3350" dirty="0" err="1"/>
-              <a:t>Връща</a:t>
-            </a:r>
-            <a:r>
-              <a:rPr lang="en-US" sz="3350" dirty="0"/>
-              <a:t> </a:t>
-            </a:r>
-            <a:r>
-              <a:rPr lang="en-US" sz="3350" dirty="0" err="1"/>
-              <a:t>имената</a:t>
-            </a:r>
-            <a:r>
-              <a:rPr lang="en-US" sz="3350" dirty="0"/>
-              <a:t> </a:t>
-            </a:r>
-            <a:r>
-              <a:rPr lang="en-US" sz="3350" dirty="0" err="1"/>
-              <a:t>на</a:t>
-            </a:r>
-            <a:r>
-              <a:rPr lang="en-US" sz="3350" dirty="0"/>
-              <a:t> </a:t>
-            </a:r>
-            <a:r>
-              <a:rPr lang="en-US" sz="3350" dirty="0" err="1"/>
-              <a:t>файловете</a:t>
-            </a:r>
-            <a:r>
-              <a:rPr lang="en-US" sz="3350" dirty="0"/>
-              <a:t> (</a:t>
-            </a:r>
-            <a:r>
-              <a:rPr lang="en-US" sz="3350" dirty="0" err="1"/>
-              <a:t>включително</a:t>
-            </a:r>
-            <a:r>
-              <a:rPr lang="en-US" sz="3350" dirty="0"/>
-              <a:t> </a:t>
-            </a:r>
-            <a:r>
-              <a:rPr lang="en-US" sz="3350" dirty="0" err="1"/>
-              <a:t>техния</a:t>
-            </a:r>
-            <a:r>
-              <a:rPr lang="en-US" sz="3350" dirty="0"/>
-              <a:t> </a:t>
-            </a:r>
-            <a:r>
-              <a:rPr lang="en-US" sz="3350" dirty="0" err="1"/>
-              <a:t>път</a:t>
-            </a:r>
-            <a:r>
-              <a:rPr lang="en-US" sz="3350" dirty="0"/>
-              <a:t>) </a:t>
-            </a:r>
-            <a:r>
-              <a:rPr lang="en-US" sz="3350" dirty="0" err="1"/>
-              <a:t>в</a:t>
-            </a:r>
-            <a:r>
-              <a:rPr lang="en-US" sz="3350" dirty="0"/>
-              <a:t> </a:t>
-            </a:r>
-            <a:r>
-              <a:rPr lang="en-US" sz="3350" dirty="0" err="1"/>
-              <a:t>опред</a:t>
+              <a:t>– Връща имената на файловете (включително техния път) в опред</a:t>
             </a:r>
             <a:r>
               <a:rPr lang="bg-BG" sz="3350" dirty="0"/>
               <a:t>е</a:t>
             </a:r>
             <a:r>
-              <a:rPr lang="en-US" sz="3350" dirty="0" err="1"/>
-              <a:t>лена</a:t>
-            </a:r>
-            <a:r>
               <a:rPr lang="en-US" sz="3350" dirty="0"/>
-              <a:t> </a:t>
-            </a:r>
-            <a:r>
-              <a:rPr lang="en-US" sz="3350" dirty="0" err="1"/>
-              <a:t>директория</a:t>
-            </a:r>
-            <a:endParaRPr lang="bg-BG" sz="3350" dirty="0" err="1"/>
+              <a:t>лена директория</a:t>
+            </a:r>
+            <a:endParaRPr lang="bg-BG" sz="3350" dirty="0"/>
           </a:p>
           <a:p>
             <a:pPr marL="360045" indent="-360045">
@@ -29667,77 +28113,9 @@
             </a:r>
             <a:r>
               <a:rPr lang="en-US" sz="3350" dirty="0"/>
-              <a:t>– </a:t>
-            </a:r>
-            <a:r>
-              <a:rPr lang="en-US" sz="3350" dirty="0" err="1"/>
-              <a:t>връща</a:t>
-            </a:r>
-            <a:r>
-              <a:rPr lang="en-US" sz="3350" dirty="0"/>
-              <a:t> </a:t>
-            </a:r>
-            <a:r>
-              <a:rPr lang="en-US" sz="3350" dirty="0" err="1"/>
-              <a:t>имената</a:t>
-            </a:r>
-            <a:r>
-              <a:rPr lang="en-US" sz="3350" dirty="0"/>
-              <a:t> </a:t>
-            </a:r>
-            <a:r>
-              <a:rPr lang="en-US" sz="3350" dirty="0" err="1"/>
-              <a:t>на</a:t>
-            </a:r>
-            <a:r>
-              <a:rPr lang="en-US" sz="3350" dirty="0"/>
-              <a:t> </a:t>
-            </a:r>
-            <a:r>
-              <a:rPr lang="en-US" sz="3350" dirty="0" err="1"/>
-              <a:t>подпапките</a:t>
-            </a:r>
-            <a:r>
-              <a:rPr lang="en-US" sz="3350" dirty="0"/>
-              <a:t> (</a:t>
-            </a:r>
-            <a:r>
-              <a:rPr lang="en-US" sz="3350" dirty="0" err="1"/>
-              <a:t>включително</a:t>
-            </a:r>
-            <a:r>
-              <a:rPr lang="en-US" sz="3350" dirty="0"/>
-              <a:t> </a:t>
-            </a:r>
-            <a:r>
-              <a:rPr lang="en-US" sz="3350" dirty="0" err="1"/>
-              <a:t>техните</a:t>
-            </a:r>
-            <a:r>
-              <a:rPr lang="en-US" sz="3350" dirty="0"/>
-              <a:t> </a:t>
-            </a:r>
-            <a:r>
-              <a:rPr lang="en-US" sz="3350" dirty="0" err="1"/>
-              <a:t>пътища</a:t>
-            </a:r>
-            <a:r>
-              <a:rPr lang="en-US" sz="3350" dirty="0"/>
-              <a:t>) в </a:t>
-            </a:r>
-            <a:r>
-              <a:rPr lang="en-US" sz="3350" dirty="0" err="1"/>
-              <a:t>определена</a:t>
-            </a:r>
-            <a:r>
-              <a:rPr lang="en-US" sz="3350" dirty="0"/>
-              <a:t> </a:t>
-            </a:r>
-            <a:r>
-              <a:rPr lang="en-US" sz="3350" dirty="0" err="1"/>
-              <a:t>директория</a:t>
-            </a:r>
-            <a:endParaRPr lang="en-US" sz="3350" dirty="0" err="1">
+              <a:t>– връща имената на подпапките (включително техните пътища) в определена директория</a:t>
+            </a:r>
+            <a:endParaRPr lang="en-US" sz="3350" dirty="0">
               <a:cs typeface="Calibri"/>
             </a:endParaRPr>
           </a:p>
@@ -29759,69 +28137,13 @@
           <a:lstStyle/>
           <a:p>
             <a:r>
-              <a:rPr lang="en-US" sz="3950" dirty="0" err="1">
-                <a:ea typeface="+mj-lt"/>
-                <a:cs typeface="+mj-lt"/>
-              </a:rPr>
-              <a:t>Списък</a:t>
-            </a:r>
-            <a:r>
               <a:rPr lang="en-US" sz="3950" dirty="0">
                 <a:ea typeface="+mj-lt"/>
                 <a:cs typeface="+mj-lt"/>
               </a:rPr>
-              <a:t> </a:t>
-            </a:r>
-            <a:r>
-              <a:rPr lang="en-US" sz="3950" dirty="0" err="1">
-                <a:ea typeface="+mj-lt"/>
-                <a:cs typeface="+mj-lt"/>
-              </a:rPr>
-              <a:t>на</a:t>
-            </a:r>
-            <a:r>
-              <a:rPr lang="en-US" sz="3950" dirty="0">
-                <a:ea typeface="+mj-lt"/>
-                <a:cs typeface="+mj-lt"/>
-              </a:rPr>
-              <a:t> </a:t>
-            </a:r>
-            <a:r>
-              <a:rPr lang="en-US" sz="3950" dirty="0" err="1">
-                <a:ea typeface="+mj-lt"/>
-                <a:cs typeface="+mj-lt"/>
-              </a:rPr>
-              <a:t>съдържанието</a:t>
-            </a:r>
-            <a:r>
-              <a:rPr lang="en-US" sz="3950" dirty="0">
-                <a:ea typeface="+mj-lt"/>
-                <a:cs typeface="+mj-lt"/>
-              </a:rPr>
-              <a:t> </a:t>
-            </a:r>
-            <a:r>
-              <a:rPr lang="en-US" sz="3950" dirty="0" err="1">
-                <a:ea typeface="+mj-lt"/>
-                <a:cs typeface="+mj-lt"/>
-              </a:rPr>
-              <a:t>на</a:t>
-            </a:r>
-            <a:r>
-              <a:rPr lang="en-US" sz="3950" dirty="0">
-                <a:ea typeface="+mj-lt"/>
-                <a:cs typeface="+mj-lt"/>
-              </a:rPr>
-              <a:t> </a:t>
-            </a:r>
-            <a:r>
-              <a:rPr lang="en-US" sz="3950" dirty="0" err="1">
-                <a:ea typeface="+mj-lt"/>
-                <a:cs typeface="+mj-lt"/>
-              </a:rPr>
-              <a:t>директорията</a:t>
-            </a:r>
-            <a:endParaRPr lang="bg-BG" dirty="0" err="1"/>
+              <a:t>Списък на съдържанието на директорията</a:t>
+            </a:r>
+            <a:endParaRPr lang="bg-BG" dirty="0"/>
           </a:p>
         </p:txBody>
       </p:sp>
@@ -30239,36 +28561,8 @@
               </a:spcBef>
             </a:pPr>
             <a:r>
-              <a:rPr lang="en-US" sz="3350" dirty="0" err="1"/>
-              <a:t>Дадена</a:t>
-            </a:r>
-            <a:r>
               <a:rPr lang="en-US" sz="3350" dirty="0"/>
-              <a:t> </a:t>
-            </a:r>
-            <a:r>
-              <a:rPr lang="en-US" sz="3350" dirty="0" err="1"/>
-              <a:t>ви</a:t>
-            </a:r>
-            <a:r>
-              <a:rPr lang="en-US" sz="3350" dirty="0"/>
-              <a:t> е </a:t>
-            </a:r>
-            <a:r>
-              <a:rPr lang="en-US" sz="3350" dirty="0" err="1"/>
-              <a:t>папка</a:t>
-            </a:r>
-            <a:r>
-              <a:rPr lang="en-US" sz="3350" dirty="0"/>
-              <a:t> с </a:t>
-            </a:r>
-            <a:r>
-              <a:rPr lang="en-US" sz="3350" dirty="0" err="1"/>
-              <a:t>името</a:t>
-            </a:r>
-            <a:r>
-              <a:rPr lang="en-US" sz="3350" dirty="0"/>
-              <a:t> </a:t>
+              <a:t>Дадена ви е папка с името </a:t>
             </a:r>
             <a:r>
               <a:rPr lang="en-US" sz="3350" b="1" noProof="1">
@@ -30291,15 +28585,11 @@
               </a:spcBef>
             </a:pPr>
             <a:r>
-              <a:rPr lang="en-US" sz="3350" dirty="0" err="1"/>
-              <a:t>Изчислете</a:t>
-            </a:r>
-            <a:r>
               <a:rPr lang="en-US" sz="3350" dirty="0"/>
-              <a:t> </a:t>
-            </a:r>
-            <a:r>
-              <a:rPr lang="en-US" sz="3350" b="1" dirty="0" err="1">
+              <a:t>Изчислете </a:t>
+            </a:r>
+            <a:r>
+              <a:rPr lang="en-US" sz="3350" b="1" dirty="0">
                 <a:solidFill>
                   <a:schemeClr val="bg1"/>
                 </a:solidFill>
@@ -30320,71 +28610,7 @@
                   <a:schemeClr val="bg1"/>
                 </a:solidFill>
               </a:rPr>
-              <a:t> </a:t>
-            </a:r>
-            <a:r>
-              <a:rPr lang="en-US" sz="3350" b="1" dirty="0" err="1">
-                <a:solidFill>
-                  <a:schemeClr val="bg1"/>
-                </a:solidFill>
-              </a:rPr>
-              <a:t>на</a:t>
-            </a:r>
-            <a:r>
-              <a:rPr lang="en-US" sz="3350" b="1" dirty="0">
-                <a:solidFill>
-                  <a:schemeClr val="bg1"/>
-                </a:solidFill>
-              </a:rPr>
-              <a:t> </a:t>
-            </a:r>
-            <a:r>
-              <a:rPr lang="en-US" sz="3350" b="1" dirty="0" err="1">
-                <a:solidFill>
-                  <a:schemeClr val="bg1"/>
-                </a:solidFill>
-              </a:rPr>
-              <a:t>всички</a:t>
-            </a:r>
-            <a:r>
-              <a:rPr lang="en-US" sz="3350" b="1" dirty="0">
-                <a:solidFill>
-                  <a:schemeClr val="bg1"/>
-                </a:solidFill>
-              </a:rPr>
-              <a:t> </a:t>
-            </a:r>
-            <a:r>
-              <a:rPr lang="en-US" sz="3350" b="1" dirty="0" err="1">
-                <a:solidFill>
-                  <a:schemeClr val="bg1"/>
-                </a:solidFill>
-              </a:rPr>
-              <a:t>файлове</a:t>
-            </a:r>
-            <a:r>
-              <a:rPr lang="en-US" sz="3350" b="1" dirty="0">
-                <a:solidFill>
-                  <a:schemeClr val="bg1"/>
-                </a:solidFill>
-              </a:rPr>
-              <a:t> в </a:t>
-            </a:r>
-            <a:r>
-              <a:rPr lang="en-US" sz="3350" b="1" dirty="0" err="1">
-                <a:solidFill>
-                  <a:schemeClr val="bg1"/>
-                </a:solidFill>
-              </a:rPr>
-              <a:t>нея</a:t>
-            </a:r>
-            <a:r>
-              <a:rPr lang="en-US" sz="3350" b="1" dirty="0">
-                <a:solidFill>
-                  <a:schemeClr val="bg1"/>
-                </a:solidFill>
-              </a:rPr>
-              <a:t> </a:t>
+              <a:t> на всички файлове в нея </a:t>
             </a:r>
             <a:br>
               <a:rPr lang="en-US" sz="3350" b="1" dirty="0">
@@ -30395,23 +28621,7 @@
             </a:br>
             <a:r>
               <a:rPr lang="en-US" sz="3350" dirty="0"/>
-              <a:t>(</a:t>
-            </a:r>
-            <a:r>
-              <a:rPr lang="en-US" sz="3350" dirty="0" err="1"/>
-              <a:t>включително</a:t>
-            </a:r>
-            <a:r>
-              <a:rPr lang="en-US" sz="3350" dirty="0"/>
-              <a:t> и </a:t>
-            </a:r>
-            <a:r>
-              <a:rPr lang="en-US" sz="3350" dirty="0" err="1"/>
-              <a:t>подпапките</a:t>
-            </a:r>
-            <a:r>
-              <a:rPr lang="en-US" sz="3350" dirty="0"/>
-              <a:t>)</a:t>
+              <a:t>(включително и подпапките)</a:t>
             </a:r>
             <a:endParaRPr lang="en-US" sz="3350" dirty="0">
               <a:cs typeface="Calibri"/>
@@ -30424,16 +28634,8 @@
               </a:spcBef>
             </a:pPr>
             <a:r>
-              <a:rPr lang="en-US" sz="3350" dirty="0" err="1"/>
-              <a:t>Отпечатайте</a:t>
-            </a:r>
-            <a:r>
               <a:rPr lang="en-US" sz="3350" dirty="0"/>
-              <a:t> </a:t>
-            </a:r>
-            <a:r>
-              <a:rPr lang="en-US" sz="3350" dirty="0" err="1"/>
-              <a:t>резултат</a:t>
+              <a:t>Отпечатайте резултат</a:t>
             </a:r>
             <a:r>
               <a:rPr lang="bg-BG" sz="3350" dirty="0"/>
@@ -30441,11 +28643,7 @@
             </a:r>
             <a:r>
               <a:rPr lang="en-US" sz="3350" dirty="0"/>
-              <a:t> </a:t>
-            </a:r>
-            <a:r>
-              <a:rPr lang="en-US" sz="3350" dirty="0" err="1"/>
-              <a:t>в</a:t>
+              <a:t> в</a:t>
             </a:r>
             <a:r>
               <a:rPr lang="bg-BG" sz="3350" dirty="0"/>
@@ -30453,33 +28651,21 @@
             </a:r>
             <a:r>
               <a:rPr lang="en-US" sz="3350" dirty="0"/>
-              <a:t> </a:t>
-            </a:r>
-            <a:r>
-              <a:rPr lang="en-US" sz="3350" dirty="0" err="1"/>
-              <a:t>файла</a:t>
+              <a:t> файла "</a:t>
+            </a:r>
+            <a:r>
+              <a:rPr lang="en-US" sz="3350" b="1" dirty="0">
+                <a:solidFill>
+                  <a:schemeClr val="bg1"/>
+                </a:solidFill>
+              </a:rPr>
+              <a:t>output.txt</a:t>
             </a:r>
             <a:r>
               <a:rPr lang="en-US" sz="3350" dirty="0"/>
-              <a:t> "</a:t>
-            </a:r>
-            <a:r>
-              <a:rPr lang="en-US" sz="3350" b="1" dirty="0">
-                <a:solidFill>
-                  <a:schemeClr val="bg1"/>
-                </a:solidFill>
-              </a:rPr>
-              <a:t>output.txt</a:t>
-            </a:r>
-            <a:r>
-              <a:rPr lang="en-US" sz="3350" dirty="0"/>
-              <a:t>" в </a:t>
-            </a:r>
-            <a:r>
-              <a:rPr lang="en-US" sz="3350" dirty="0" err="1"/>
-              <a:t>мегабайти</a:t>
-            </a:r>
-            <a:endParaRPr lang="bg-BG" sz="3350" dirty="0" err="1">
+              <a:t>" в мегабайти</a:t>
+            </a:r>
+            <a:endParaRPr lang="bg-BG" sz="3350" dirty="0">
               <a:cs typeface="Calibri"/>
             </a:endParaRPr>
           </a:p>
@@ -30501,48 +28687,8 @@
           <a:lstStyle/>
           <a:p>
             <a:r>
-              <a:rPr lang="en-US" sz="3950" dirty="0" err="1"/>
-              <a:t>Задача</a:t>
-            </a:r>
-            <a:r>
               <a:rPr lang="en-US" sz="3950" dirty="0"/>
-              <a:t>: </a:t>
-            </a:r>
-            <a:r>
-              <a:rPr lang="en-US" sz="3950" dirty="0" err="1"/>
-              <a:t>Изчисление</a:t>
-            </a:r>
-            <a:r>
-              <a:rPr lang="en-US" sz="3950" dirty="0"/>
-              <a:t> </a:t>
-            </a:r>
-            <a:r>
-              <a:rPr lang="en-US" sz="3950" dirty="0" err="1"/>
-              <a:t>на</a:t>
-            </a:r>
-            <a:r>
-              <a:rPr lang="en-US" sz="3950" dirty="0"/>
-              <a:t> </a:t>
-            </a:r>
-            <a:r>
-              <a:rPr lang="en-US" sz="3950" dirty="0" err="1"/>
-              <a:t>размера</a:t>
-            </a:r>
-            <a:r>
-              <a:rPr lang="en-US" sz="3950" dirty="0"/>
-              <a:t> </a:t>
-            </a:r>
-            <a:r>
-              <a:rPr lang="en-US" sz="3950" dirty="0" err="1"/>
-              <a:t>на</a:t>
-            </a:r>
-            <a:r>
-              <a:rPr lang="en-US" sz="3950" dirty="0"/>
-              <a:t> </a:t>
-            </a:r>
-            <a:r>
-              <a:rPr lang="en-US" sz="3950" dirty="0" err="1"/>
-              <a:t>папка</a:t>
+              <a:t>Задача: Изчисление на размера на папка</a:t>
             </a:r>
             <a:endParaRPr lang="en-US" sz="3950" dirty="0">
               <a:cs typeface="Calibri"/>
@@ -31004,82 +29150,15 @@
           <a:lstStyle/>
           <a:p>
             <a:r>
-              <a:rPr lang="en-US" sz="3950" dirty="0" err="1"/>
-              <a:t>Решение</a:t>
-            </a:r>
-            <a:r>
               <a:rPr lang="en-US" sz="3950" dirty="0"/>
-              <a:t>:</a:t>
+              <a:t>Решение:</a:t>
             </a:r>
             <a:r>
               <a:rPr lang="en-US" sz="3950" dirty="0">
                 <a:ea typeface="+mj-lt"/>
                 <a:cs typeface="+mj-lt"/>
               </a:rPr>
-              <a:t> </a:t>
-            </a:r>
-            <a:r>
-              <a:rPr lang="en-US" sz="3950" dirty="0" err="1">
-                <a:ea typeface="+mj-lt"/>
-                <a:cs typeface="+mj-lt"/>
-              </a:rPr>
-              <a:t>Изчисление</a:t>
-            </a:r>
-            <a:r>
-              <a:rPr lang="en-US" sz="3950" dirty="0">
-                <a:ea typeface="+mj-lt"/>
-                <a:cs typeface="+mj-lt"/>
-              </a:rPr>
-              <a:t> </a:t>
-            </a:r>
-            <a:r>
-              <a:rPr lang="en-US" sz="3950" dirty="0" err="1">
-                <a:ea typeface="+mj-lt"/>
-                <a:cs typeface="+mj-lt"/>
-              </a:rPr>
-              <a:t>на</a:t>
-            </a:r>
-            <a:r>
-              <a:rPr lang="en-US" sz="3950" dirty="0">
-                <a:ea typeface="+mj-lt"/>
-                <a:cs typeface="+mj-lt"/>
-              </a:rPr>
-              <a:t> </a:t>
-            </a:r>
-            <a:r>
-              <a:rPr lang="en-US" sz="3950" dirty="0" err="1">
-                <a:ea typeface="+mj-lt"/>
-                <a:cs typeface="+mj-lt"/>
-              </a:rPr>
-              <a:t>размера</a:t>
-            </a:r>
-            <a:r>
-              <a:rPr lang="en-US" sz="3950" dirty="0">
-                <a:ea typeface="+mj-lt"/>
-                <a:cs typeface="+mj-lt"/>
-              </a:rPr>
-              <a:t> </a:t>
-            </a:r>
-            <a:r>
-              <a:rPr lang="en-US" sz="3950" dirty="0" err="1">
-                <a:ea typeface="+mj-lt"/>
-                <a:cs typeface="+mj-lt"/>
-              </a:rPr>
-              <a:t>на</a:t>
-            </a:r>
-            <a:r>
-              <a:rPr lang="en-US" sz="3950" dirty="0">
-                <a:ea typeface="+mj-lt"/>
-                <a:cs typeface="+mj-lt"/>
-              </a:rPr>
-              <a:t> </a:t>
-            </a:r>
-            <a:r>
-              <a:rPr lang="en-US" sz="3950" dirty="0" err="1">
-                <a:ea typeface="+mj-lt"/>
-                <a:cs typeface="+mj-lt"/>
-              </a:rPr>
-              <a:t>папка</a:t>
+              <a:t> Изчисление на размера на папка</a:t>
             </a:r>
             <a:endParaRPr lang="en-US" sz="3950" dirty="0"/>
           </a:p>
@@ -32011,7 +30090,7 @@
           <a:bodyPr/>
           <a:lstStyle/>
           <a:p>
-            <a:endParaRPr lang="bg-BG"/>
+            <a:endParaRPr lang="bg-BG" dirty="0"/>
           </a:p>
         </p:txBody>
       </p:sp>
@@ -32041,29 +30120,15 @@
               <a:t>Какво е </a:t>
             </a:r>
             <a:r>
-              <a:rPr lang="ru-RU" dirty="0" err="1"/>
+              <a:rPr lang="ru-RU" dirty="0"/>
               <a:t>б</a:t>
-            </a:r>
-            <a:r>
-              <a:rPr lang="ru-RU" dirty="0" err="1">
-                <a:effectLst/>
-                <a:latin typeface="+mj-lt"/>
-              </a:rPr>
-              <a:t>инарна</a:t>
             </a:r>
             <a:r>
               <a:rPr lang="ru-RU" dirty="0">
                 <a:effectLst/>
                 <a:latin typeface="+mj-lt"/>
               </a:rPr>
-              <a:t> </a:t>
-            </a:r>
-            <a:r>
-              <a:rPr lang="ru-RU" dirty="0" err="1">
-                <a:effectLst/>
-                <a:latin typeface="+mj-lt"/>
-              </a:rPr>
-              <a:t>сериализация</a:t>
+              <a:t>инарна сериализация</a:t>
             </a:r>
             <a:endParaRPr lang="bg-BG" dirty="0"/>
           </a:p>
@@ -32211,151 +30276,51 @@
               </a:buClr>
             </a:pPr>
             <a:r>
-              <a:rPr lang="ru-RU" b="1" dirty="0" err="1">
+              <a:rPr lang="ru-RU" b="1" dirty="0">
                 <a:solidFill>
                   <a:schemeClr val="bg1"/>
                 </a:solidFill>
                 <a:effectLst/>
                 <a:latin typeface="+mj-lt"/>
               </a:rPr>
-              <a:t>Бинарната</a:t>
-            </a:r>
-            <a:r>
-              <a:rPr lang="ru-RU" b="1" dirty="0">
-                <a:solidFill>
-                  <a:schemeClr val="bg1"/>
-                </a:solidFill>
-                <a:effectLst/>
-                <a:latin typeface="+mj-lt"/>
-              </a:rPr>
-              <a:t> </a:t>
-            </a:r>
-            <a:r>
-              <a:rPr lang="ru-RU" b="1" dirty="0" err="1">
-                <a:solidFill>
-                  <a:schemeClr val="bg1"/>
-                </a:solidFill>
-                <a:effectLst/>
-                <a:latin typeface="+mj-lt"/>
-              </a:rPr>
-              <a:t>сериализация</a:t>
-            </a:r>
-            <a:r>
-              <a:rPr lang="ru-RU" b="1" dirty="0">
-                <a:solidFill>
-                  <a:schemeClr val="bg1"/>
-                </a:solidFill>
-                <a:effectLst/>
-                <a:latin typeface="+mj-lt"/>
-              </a:rPr>
-              <a:t> </a:t>
+              <a:t>Бинарната сериализация </a:t>
             </a:r>
             <a:r>
               <a:rPr lang="ru-RU" dirty="0">
                 <a:effectLst/>
                 <a:latin typeface="+mj-lt"/>
               </a:rPr>
-              <a:t>е процес на </a:t>
-            </a:r>
-            <a:r>
-              <a:rPr lang="ru-RU" dirty="0" err="1">
+              <a:t>е процес на преобразуване на обекти в поток от байтове, който може бъде</a:t>
+            </a:r>
+            <a:r>
+              <a:rPr lang="en-US" dirty="0">
                 <a:effectLst/>
                 <a:latin typeface="+mj-lt"/>
               </a:rPr>
-              <a:t>преобразуване</a:t>
-            </a:r>
+              <a:t>:</a:t>
+            </a:r>
+          </a:p>
+          <a:p>
+            <a:pPr lvl="1"/>
             <a:r>
               <a:rPr lang="ru-RU" dirty="0">
                 <a:effectLst/>
                 <a:latin typeface="+mj-lt"/>
               </a:rPr>
-              <a:t> на </a:t>
-            </a:r>
-            <a:r>
-              <a:rPr lang="ru-RU" dirty="0" err="1">
-                <a:effectLst/>
-                <a:latin typeface="+mj-lt"/>
-              </a:rPr>
-              <a:t>обекти</a:t>
-            </a:r>
+              <a:t>съхраняван </a:t>
+            </a:r>
+            <a:endParaRPr lang="en-US" dirty="0">
+              <a:latin typeface="+mj-lt"/>
+            </a:endParaRPr>
+          </a:p>
+          <a:p>
+            <a:pPr lvl="1"/>
             <a:r>
               <a:rPr lang="ru-RU" dirty="0">
                 <a:effectLst/>
                 <a:latin typeface="+mj-lt"/>
               </a:rPr>
-              <a:t> в поток от </a:t>
-            </a:r>
-            <a:r>
-              <a:rPr lang="ru-RU" dirty="0" err="1">
-                <a:effectLst/>
-                <a:latin typeface="+mj-lt"/>
-              </a:rPr>
-              <a:t>байтове</a:t>
-            </a:r>
-            <a:r>
-              <a:rPr lang="ru-RU" dirty="0">
-                <a:effectLst/>
-                <a:latin typeface="+mj-lt"/>
-              </a:rPr>
-              <a:t>, </a:t>
-            </a:r>
-            <a:r>
-              <a:rPr lang="ru-RU" dirty="0" err="1">
-                <a:effectLst/>
-                <a:latin typeface="+mj-lt"/>
-              </a:rPr>
-              <a:t>който</a:t>
-            </a:r>
-            <a:r>
-              <a:rPr lang="ru-RU" dirty="0">
-                <a:effectLst/>
-                <a:latin typeface="+mj-lt"/>
-              </a:rPr>
-              <a:t> може бъде</a:t>
-            </a:r>
-            <a:r>
-              <a:rPr lang="en-US" dirty="0">
-                <a:effectLst/>
-                <a:latin typeface="+mj-lt"/>
-              </a:rPr>
-              <a:t>:</a:t>
-            </a:r>
-          </a:p>
-          <a:p>
-            <a:pPr lvl="1"/>
-            <a:r>
-              <a:rPr lang="ru-RU" dirty="0" err="1">
-                <a:effectLst/>
-                <a:latin typeface="+mj-lt"/>
-              </a:rPr>
-              <a:t>съхраняван</a:t>
-            </a:r>
-            <a:r>
-              <a:rPr lang="ru-RU" dirty="0">
-                <a:effectLst/>
-                <a:latin typeface="+mj-lt"/>
-              </a:rPr>
-              <a:t> </a:t>
-            </a:r>
-            <a:endParaRPr lang="en-US" dirty="0">
-              <a:latin typeface="+mj-lt"/>
-            </a:endParaRPr>
-          </a:p>
-          <a:p>
-            <a:pPr lvl="1"/>
-            <a:r>
-              <a:rPr lang="ru-RU" dirty="0" err="1">
-                <a:effectLst/>
-                <a:latin typeface="+mj-lt"/>
-              </a:rPr>
-              <a:t>предаван</a:t>
-            </a:r>
-            <a:r>
-              <a:rPr lang="ru-RU" dirty="0">
-                <a:effectLst/>
-                <a:latin typeface="+mj-lt"/>
-              </a:rPr>
-              <a:t> по мрежа</a:t>
+              <a:t>предаван по мрежа</a:t>
             </a:r>
             <a:endParaRPr lang="en-US" dirty="0">
               <a:latin typeface="+mj-lt"/>
@@ -32368,7 +30333,7 @@
               </a:buClr>
             </a:pPr>
             <a:r>
-              <a:rPr lang="ru-RU" b="1" dirty="0" err="1">
+              <a:rPr lang="ru-RU" b="1" dirty="0">
                 <a:solidFill>
                   <a:schemeClr val="accent1"/>
                 </a:solidFill>
@@ -32398,107 +30363,47 @@
               <a:rPr lang="ru-RU" dirty="0">
                 <a:latin typeface="+mj-lt"/>
               </a:rPr>
-              <a:t> в компактен и </a:t>
-            </a:r>
-            <a:r>
-              <a:rPr lang="ru-RU" dirty="0" err="1">
+              <a:t> в компактен и ефективен формат, който позволява </a:t>
+            </a:r>
+            <a:r>
+              <a:rPr lang="ru-RU" b="1" dirty="0">
+                <a:solidFill>
+                  <a:schemeClr val="accent1"/>
+                </a:solidFill>
                 <a:latin typeface="+mj-lt"/>
               </a:rPr>
-              <a:t>ефективен</a:t>
+              <a:t>трансфер</a:t>
             </a:r>
             <a:r>
               <a:rPr lang="ru-RU" dirty="0">
                 <a:latin typeface="+mj-lt"/>
               </a:rPr>
-              <a:t> формат, </a:t>
-            </a:r>
-            <a:r>
-              <a:rPr lang="ru-RU" dirty="0" err="1">
+              <a:t> и </a:t>
+            </a:r>
+            <a:r>
+              <a:rPr lang="ru-RU" b="1" dirty="0">
+                <a:solidFill>
+                  <a:schemeClr val="accent1"/>
+                </a:solidFill>
                 <a:latin typeface="+mj-lt"/>
               </a:rPr>
-              <a:t>който</a:t>
+              <a:t>съхранение</a:t>
             </a:r>
             <a:r>
               <a:rPr lang="ru-RU" dirty="0">
                 <a:latin typeface="+mj-lt"/>
               </a:rPr>
-              <a:t> </a:t>
-            </a:r>
-            <a:r>
-              <a:rPr lang="ru-RU" dirty="0" err="1">
+              <a:t> на данни между </a:t>
+            </a:r>
+            <a:r>
+              <a:rPr lang="ru-RU" b="1" dirty="0">
+                <a:solidFill>
+                  <a:schemeClr val="accent1"/>
+                </a:solidFill>
                 <a:latin typeface="+mj-lt"/>
               </a:rPr>
-              <a:t>позволява</a:t>
-            </a:r>
-            <a:r>
-              <a:rPr lang="ru-RU" dirty="0">
-                <a:latin typeface="+mj-lt"/>
-              </a:rPr>
-              <a:t> </a:t>
-            </a:r>
-            <a:r>
-              <a:rPr lang="ru-RU" b="1" dirty="0">
-                <a:solidFill>
-                  <a:schemeClr val="accent1"/>
-                </a:solidFill>
-                <a:latin typeface="+mj-lt"/>
-              </a:rPr>
-              <a:t>трансфер</a:t>
-            </a:r>
-            <a:r>
-              <a:rPr lang="ru-RU" dirty="0">
-                <a:latin typeface="+mj-lt"/>
-              </a:rPr>
-              <a:t> и </a:t>
-            </a:r>
-            <a:r>
-              <a:rPr lang="ru-RU" b="1" dirty="0" err="1">
-                <a:solidFill>
-                  <a:schemeClr val="accent1"/>
-                </a:solidFill>
-                <a:latin typeface="+mj-lt"/>
-              </a:rPr>
-              <a:t>съхранение</a:t>
-            </a:r>
-            <a:r>
-              <a:rPr lang="ru-RU" dirty="0">
-                <a:latin typeface="+mj-lt"/>
-              </a:rPr>
-              <a:t> на данни между </a:t>
-            </a:r>
-            <a:r>
-              <a:rPr lang="ru-RU" b="1" dirty="0" err="1">
-                <a:solidFill>
-                  <a:schemeClr val="accent1"/>
-                </a:solidFill>
-                <a:latin typeface="+mj-lt"/>
-              </a:rPr>
-              <a:t>различни</a:t>
-            </a:r>
-            <a:r>
-              <a:rPr lang="ru-RU" b="1" dirty="0">
-                <a:solidFill>
-                  <a:schemeClr val="accent1"/>
-                </a:solidFill>
-                <a:latin typeface="+mj-lt"/>
-              </a:rPr>
-              <a:t> </a:t>
-            </a:r>
-            <a:r>
-              <a:rPr lang="ru-RU" b="1" dirty="0" err="1">
-                <a:solidFill>
-                  <a:schemeClr val="accent1"/>
-                </a:solidFill>
-                <a:latin typeface="+mj-lt"/>
-              </a:rPr>
-              <a:t>системи</a:t>
-            </a:r>
-            <a:endParaRPr lang="ru-RU" b="1" dirty="0">
-              <a:solidFill>
-                <a:schemeClr val="accent1"/>
-              </a:solidFill>
-              <a:latin typeface="+mj-lt"/>
-            </a:endParaRPr>
+              <a:t>различни системи</a:t>
+            </a:r>
           </a:p>
           <a:p>
             <a:pPr marL="442912" lvl="1" indent="0">
@@ -32532,25 +30437,11 @@
           <a:lstStyle/>
           <a:p>
             <a:r>
-              <a:rPr lang="ru-RU" dirty="0" err="1">
-                <a:effectLst/>
-                <a:latin typeface="+mj-lt"/>
-              </a:rPr>
-              <a:t>Бинарна</a:t>
-            </a:r>
-            <a:r>
               <a:rPr lang="ru-RU" dirty="0">
                 <a:effectLst/>
                 <a:latin typeface="+mj-lt"/>
               </a:rPr>
-              <a:t> </a:t>
-            </a:r>
-            <a:r>
-              <a:rPr lang="ru-RU" dirty="0" err="1">
-                <a:effectLst/>
-                <a:latin typeface="+mj-lt"/>
-              </a:rPr>
-              <a:t>сериализация</a:t>
+              <a:t>Бинарна сериализация</a:t>
             </a:r>
             <a:endParaRPr lang="bg-BG" dirty="0"/>
           </a:p>
@@ -32837,243 +30728,28 @@
           <a:p>
             <a:pPr lvl="1"/>
             <a:r>
-              <a:rPr lang="ru-RU" dirty="0" err="1">
-                <a:latin typeface="+mj-lt"/>
-              </a:rPr>
-              <a:t>Бинарната</a:t>
-            </a:r>
-            <a:r>
               <a:rPr lang="ru-RU" dirty="0">
                 <a:latin typeface="+mj-lt"/>
               </a:rPr>
-              <a:t> </a:t>
-            </a:r>
-            <a:r>
-              <a:rPr lang="ru-RU" dirty="0" err="1">
-                <a:latin typeface="+mj-lt"/>
-              </a:rPr>
-              <a:t>сериализация</a:t>
-            </a:r>
+              <a:t>Бинарната сериализация е по-бърза от текстовите формати, тъй като няма нужда от преобразуване на данните в символни низове и обратно</a:t>
+            </a:r>
+          </a:p>
+          <a:p>
             <a:r>
               <a:rPr lang="ru-RU" dirty="0">
                 <a:latin typeface="+mj-lt"/>
               </a:rPr>
-              <a:t> е </a:t>
-            </a:r>
-            <a:r>
-              <a:rPr lang="ru-RU" dirty="0" err="1">
-                <a:latin typeface="+mj-lt"/>
-              </a:rPr>
-              <a:t>по-бърза</a:t>
-            </a:r>
-            <a:r>
-              <a:rPr lang="ru-RU" dirty="0">
-                <a:latin typeface="+mj-lt"/>
-              </a:rPr>
-              <a:t> от </a:t>
-            </a:r>
-            <a:r>
-              <a:rPr lang="ru-RU" dirty="0" err="1">
-                <a:latin typeface="+mj-lt"/>
-              </a:rPr>
-              <a:t>текстовите</a:t>
-            </a:r>
-            <a:r>
-              <a:rPr lang="ru-RU" dirty="0">
-                <a:latin typeface="+mj-lt"/>
-              </a:rPr>
-              <a:t> </a:t>
-            </a:r>
-            <a:r>
-              <a:rPr lang="ru-RU" dirty="0" err="1">
-                <a:latin typeface="+mj-lt"/>
-              </a:rPr>
-              <a:t>формати</a:t>
-            </a:r>
-            <a:r>
-              <a:rPr lang="ru-RU" dirty="0">
-                <a:latin typeface="+mj-lt"/>
-              </a:rPr>
-              <a:t>, </a:t>
-            </a:r>
-            <a:r>
-              <a:rPr lang="ru-RU" dirty="0" err="1">
-                <a:latin typeface="+mj-lt"/>
-              </a:rPr>
-              <a:t>тъй</a:t>
-            </a:r>
-            <a:r>
-              <a:rPr lang="ru-RU" dirty="0">
-                <a:latin typeface="+mj-lt"/>
-              </a:rPr>
-              <a:t> </a:t>
-            </a:r>
-            <a:r>
-              <a:rPr lang="ru-RU" dirty="0" err="1">
-                <a:latin typeface="+mj-lt"/>
-              </a:rPr>
-              <a:t>като</a:t>
-            </a:r>
-            <a:r>
-              <a:rPr lang="ru-RU" dirty="0">
-                <a:latin typeface="+mj-lt"/>
-              </a:rPr>
-              <a:t> </a:t>
-            </a:r>
-            <a:r>
-              <a:rPr lang="ru-RU" dirty="0" err="1">
-                <a:latin typeface="+mj-lt"/>
-              </a:rPr>
-              <a:t>няма</a:t>
-            </a:r>
-            <a:r>
-              <a:rPr lang="ru-RU" dirty="0">
-                <a:latin typeface="+mj-lt"/>
-              </a:rPr>
-              <a:t> нужда от </a:t>
-            </a:r>
-            <a:r>
-              <a:rPr lang="ru-RU" dirty="0" err="1">
-                <a:latin typeface="+mj-lt"/>
-              </a:rPr>
-              <a:t>преобразуване</a:t>
-            </a:r>
-            <a:r>
-              <a:rPr lang="ru-RU" dirty="0">
-                <a:latin typeface="+mj-lt"/>
-              </a:rPr>
-              <a:t> на </a:t>
-            </a:r>
-            <a:r>
-              <a:rPr lang="ru-RU" dirty="0" err="1">
-                <a:latin typeface="+mj-lt"/>
-              </a:rPr>
-              <a:t>данните</a:t>
-            </a:r>
-            <a:r>
-              <a:rPr lang="ru-RU" dirty="0">
-                <a:latin typeface="+mj-lt"/>
-              </a:rPr>
-              <a:t> в </a:t>
-            </a:r>
-            <a:r>
-              <a:rPr lang="ru-RU" dirty="0" err="1">
-                <a:latin typeface="+mj-lt"/>
-              </a:rPr>
-              <a:t>символни</a:t>
-            </a:r>
-            <a:r>
-              <a:rPr lang="ru-RU" dirty="0">
-                <a:latin typeface="+mj-lt"/>
-              </a:rPr>
-              <a:t> </a:t>
-            </a:r>
-            <a:r>
-              <a:rPr lang="ru-RU" dirty="0" err="1">
-                <a:latin typeface="+mj-lt"/>
-              </a:rPr>
-              <a:t>низове</a:t>
-            </a:r>
-            <a:r>
-              <a:rPr lang="ru-RU" dirty="0">
-                <a:latin typeface="+mj-lt"/>
-              </a:rPr>
-              <a:t> и обратно</a:t>
-            </a:r>
-          </a:p>
-          <a:p>
-            <a:r>
-              <a:rPr lang="ru-RU" dirty="0">
-                <a:latin typeface="+mj-lt"/>
-              </a:rPr>
               <a:t>Слабости</a:t>
             </a:r>
           </a:p>
           <a:p>
             <a:pPr lvl="1"/>
-            <a:r>
-              <a:rPr lang="ru-RU" b="0" i="0" dirty="0" err="1">
-                <a:effectLst/>
-                <a:latin typeface="+mj-lt"/>
-              </a:rPr>
-              <a:t>Бинараната</a:t>
-            </a:r>
             <a:r>
               <a:rPr lang="ru-RU" b="0" i="0" dirty="0">
                 <a:effectLst/>
                 <a:latin typeface="+mj-lt"/>
               </a:rPr>
-              <a:t> </a:t>
-            </a:r>
-            <a:r>
-              <a:rPr lang="ru-RU" b="0" i="0" dirty="0" err="1">
-                <a:effectLst/>
-                <a:latin typeface="+mj-lt"/>
-              </a:rPr>
-              <a:t>сериализация</a:t>
-            </a:r>
-            <a:r>
-              <a:rPr lang="ru-RU" b="0" i="0" dirty="0">
-                <a:effectLst/>
-                <a:latin typeface="+mj-lt"/>
-              </a:rPr>
-              <a:t> трябва да се </a:t>
-            </a:r>
-            <a:r>
-              <a:rPr lang="ru-RU" b="0" i="0" dirty="0" err="1">
-                <a:effectLst/>
-                <a:latin typeface="+mj-lt"/>
-              </a:rPr>
-              <a:t>избягва</a:t>
-            </a:r>
-            <a:r>
-              <a:rPr lang="ru-RU" b="0" i="0" dirty="0">
-                <a:effectLst/>
-                <a:latin typeface="+mj-lt"/>
-              </a:rPr>
-              <a:t>, </a:t>
-            </a:r>
-            <a:r>
-              <a:rPr lang="ru-RU" b="0" i="0" dirty="0" err="1">
-                <a:effectLst/>
-                <a:latin typeface="+mj-lt"/>
-              </a:rPr>
-              <a:t>поради</a:t>
-            </a:r>
-            <a:r>
-              <a:rPr lang="ru-RU" b="0" i="0" dirty="0">
-                <a:effectLst/>
-                <a:latin typeface="+mj-lt"/>
-              </a:rPr>
-              <a:t> </a:t>
-            </a:r>
-            <a:r>
-              <a:rPr lang="ru-RU" b="0" i="0" dirty="0" err="1">
-                <a:effectLst/>
-                <a:latin typeface="+mj-lt"/>
-              </a:rPr>
-              <a:t>възможността</a:t>
-            </a:r>
-            <a:r>
-              <a:rPr lang="ru-RU" b="0" i="0" dirty="0">
-                <a:effectLst/>
-                <a:latin typeface="+mj-lt"/>
-              </a:rPr>
-              <a:t> от злоупотреби. За </a:t>
-            </a:r>
-            <a:r>
-              <a:rPr lang="ru-RU" b="0" i="0" dirty="0" err="1">
-                <a:effectLst/>
-                <a:latin typeface="+mj-lt"/>
-              </a:rPr>
-              <a:t>повече</a:t>
-            </a:r>
-            <a:r>
-              <a:rPr lang="ru-RU" b="0" i="0" dirty="0">
-                <a:effectLst/>
-                <a:latin typeface="+mj-lt"/>
-              </a:rPr>
-              <a:t> информация:</a:t>
+              <a:t>Бинараната сериализация трябва да се избягва, поради възможността от злоупотреби. За повече информация:</a:t>
             </a:r>
             <a:r>
               <a:rPr lang="en-US" b="0" i="0" dirty="0">
@@ -33121,13 +30797,8 @@
           <a:p>
             <a:r>
               <a:rPr lang="bg-BG" sz="3100" dirty="0"/>
-              <a:t>Преимущества и слабости на бинарната </a:t>
-            </a:r>
-            <a:r>
-              <a:rPr lang="bg-BG" sz="3100" dirty="0" err="1"/>
-              <a:t>сериализация</a:t>
-            </a:r>
-            <a:endParaRPr lang="bg-BG" sz="3100" dirty="0"/>
+              <a:t>Преимущества и слабости на бинарната сериализация</a:t>
+            </a:r>
           </a:p>
         </p:txBody>
       </p:sp>
@@ -36124,11 +33795,7 @@
             </a:r>
             <a:r>
               <a:rPr lang="bg-BG" dirty="0"/>
-              <a:t>и </a:t>
-            </a:r>
-            <a:r>
-              <a:rPr lang="bg-BG" dirty="0" err="1"/>
-              <a:t>др</a:t>
+              <a:t>и др</a:t>
             </a:r>
             <a:r>
               <a:rPr lang="en-US" dirty="0"/>
@@ -36561,31 +34228,7 @@
                 </a:solidFill>
                 <a:effectLst/>
               </a:rPr>
-              <a:t>    "firstName": "</a:t>
-            </a:r>
-            <a:r>
-              <a:rPr lang="en-US" sz="1400" dirty="0" err="1">
-                <a:ln w="0">
-                  <a:noFill/>
-                </a:ln>
-                <a:solidFill>
-                  <a:schemeClr val="tx1"/>
-                </a:solidFill>
-                <a:effectLst/>
-              </a:rPr>
-              <a:t>Pesho</a:t>
-            </a:r>
-            <a:r>
-              <a:rPr lang="en-US" sz="1400" dirty="0">
-                <a:ln w="0">
-                  <a:noFill/>
-                </a:ln>
-                <a:solidFill>
-                  <a:schemeClr val="tx1"/>
-                </a:solidFill>
-                <a:effectLst/>
-              </a:rPr>
-              <a:t>",</a:t>
+              <a:t>    "firstName": "Pesho",</a:t>
             </a:r>
           </a:p>
           <a:p>
@@ -38098,27 +35741,7 @@
           <a:p>
             <a:r>
               <a:rPr lang="ru-RU" dirty="0"/>
-              <a:t>За да запишете </a:t>
-            </a:r>
-            <a:r>
-              <a:rPr lang="ru-RU" dirty="0" err="1"/>
-              <a:t>XDocument</a:t>
-            </a:r>
-            <a:r>
-              <a:rPr lang="ru-RU" dirty="0"/>
-              <a:t> </a:t>
-            </a:r>
-            <a:r>
-              <a:rPr lang="ru-RU" dirty="0" err="1"/>
-              <a:t>във</a:t>
-            </a:r>
-            <a:r>
-              <a:rPr lang="ru-RU" dirty="0"/>
-              <a:t> файл с настройки по </a:t>
-            </a:r>
-            <a:r>
-              <a:rPr lang="ru-RU" dirty="0" err="1"/>
-              <a:t>подразбиране</a:t>
+              <a:t>За да запишете XDocument във файл с настройки по подразбиране</a:t>
             </a:r>
             <a:r>
               <a:rPr lang="en-US" dirty="0"/>
@@ -38131,15 +35754,7 @@
           <a:p>
             <a:r>
               <a:rPr lang="ru-RU" dirty="0"/>
-              <a:t>За да </a:t>
-            </a:r>
-            <a:r>
-              <a:rPr lang="ru-RU" dirty="0" err="1"/>
-              <a:t>деактивирате</a:t>
-            </a:r>
-            <a:r>
-              <a:rPr lang="ru-RU" dirty="0"/>
-              <a:t> автоматичното подравняване:</a:t>
+              <a:t>За да деактивирате автоматичното подравняване:</a:t>
             </a:r>
             <a:endParaRPr lang="en-US" dirty="0"/>
           </a:p>
@@ -38148,12 +35763,8 @@
           </a:p>
           <a:p>
             <a:r>
-              <a:rPr lang="bg-BG" dirty="0" err="1"/>
-              <a:t>Сериализиране</a:t>
-            </a:r>
-            <a:r>
               <a:rPr lang="bg-BG" dirty="0"/>
-              <a:t> на </a:t>
+              <a:t>Сериализиране на </a:t>
             </a:r>
             <a:r>
               <a:rPr lang="bg-BG" b="1" dirty="0">
@@ -38190,12 +35801,8 @@
           <a:lstStyle/>
           <a:p>
             <a:r>
-              <a:rPr lang="bg-BG" dirty="0" err="1"/>
-              <a:t>Сериализиране</a:t>
-            </a:r>
-            <a:r>
               <a:rPr lang="bg-BG" dirty="0"/>
-              <a:t> на </a:t>
+              <a:t>Сериализиране на </a:t>
             </a:r>
             <a:r>
               <a:rPr lang="en-US" dirty="0"/>
@@ -40159,11 +37766,7 @@
             </a:r>
             <a:r>
               <a:rPr lang="bg-BG" dirty="0"/>
-              <a:t>и </a:t>
-            </a:r>
-            <a:r>
-              <a:rPr lang="bg-BG" dirty="0" err="1"/>
-              <a:t>др</a:t>
+              <a:t>и др</a:t>
             </a:r>
             <a:r>
               <a:rPr lang="en-US" dirty="0"/>
@@ -40596,31 +38199,7 @@
                 </a:solidFill>
                 <a:effectLst/>
               </a:rPr>
-              <a:t>    "firstName": "</a:t>
-            </a:r>
-            <a:r>
-              <a:rPr lang="en-US" sz="1400" dirty="0" err="1">
-                <a:ln w="0">
-                  <a:noFill/>
-                </a:ln>
-                <a:solidFill>
-                  <a:schemeClr val="tx1"/>
-                </a:solidFill>
-                <a:effectLst/>
-              </a:rPr>
-              <a:t>Pesho</a:t>
-            </a:r>
-            <a:r>
-              <a:rPr lang="en-US" sz="1400" dirty="0">
-                <a:ln w="0">
-                  <a:noFill/>
-                </a:ln>
-                <a:solidFill>
-                  <a:schemeClr val="tx1"/>
-                </a:solidFill>
-                <a:effectLst/>
-              </a:rPr>
-              <a:t>",</a:t>
+              <a:t>    "firstName": "Pesho",</a:t>
             </a:r>
           </a:p>
           <a:p>
@@ -41134,20 +38713,12 @@
               <a:t> </a:t>
             </a:r>
             <a:r>
-              <a:rPr lang="en-US" sz="3200" b="1" dirty="0" err="1">
+              <a:rPr lang="en-US" sz="3200" b="1" dirty="0">
                 <a:solidFill>
                   <a:schemeClr val="bg1"/>
                 </a:solidFill>
               </a:rPr>
-              <a:t>System.Text.Json</a:t>
-            </a:r>
-            <a:r>
-              <a:rPr lang="en-US" sz="3200" b="1" dirty="0">
-                <a:solidFill>
-                  <a:schemeClr val="bg1"/>
-                </a:solidFill>
-              </a:rPr>
-              <a:t> </a:t>
+              <a:t>System.Text.Json </a:t>
             </a:r>
             <a:r>
               <a:rPr lang="bg-BG" sz="3200" b="1" dirty="0">
@@ -41176,23 +38747,7 @@
             <a:pPr lvl="1"/>
             <a:r>
               <a:rPr lang="bg-BG" sz="3200" dirty="0"/>
-              <a:t>Поддържа </a:t>
-            </a:r>
-            <a:r>
-              <a:rPr lang="bg-BG" sz="3200" dirty="0" err="1"/>
-              <a:t>сериализация</a:t>
-            </a:r>
-            <a:r>
-              <a:rPr lang="bg-BG" sz="3200" dirty="0"/>
-              <a:t> и </a:t>
-            </a:r>
-            <a:r>
-              <a:rPr lang="bg-BG" sz="3200" dirty="0" err="1"/>
-              <a:t>десериализация</a:t>
-            </a:r>
-            <a:r>
-              <a:rPr lang="bg-BG" sz="3200" dirty="0"/>
-              <a:t> на обекти </a:t>
+              <a:t>Поддържа сериализация и десериализация на обекти </a:t>
             </a:r>
           </a:p>
           <a:p>
@@ -41956,15 +39511,7 @@
             </a:r>
             <a:r>
               <a:rPr lang="en-US" dirty="0"/>
-              <a:t> </a:t>
-            </a:r>
-            <a:r>
-              <a:rPr lang="en-US" dirty="0" err="1"/>
-              <a:t>System.Text.Json</a:t>
-            </a:r>
-            <a:r>
-              <a:rPr lang="en-US" dirty="0"/>
-              <a:t> </a:t>
+              <a:t> System.Text.Json </a:t>
             </a:r>
             <a:r>
               <a:rPr lang="bg-BG" dirty="0"/>
@@ -42000,12 +39547,8 @@
           <a:lstStyle/>
           <a:p>
             <a:r>
-              <a:rPr lang="bg-BG" dirty="0" err="1"/>
-              <a:t>Сериализация</a:t>
-            </a:r>
-            <a:r>
               <a:rPr lang="bg-BG" dirty="0"/>
-              <a:t> на</a:t>
+              <a:t>Сериализация на</a:t>
             </a:r>
             <a:r>
               <a:rPr lang="en-US" dirty="0"/>
@@ -42454,43 +39997,7 @@
                 </a:solidFill>
                 <a:effectLst/>
               </a:rPr>
-              <a:t>    </a:t>
-            </a:r>
-            <a:r>
-              <a:rPr lang="en-US" sz="2400" dirty="0" err="1">
-                <a:solidFill>
-                  <a:schemeClr val="tx1"/>
-                </a:solidFill>
-                <a:effectLst/>
-              </a:rPr>
-              <a:t>Console.WriteLine</a:t>
-            </a:r>
-            <a:r>
-              <a:rPr lang="en-US" sz="2400" dirty="0">
-                <a:solidFill>
-                  <a:schemeClr val="tx1"/>
-                </a:solidFill>
-                <a:effectLst/>
-              </a:rPr>
-              <a:t>(</a:t>
-            </a:r>
-            <a:r>
-              <a:rPr lang="en-US" sz="2400" dirty="0" err="1">
-                <a:solidFill>
-                  <a:schemeClr val="tx1"/>
-                </a:solidFill>
-                <a:effectLst/>
-              </a:rPr>
-              <a:t>weatherInfo</a:t>
-            </a:r>
-            <a:r>
-              <a:rPr lang="en-US" sz="2400" dirty="0">
-                <a:solidFill>
-                  <a:schemeClr val="tx1"/>
-                </a:solidFill>
-                <a:effectLst/>
-              </a:rPr>
-              <a:t>);</a:t>
+              <a:t>    Console.WriteLine(weatherInfo);</a:t>
             </a:r>
           </a:p>
           <a:p>
@@ -42827,12 +40334,8 @@
           <a:lstStyle/>
           <a:p>
             <a:r>
-              <a:rPr lang="bg-BG" dirty="0" err="1"/>
-              <a:t>Сериализация</a:t>
-            </a:r>
-            <a:r>
               <a:rPr lang="bg-BG" dirty="0"/>
-              <a:t> на</a:t>
+              <a:t>Сериализация на</a:t>
             </a:r>
             <a:r>
               <a:rPr lang="en-US" dirty="0"/>
@@ -44295,15 +41798,7 @@
             <a:pPr lvl="1"/>
             <a:r>
               <a:rPr lang="bg-BG" dirty="0"/>
-              <a:t>За да </a:t>
-            </a:r>
-            <a:r>
-              <a:rPr lang="bg-BG" dirty="0" err="1"/>
-              <a:t>десериализираме</a:t>
-            </a:r>
-            <a:r>
-              <a:rPr lang="bg-BG" dirty="0"/>
-              <a:t> от файл, може да го прочетем и да използваме метода</a:t>
+              <a:t>За да десериализираме от файл, може да го прочетем и да използваме метода</a:t>
             </a:r>
             <a:r>
               <a:rPr lang="en-US" sz="3200" dirty="0">
@@ -44649,35 +42144,7 @@
                 <a:ea typeface="+mj-lt"/>
                 <a:cs typeface="+mj-lt"/>
               </a:rPr>
-              <a:t>Какво </a:t>
-            </a:r>
-            <a:r>
-              <a:rPr lang="en-US" sz="4000" dirty="0" err="1">
-                <a:ea typeface="+mj-lt"/>
-                <a:cs typeface="+mj-lt"/>
-              </a:rPr>
-              <a:t>научихме</a:t>
-            </a:r>
-            <a:r>
-              <a:rPr lang="en-US" sz="4000" dirty="0">
-                <a:ea typeface="+mj-lt"/>
-                <a:cs typeface="+mj-lt"/>
-              </a:rPr>
-              <a:t> </a:t>
-            </a:r>
-            <a:r>
-              <a:rPr lang="en-US" sz="4000" dirty="0" err="1">
-                <a:ea typeface="+mj-lt"/>
-                <a:cs typeface="+mj-lt"/>
-              </a:rPr>
-              <a:t>днес</a:t>
-            </a:r>
-            <a:r>
-              <a:rPr lang="en-US" sz="4000" dirty="0">
-                <a:ea typeface="+mj-lt"/>
-                <a:cs typeface="+mj-lt"/>
-              </a:rPr>
-              <a:t>?</a:t>
+              <a:t>Какво научихме днес?</a:t>
             </a:r>
             <a:endParaRPr lang="en-US" dirty="0"/>
           </a:p>
@@ -45083,7 +42550,7 @@
               </a:buClr>
             </a:pPr>
             <a:r>
-              <a:rPr lang="en-US" sz="3400" b="1" dirty="0" err="1">
+              <a:rPr lang="en-US" sz="3400" b="1" dirty="0">
                 <a:solidFill>
                   <a:schemeClr val="bg1">
                     <a:lumMod val="60000"/>
@@ -45091,92 +42558,17 @@
                   </a:schemeClr>
                 </a:solidFill>
               </a:rPr>
-              <a:t>Стриймовете</a:t>
-            </a:r>
-            <a:r>
-              <a:rPr lang="en-US" sz="3400" b="1" dirty="0">
-                <a:solidFill>
-                  <a:schemeClr val="bg1">
-                    <a:lumMod val="60000"/>
-                    <a:lumOff val="40000"/>
-                  </a:schemeClr>
-                </a:solidFill>
-              </a:rPr>
-              <a:t> </a:t>
-            </a:r>
-            <a:r>
-              <a:rPr lang="en-US" sz="3400" dirty="0" err="1">
+              <a:t>Стриймовете </a:t>
+            </a:r>
+            <a:r>
+              <a:rPr lang="en-US" sz="3400" dirty="0">
                 <a:solidFill>
                   <a:schemeClr val="bg2"/>
                 </a:solidFill>
               </a:rPr>
-              <a:t>са</a:t>
-            </a:r>
-            <a:r>
-              <a:rPr lang="en-US" sz="3400" dirty="0">
-                <a:solidFill>
-                  <a:schemeClr val="bg2"/>
-                </a:solidFill>
-              </a:rPr>
-              <a:t> </a:t>
-            </a:r>
-            <a:r>
-              <a:rPr lang="en-US" sz="3400" dirty="0" err="1">
-                <a:solidFill>
-                  <a:schemeClr val="bg2"/>
-                </a:solidFill>
-              </a:rPr>
-              <a:t>подредена</a:t>
-            </a:r>
-            <a:r>
-              <a:rPr lang="en-US" sz="3400" dirty="0">
-                <a:solidFill>
-                  <a:schemeClr val="bg2"/>
-                </a:solidFill>
-              </a:rPr>
-              <a:t> </a:t>
-            </a:r>
-            <a:r>
-              <a:rPr lang="en-US" sz="3400" dirty="0" err="1">
-                <a:solidFill>
-                  <a:schemeClr val="bg2"/>
-                </a:solidFill>
-              </a:rPr>
-              <a:t>редица</a:t>
-            </a:r>
-            <a:r>
-              <a:rPr lang="en-US" sz="3400" dirty="0">
-                <a:solidFill>
-                  <a:schemeClr val="bg2"/>
-                </a:solidFill>
-              </a:rPr>
-              <a:t> </a:t>
-            </a:r>
-            <a:r>
-              <a:rPr lang="en-US" sz="3400" dirty="0" err="1">
-                <a:solidFill>
-                  <a:schemeClr val="bg2"/>
-                </a:solidFill>
-              </a:rPr>
-              <a:t>от</a:t>
-            </a:r>
-            <a:r>
-              <a:rPr lang="en-US" sz="3400" dirty="0">
-                <a:solidFill>
-                  <a:schemeClr val="bg2"/>
-                </a:solidFill>
-              </a:rPr>
-              <a:t> </a:t>
-            </a:r>
-            <a:r>
-              <a:rPr lang="en-US" sz="3400" dirty="0" err="1">
-                <a:solidFill>
-                  <a:schemeClr val="bg2"/>
-                </a:solidFill>
-              </a:rPr>
-              <a:t>битове</a:t>
-            </a:r>
-            <a:endParaRPr lang="bg-BG" dirty="0" err="1">
+              <a:t>са подредена редица от битове</a:t>
+            </a:r>
+            <a:endParaRPr lang="bg-BG" dirty="0">
               <a:solidFill>
                 <a:schemeClr val="bg2"/>
               </a:solidFill>
@@ -45192,55 +42584,15 @@
               </a:buClr>
             </a:pPr>
             <a:r>
-              <a:rPr lang="en-US" sz="3200" dirty="0" err="1">
+              <a:rPr lang="en-US" sz="3200" dirty="0">
                 <a:solidFill>
                   <a:schemeClr val="bg2"/>
                 </a:solidFill>
               </a:rPr>
-              <a:t>Могат</a:t>
-            </a:r>
-            <a:r>
-              <a:rPr lang="en-US" sz="3200" dirty="0">
-                <a:solidFill>
-                  <a:schemeClr val="bg2"/>
-                </a:solidFill>
-              </a:rPr>
-              <a:t> </a:t>
-            </a:r>
-            <a:r>
-              <a:rPr lang="en-US" sz="3200" dirty="0" err="1">
-                <a:solidFill>
-                  <a:schemeClr val="bg2"/>
-                </a:solidFill>
-              </a:rPr>
-              <a:t>да</a:t>
-            </a:r>
-            <a:r>
-              <a:rPr lang="en-US" sz="3200" dirty="0">
-                <a:solidFill>
-                  <a:schemeClr val="bg2"/>
-                </a:solidFill>
-              </a:rPr>
-              <a:t> </a:t>
-            </a:r>
-            <a:r>
-              <a:rPr lang="en-US" sz="3200" dirty="0" err="1">
-                <a:solidFill>
-                  <a:schemeClr val="bg2"/>
-                </a:solidFill>
-              </a:rPr>
-              <a:t>бъдат</a:t>
-            </a:r>
-            <a:r>
-              <a:rPr lang="en-US" sz="3200" dirty="0">
-                <a:solidFill>
-                  <a:schemeClr val="bg2"/>
-                </a:solidFill>
-              </a:rPr>
-              <a:t> </a:t>
-            </a:r>
-            <a:r>
-              <a:rPr lang="en-US" sz="3200" b="1" dirty="0" err="1">
+              <a:t>Могат да бъдат </a:t>
+            </a:r>
+            <a:r>
+              <a:rPr lang="en-US" sz="3200" b="1" dirty="0">
                 <a:solidFill>
                   <a:schemeClr val="bg1">
                     <a:lumMod val="60000"/>
@@ -45256,26 +42608,10 @@
                   <a:schemeClr val="bg2"/>
                 </a:solidFill>
               </a:rPr>
-              <a:t> </a:t>
-            </a:r>
-            <a:r>
-              <a:rPr lang="en-US" sz="3200" dirty="0" err="1">
-                <a:solidFill>
-                  <a:schemeClr val="bg2"/>
-                </a:solidFill>
-              </a:rPr>
-              <a:t>или</a:t>
-            </a:r>
-            <a:r>
-              <a:rPr lang="en-US" sz="3200" dirty="0">
-                <a:solidFill>
-                  <a:schemeClr val="bg2"/>
-                </a:solidFill>
-              </a:rPr>
-              <a:t> </a:t>
-            </a:r>
-            <a:r>
-              <a:rPr lang="en-US" sz="3200" b="1" dirty="0" err="1">
+              <a:t> или </a:t>
+            </a:r>
+            <a:r>
+              <a:rPr lang="en-US" sz="3200" b="1" dirty="0">
                 <a:solidFill>
                   <a:schemeClr val="bg1">
                     <a:lumMod val="60000"/>
@@ -45285,7 +42621,7 @@
               </a:rPr>
               <a:t>писани</a:t>
             </a:r>
-            <a:endParaRPr lang="bg-BG" sz="3200" dirty="0" err="1">
+            <a:endParaRPr lang="bg-BG" sz="3200" dirty="0">
               <a:solidFill>
                 <a:schemeClr val="bg1">
                   <a:lumMod val="60000"/>
@@ -45305,52 +42641,12 @@
               </a:buClr>
             </a:pPr>
             <a:r>
-              <a:rPr lang="en-US" sz="3200" dirty="0" err="1">
+              <a:rPr lang="en-US" sz="3200" dirty="0">
                 <a:solidFill>
                   <a:schemeClr val="bg2"/>
                 </a:solidFill>
               </a:rPr>
-              <a:t>Винаги</a:t>
-            </a:r>
-            <a:r>
-              <a:rPr lang="en-US" sz="3200" dirty="0">
-                <a:solidFill>
-                  <a:schemeClr val="bg2"/>
-                </a:solidFill>
-              </a:rPr>
-              <a:t> </a:t>
-            </a:r>
-            <a:r>
-              <a:rPr lang="en-US" sz="3200" dirty="0" err="1">
-                <a:solidFill>
-                  <a:schemeClr val="bg2"/>
-                </a:solidFill>
-              </a:rPr>
-              <a:t>затваряйте</a:t>
-            </a:r>
-            <a:r>
-              <a:rPr lang="en-US" sz="3200" dirty="0">
-                <a:solidFill>
-                  <a:schemeClr val="bg2"/>
-                </a:solidFill>
-              </a:rPr>
-              <a:t> </a:t>
-            </a:r>
-            <a:r>
-              <a:rPr lang="en-US" sz="3200" dirty="0" err="1">
-                <a:solidFill>
-                  <a:schemeClr val="bg2"/>
-                </a:solidFill>
-              </a:rPr>
-              <a:t>стрийм</a:t>
-            </a:r>
-            <a:r>
-              <a:rPr lang="en-US" sz="3200" dirty="0">
-                <a:solidFill>
-                  <a:schemeClr val="bg2"/>
-                </a:solidFill>
-              </a:rPr>
-              <a:t> с </a:t>
+              <a:t>Винаги затваряйте стрийм с </a:t>
             </a:r>
             <a:r>
               <a:rPr lang="en-US" sz="3200" b="1" dirty="0">
@@ -45364,20 +42660,12 @@
               <a:t>try-finally </a:t>
             </a:r>
             <a:r>
-              <a:rPr lang="en-US" sz="3200" dirty="0" err="1">
+              <a:rPr lang="en-US" sz="3200" dirty="0">
                 <a:solidFill>
                   <a:schemeClr val="bg2"/>
                 </a:solidFill>
               </a:rPr>
-              <a:t>или</a:t>
-            </a:r>
-            <a:r>
-              <a:rPr lang="en-US" sz="3200" dirty="0">
-                <a:solidFill>
-                  <a:schemeClr val="bg2"/>
-                </a:solidFill>
-              </a:rPr>
-              <a:t> </a:t>
+              <a:t>или </a:t>
             </a:r>
             <a:r>
               <a:rPr lang="en-US" sz="3200" b="1" dirty="0">
@@ -45410,20 +42698,12 @@
               </a:buClr>
             </a:pPr>
             <a:r>
-              <a:rPr lang="en-US" sz="3400" dirty="0" err="1">
+              <a:rPr lang="en-US" sz="3400" dirty="0">
                 <a:solidFill>
                   <a:schemeClr val="bg2"/>
                 </a:solidFill>
               </a:rPr>
-              <a:t>Използвайте</a:t>
-            </a:r>
-            <a:r>
-              <a:rPr lang="en-US" sz="3400" dirty="0">
-                <a:solidFill>
-                  <a:schemeClr val="bg2"/>
-                </a:solidFill>
-              </a:rPr>
-              <a:t> </a:t>
+              <a:t>Използвайте </a:t>
             </a:r>
             <a:r>
               <a:rPr lang="en-US" sz="3400" b="1" noProof="1">
@@ -45464,54 +42744,14 @@
               <a:t> </a:t>
             </a:r>
             <a:r>
-              <a:rPr lang="en-US" sz="3400" dirty="0" err="1">
+              <a:rPr lang="en-US" sz="3400" dirty="0">
                 <a:solidFill>
                   <a:schemeClr val="bg2"/>
                 </a:solidFill>
                 <a:ea typeface="+mn-lt"/>
                 <a:cs typeface="+mn-lt"/>
               </a:rPr>
-              <a:t>за</a:t>
-            </a:r>
-            <a:r>
-              <a:rPr lang="en-US" sz="3400" dirty="0">
-                <a:solidFill>
-                  <a:schemeClr val="bg2"/>
-                </a:solidFill>
-                <a:ea typeface="+mn-lt"/>
-                <a:cs typeface="+mn-lt"/>
-              </a:rPr>
-              <a:t> </a:t>
-            </a:r>
-            <a:r>
-              <a:rPr lang="en-US" sz="3400" dirty="0" err="1">
-                <a:solidFill>
-                  <a:schemeClr val="bg2"/>
-                </a:solidFill>
-                <a:ea typeface="+mn-lt"/>
-                <a:cs typeface="+mn-lt"/>
-              </a:rPr>
-              <a:t>текстови</a:t>
-            </a:r>
-            <a:r>
-              <a:rPr lang="en-US" sz="3400" dirty="0">
-                <a:solidFill>
-                  <a:schemeClr val="bg2"/>
-                </a:solidFill>
-                <a:ea typeface="+mn-lt"/>
-                <a:cs typeface="+mn-lt"/>
-              </a:rPr>
-              <a:t> </a:t>
-            </a:r>
-            <a:r>
-              <a:rPr lang="en-US" sz="3400" dirty="0" err="1">
-                <a:solidFill>
-                  <a:schemeClr val="bg2"/>
-                </a:solidFill>
-                <a:ea typeface="+mn-lt"/>
-                <a:cs typeface="+mn-lt"/>
-              </a:rPr>
-              <a:t>данни</a:t>
+              <a:t>за текстови данни</a:t>
             </a:r>
             <a:endParaRPr lang="en-US" sz="3400" dirty="0">
               <a:solidFill>
@@ -45556,81 +42796,9 @@
                   <a:schemeClr val="bg2"/>
                 </a:solidFill>
               </a:rPr>
-              <a:t> </a:t>
-            </a:r>
-            <a:r>
-              <a:rPr lang="en-US" sz="3400" dirty="0" err="1">
-                <a:solidFill>
-                  <a:schemeClr val="bg2"/>
-                </a:solidFill>
-              </a:rPr>
-              <a:t>да</a:t>
-            </a:r>
-            <a:r>
-              <a:rPr lang="en-US" sz="3400" dirty="0">
-                <a:solidFill>
-                  <a:schemeClr val="bg2"/>
-                </a:solidFill>
-              </a:rPr>
-              <a:t> </a:t>
-            </a:r>
-            <a:r>
-              <a:rPr lang="en-US" sz="3400" dirty="0" err="1">
-                <a:solidFill>
-                  <a:schemeClr val="bg2"/>
-                </a:solidFill>
-              </a:rPr>
-              <a:t>четете</a:t>
-            </a:r>
-            <a:r>
-              <a:rPr lang="en-US" sz="3400" dirty="0">
-                <a:solidFill>
-                  <a:schemeClr val="bg2"/>
-                </a:solidFill>
-              </a:rPr>
-              <a:t>/</a:t>
-            </a:r>
-            <a:r>
-              <a:rPr lang="en-US" sz="3400" dirty="0" err="1">
-                <a:solidFill>
-                  <a:schemeClr val="bg2"/>
-                </a:solidFill>
-              </a:rPr>
-              <a:t>пишете</a:t>
-            </a:r>
-            <a:r>
-              <a:rPr lang="en-US" sz="3400" dirty="0">
-                <a:solidFill>
-                  <a:schemeClr val="bg2"/>
-                </a:solidFill>
-              </a:rPr>
-              <a:t> </a:t>
-            </a:r>
-            <a:r>
-              <a:rPr lang="en-US" sz="3400" dirty="0" err="1">
-                <a:solidFill>
-                  <a:schemeClr val="bg2"/>
-                </a:solidFill>
-              </a:rPr>
-              <a:t>двоичен</a:t>
-            </a:r>
-            <a:r>
-              <a:rPr lang="en-US" sz="3400" dirty="0">
-                <a:solidFill>
-                  <a:schemeClr val="bg2"/>
-                </a:solidFill>
-              </a:rPr>
-              <a:t> </a:t>
-            </a:r>
-            <a:r>
-              <a:rPr lang="en-US" sz="3400" dirty="0" err="1">
-                <a:solidFill>
-                  <a:schemeClr val="bg2"/>
-                </a:solidFill>
-              </a:rPr>
-              <a:t>файл</a:t>
-            </a:r>
-            <a:endParaRPr lang="bg-BG" sz="3400" dirty="0" err="1">
+              <a:t> да четете/пишете двоичен файл</a:t>
+            </a:r>
+            <a:endParaRPr lang="bg-BG" sz="3400" dirty="0">
               <a:solidFill>
                 <a:schemeClr val="bg2"/>
               </a:solidFill>
@@ -45647,40 +42815,22 @@
               </a:buClr>
             </a:pPr>
             <a:r>
-              <a:rPr lang="en-US" sz="3400" dirty="0" err="1">
+              <a:rPr lang="en-US" sz="3400" dirty="0">
                 <a:solidFill>
                   <a:schemeClr val="bg2"/>
                 </a:solidFill>
                 <a:ea typeface="+mn-lt"/>
                 <a:cs typeface="+mn-lt"/>
               </a:rPr>
-              <a:t>Използвайте</a:t>
-            </a:r>
-            <a:r>
-              <a:rPr lang="en-US" sz="3400" dirty="0">
+              <a:t>Използвайте </a:t>
+            </a:r>
+            <a:r>
+              <a:rPr lang="en-GB" sz="3400" dirty="0">
                 <a:solidFill>
                   <a:schemeClr val="bg2"/>
                 </a:solidFill>
-                <a:ea typeface="+mn-lt"/>
-                <a:cs typeface="+mn-lt"/>
-              </a:rPr>
-              <a:t> </a:t>
-            </a:r>
-            <a:r>
-              <a:rPr lang="en-GB" sz="3400" dirty="0" err="1">
-                <a:solidFill>
-                  <a:schemeClr val="bg2"/>
-                </a:solidFill>
-              </a:rPr>
-              <a:t>класа</a:t>
-            </a:r>
-            <a:r>
-              <a:rPr lang="en-GB" sz="3400" dirty="0">
-                <a:solidFill>
-                  <a:schemeClr val="bg2"/>
-                </a:solidFill>
-              </a:rPr>
-              <a:t> </a:t>
+              </a:rPr>
+              <a:t>класа </a:t>
             </a:r>
             <a:r>
               <a:rPr lang="en-GB" sz="3400" b="1" dirty="0">
@@ -45699,79 +42849,7 @@
                   <a:schemeClr val="bg2"/>
                 </a:solidFill>
               </a:rPr>
-              <a:t> </a:t>
-            </a:r>
-            <a:r>
-              <a:rPr lang="en-GB" sz="3400" dirty="0" err="1">
-                <a:solidFill>
-                  <a:schemeClr val="bg2"/>
-                </a:solidFill>
-              </a:rPr>
-              <a:t>да</a:t>
-            </a:r>
-            <a:r>
-              <a:rPr lang="en-GB" sz="3400" dirty="0">
-                <a:solidFill>
-                  <a:schemeClr val="bg2"/>
-                </a:solidFill>
-              </a:rPr>
-              <a:t> </a:t>
-            </a:r>
-            <a:r>
-              <a:rPr lang="en-GB" sz="3400" dirty="0" err="1">
-                <a:solidFill>
-                  <a:schemeClr val="bg2"/>
-                </a:solidFill>
-              </a:rPr>
-              <a:t>четете</a:t>
-            </a:r>
-            <a:r>
-              <a:rPr lang="en-GB" sz="3400" dirty="0">
-                <a:solidFill>
-                  <a:schemeClr val="bg2"/>
-                </a:solidFill>
-              </a:rPr>
-              <a:t>/</a:t>
-            </a:r>
-            <a:r>
-              <a:rPr lang="en-GB" sz="3400" dirty="0" err="1">
-                <a:solidFill>
-                  <a:schemeClr val="bg2"/>
-                </a:solidFill>
-              </a:rPr>
-              <a:t>пишете</a:t>
-            </a:r>
-            <a:r>
-              <a:rPr lang="en-GB" sz="3400" dirty="0">
-                <a:solidFill>
-                  <a:schemeClr val="bg2"/>
-                </a:solidFill>
-              </a:rPr>
-              <a:t> </a:t>
-            </a:r>
-            <a:r>
-              <a:rPr lang="en-GB" sz="3400" dirty="0" err="1">
-                <a:solidFill>
-                  <a:schemeClr val="bg2"/>
-                </a:solidFill>
-              </a:rPr>
-              <a:t>файл</a:t>
-            </a:r>
-            <a:r>
-              <a:rPr lang="en-GB" sz="3400" dirty="0">
-                <a:solidFill>
-                  <a:schemeClr val="bg2"/>
-                </a:solidFill>
-              </a:rPr>
-              <a:t> </a:t>
-            </a:r>
-            <a:r>
-              <a:rPr lang="en-GB" sz="3400" dirty="0" err="1">
-                <a:solidFill>
-                  <a:schemeClr val="bg2"/>
-                </a:solidFill>
-              </a:rPr>
-              <a:t>наведнъж</a:t>
+              <a:t> да четете/пишете файл наведнъж</a:t>
             </a:r>
             <a:endParaRPr lang="en-GB" sz="3400" dirty="0">
               <a:solidFill>
@@ -45790,40 +42868,22 @@
               </a:buClr>
             </a:pPr>
             <a:r>
-              <a:rPr lang="en-US" sz="3400" dirty="0" err="1">
+              <a:rPr lang="en-US" sz="3400" dirty="0">
                 <a:solidFill>
                   <a:schemeClr val="bg2"/>
                 </a:solidFill>
                 <a:ea typeface="+mn-lt"/>
                 <a:cs typeface="+mn-lt"/>
               </a:rPr>
-              <a:t>Използвайте</a:t>
-            </a:r>
-            <a:r>
-              <a:rPr lang="en-US" sz="3400" dirty="0">
+              <a:t>Използвайте </a:t>
+            </a:r>
+            <a:r>
+              <a:rPr lang="en-GB" sz="3400" dirty="0">
                 <a:solidFill>
                   <a:schemeClr val="bg2"/>
                 </a:solidFill>
-                <a:ea typeface="+mn-lt"/>
-                <a:cs typeface="+mn-lt"/>
-              </a:rPr>
-              <a:t> </a:t>
-            </a:r>
-            <a:r>
-              <a:rPr lang="en-GB" sz="3400" dirty="0" err="1">
-                <a:solidFill>
-                  <a:schemeClr val="bg2"/>
-                </a:solidFill>
-              </a:rPr>
-              <a:t>класа</a:t>
-            </a:r>
-            <a:r>
-              <a:rPr lang="en-GB" sz="3400" dirty="0">
-                <a:solidFill>
-                  <a:schemeClr val="bg2"/>
-                </a:solidFill>
-              </a:rPr>
-              <a:t> </a:t>
+              </a:rPr>
+              <a:t>класа </a:t>
             </a:r>
             <a:r>
               <a:rPr lang="en-GB" sz="3400" b="1" dirty="0">
@@ -45842,47 +42902,7 @@
                   <a:schemeClr val="bg2"/>
                 </a:solidFill>
               </a:rPr>
-              <a:t> </a:t>
-            </a:r>
-            <a:r>
-              <a:rPr lang="en-GB" sz="3400" dirty="0" err="1">
-                <a:solidFill>
-                  <a:schemeClr val="bg2"/>
-                </a:solidFill>
-              </a:rPr>
-              <a:t>за</a:t>
-            </a:r>
-            <a:r>
-              <a:rPr lang="en-GB" sz="3400" dirty="0">
-                <a:solidFill>
-                  <a:schemeClr val="bg2"/>
-                </a:solidFill>
-              </a:rPr>
-              <a:t> </a:t>
-            </a:r>
-            <a:r>
-              <a:rPr lang="en-GB" sz="3400" dirty="0" err="1">
-                <a:solidFill>
-                  <a:schemeClr val="bg2"/>
-                </a:solidFill>
-              </a:rPr>
-              <a:t>работа</a:t>
-            </a:r>
-            <a:r>
-              <a:rPr lang="en-GB" sz="3400" dirty="0">
-                <a:solidFill>
-                  <a:schemeClr val="bg2"/>
-                </a:solidFill>
-              </a:rPr>
-              <a:t> с </a:t>
-            </a:r>
-            <a:r>
-              <a:rPr lang="en-GB" sz="3400" dirty="0" err="1">
-                <a:solidFill>
-                  <a:schemeClr val="bg2"/>
-                </a:solidFill>
-              </a:rPr>
-              <a:t>директории</a:t>
+              <a:t> за работа с директории</a:t>
             </a:r>
             <a:endParaRPr lang="bg-BG" sz="3400" dirty="0">
               <a:solidFill>
@@ -45900,22 +42920,13 @@
               </a:buClr>
             </a:pPr>
             <a:r>
-              <a:rPr lang="bg-BG" sz="3400" dirty="0" err="1">
+              <a:rPr lang="bg-BG" sz="3400" dirty="0">
                 <a:solidFill>
                   <a:schemeClr val="bg2"/>
                 </a:solidFill>
                 <a:cs typeface="Calibri"/>
               </a:rPr>
-              <a:t>Сериализация</a:t>
-            </a:r>
-            <a:r>
-              <a:rPr lang="bg-BG" sz="3400" dirty="0">
-                <a:solidFill>
-                  <a:schemeClr val="bg2"/>
-                </a:solidFill>
-                <a:cs typeface="Calibri"/>
-              </a:rPr>
-              <a:t>:</a:t>
+              <a:t>Сериализация:</a:t>
             </a:r>
           </a:p>
           <a:p>
@@ -46624,20 +43635,12 @@
               <a:t> </a:t>
             </a:r>
             <a:r>
-              <a:rPr lang="en-US" b="1" dirty="0" err="1">
+              <a:rPr lang="en-US" b="1" dirty="0">
                 <a:solidFill>
                   <a:schemeClr val="bg1"/>
                 </a:solidFill>
               </a:rPr>
-              <a:t>System.Text.Json</a:t>
-            </a:r>
-            <a:r>
-              <a:rPr lang="en-US" b="1" dirty="0">
-                <a:solidFill>
-                  <a:schemeClr val="bg1"/>
-                </a:solidFill>
-              </a:rPr>
-              <a:t> </a:t>
+              <a:t>System.Text.Json </a:t>
             </a:r>
             <a:r>
               <a:rPr lang="bg-BG" b="1" dirty="0">
@@ -46666,23 +43669,7 @@
             <a:pPr lvl="1"/>
             <a:r>
               <a:rPr lang="bg-BG" dirty="0"/>
-              <a:t>Поддържа </a:t>
-            </a:r>
-            <a:r>
-              <a:rPr lang="bg-BG" dirty="0" err="1"/>
-              <a:t>серилизация</a:t>
-            </a:r>
-            <a:r>
-              <a:rPr lang="bg-BG" dirty="0"/>
-              <a:t> и </a:t>
-            </a:r>
-            <a:r>
-              <a:rPr lang="bg-BG" dirty="0" err="1"/>
-              <a:t>десирилизация</a:t>
-            </a:r>
-            <a:r>
-              <a:rPr lang="bg-BG" dirty="0"/>
-              <a:t> на обекти </a:t>
+              <a:t>Поддържа серилизация и десирилизация на обекти </a:t>
             </a:r>
           </a:p>
           <a:p>
@@ -47754,15 +44741,7 @@
             </a:r>
             <a:r>
               <a:rPr lang="en-US" dirty="0"/>
-              <a:t> </a:t>
-            </a:r>
-            <a:r>
-              <a:rPr lang="en-US" dirty="0" err="1"/>
-              <a:t>System.Text.Json</a:t>
-            </a:r>
-            <a:r>
-              <a:rPr lang="en-US" dirty="0"/>
-              <a:t> </a:t>
+              <a:t> System.Text.Json </a:t>
             </a:r>
             <a:r>
               <a:rPr lang="bg-BG" dirty="0"/>
@@ -47798,12 +44777,8 @@
           <a:lstStyle/>
           <a:p>
             <a:r>
-              <a:rPr lang="bg-BG" dirty="0" err="1"/>
-              <a:t>Серилизация</a:t>
-            </a:r>
-            <a:r>
               <a:rPr lang="bg-BG" dirty="0"/>
-              <a:t> на</a:t>
+              <a:t>Серилизация на</a:t>
             </a:r>
             <a:r>
               <a:rPr lang="en-US" dirty="0"/>
@@ -48252,43 +45227,7 @@
                 </a:solidFill>
                 <a:effectLst/>
               </a:rPr>
-              <a:t>    </a:t>
-            </a:r>
-            <a:r>
-              <a:rPr lang="en-US" sz="2400" dirty="0" err="1">
-                <a:solidFill>
-                  <a:schemeClr val="tx1"/>
-                </a:solidFill>
-                <a:effectLst/>
-              </a:rPr>
-              <a:t>Console.WriteLine</a:t>
-            </a:r>
-            <a:r>
-              <a:rPr lang="en-US" sz="2400" dirty="0">
-                <a:solidFill>
-                  <a:schemeClr val="tx1"/>
-                </a:solidFill>
-                <a:effectLst/>
-              </a:rPr>
-              <a:t>(</a:t>
-            </a:r>
-            <a:r>
-              <a:rPr lang="en-US" sz="2400" dirty="0" err="1">
-                <a:solidFill>
-                  <a:schemeClr val="tx1"/>
-                </a:solidFill>
-                <a:effectLst/>
-              </a:rPr>
-              <a:t>weatherInfo</a:t>
-            </a:r>
-            <a:r>
-              <a:rPr lang="en-US" sz="2400" dirty="0">
-                <a:solidFill>
-                  <a:schemeClr val="tx1"/>
-                </a:solidFill>
-                <a:effectLst/>
-              </a:rPr>
-              <a:t>);</a:t>
+              <a:t>    Console.WriteLine(weatherInfo);</a:t>
             </a:r>
           </a:p>
           <a:p>
@@ -48625,12 +45564,8 @@
           <a:lstStyle/>
           <a:p>
             <a:r>
-              <a:rPr lang="bg-BG" dirty="0" err="1"/>
-              <a:t>Серилизация</a:t>
-            </a:r>
-            <a:r>
               <a:rPr lang="bg-BG" dirty="0"/>
-              <a:t> на</a:t>
+              <a:t>Серилизация на</a:t>
             </a:r>
             <a:r>
               <a:rPr lang="en-US" dirty="0"/>
@@ -50047,15 +46982,7 @@
             <a:pPr lvl="1"/>
             <a:r>
               <a:rPr lang="bg-BG" dirty="0"/>
-              <a:t>За да </a:t>
-            </a:r>
-            <a:r>
-              <a:rPr lang="bg-BG" dirty="0" err="1"/>
-              <a:t>десиализираме</a:t>
-            </a:r>
-            <a:r>
-              <a:rPr lang="bg-BG" dirty="0"/>
-              <a:t> от файл, може да го прочетем и да използваме метода</a:t>
+              <a:t>За да десиализираме от файл, може да го прочетем и да използваме метода</a:t>
             </a:r>
             <a:r>
               <a:rPr lang="en-US" sz="3200" dirty="0">
@@ -50210,19 +47137,7 @@
               <a:rPr lang="en-US" sz="5350" dirty="0">
                 <a:cs typeface="Arial"/>
               </a:rPr>
-              <a:t>Какво е </a:t>
-            </a:r>
-            <a:r>
-              <a:rPr lang="en-US" sz="5350" dirty="0" err="1">
-                <a:cs typeface="Arial"/>
-              </a:rPr>
-              <a:t>стриймване</a:t>
-            </a:r>
-            <a:r>
-              <a:rPr lang="en-US" sz="5350" dirty="0">
-                <a:cs typeface="Arial"/>
-              </a:rPr>
-              <a:t>?</a:t>
+              <a:t>Какво е стриймване?</a:t>
             </a:r>
             <a:endParaRPr lang="bg-BG" sz="5350" dirty="0">
               <a:cs typeface="Arial"/>

--- a/Courses/Software-Sciences/Module-2-DS-and-Algo/10.1-Streams-Files-and-Directories/10.1-Streams-Files-and-Directories.pptx
+++ b/Courses/Software-Sciences/Module-2-DS-and-Algo/10.1-Streams-Files-and-Directories/10.1-Streams-Files-and-Directories.pptx
@@ -5,10 +5,10 @@
     <p:sldMasterId id="2147483675" r:id="rId1"/>
   </p:sldMasterIdLst>
   <p:notesMasterIdLst>
-    <p:notesMasterId r:id="rId50"/>
+    <p:notesMasterId r:id="rId49"/>
   </p:notesMasterIdLst>
   <p:handoutMasterIdLst>
-    <p:handoutMasterId r:id="rId51"/>
+    <p:handoutMasterId r:id="rId50"/>
   </p:handoutMasterIdLst>
   <p:sldIdLst>
     <p:sldId id="297" r:id="rId2"/>
@@ -31,34 +31,33 @@
     <p:sldId id="312" r:id="rId19"/>
     <p:sldId id="313" r:id="rId20"/>
     <p:sldId id="314" r:id="rId21"/>
-    <p:sldId id="496" r:id="rId22"/>
-    <p:sldId id="327" r:id="rId23"/>
-    <p:sldId id="328" r:id="rId24"/>
-    <p:sldId id="329" r:id="rId25"/>
-    <p:sldId id="497" r:id="rId26"/>
-    <p:sldId id="330" r:id="rId27"/>
-    <p:sldId id="331" r:id="rId28"/>
-    <p:sldId id="332" r:id="rId29"/>
-    <p:sldId id="333" r:id="rId30"/>
-    <p:sldId id="334" r:id="rId31"/>
-    <p:sldId id="1514" r:id="rId32"/>
-    <p:sldId id="581" r:id="rId33"/>
-    <p:sldId id="583" r:id="rId34"/>
-    <p:sldId id="1496" r:id="rId35"/>
-    <p:sldId id="1497" r:id="rId36"/>
-    <p:sldId id="1498" r:id="rId37"/>
-    <p:sldId id="1499" r:id="rId38"/>
-    <p:sldId id="1512" r:id="rId39"/>
-    <p:sldId id="1513" r:id="rId40"/>
-    <p:sldId id="1515" r:id="rId41"/>
-    <p:sldId id="1516" r:id="rId42"/>
-    <p:sldId id="1517" r:id="rId43"/>
-    <p:sldId id="1518" r:id="rId44"/>
-    <p:sldId id="1519" r:id="rId45"/>
-    <p:sldId id="1520" r:id="rId46"/>
-    <p:sldId id="335" r:id="rId47"/>
-    <p:sldId id="504" r:id="rId48"/>
-    <p:sldId id="505" r:id="rId49"/>
+    <p:sldId id="327" r:id="rId22"/>
+    <p:sldId id="328" r:id="rId23"/>
+    <p:sldId id="329" r:id="rId24"/>
+    <p:sldId id="497" r:id="rId25"/>
+    <p:sldId id="330" r:id="rId26"/>
+    <p:sldId id="331" r:id="rId27"/>
+    <p:sldId id="332" r:id="rId28"/>
+    <p:sldId id="333" r:id="rId29"/>
+    <p:sldId id="334" r:id="rId30"/>
+    <p:sldId id="1514" r:id="rId31"/>
+    <p:sldId id="581" r:id="rId32"/>
+    <p:sldId id="583" r:id="rId33"/>
+    <p:sldId id="1496" r:id="rId34"/>
+    <p:sldId id="1497" r:id="rId35"/>
+    <p:sldId id="1498" r:id="rId36"/>
+    <p:sldId id="1499" r:id="rId37"/>
+    <p:sldId id="1512" r:id="rId38"/>
+    <p:sldId id="1513" r:id="rId39"/>
+    <p:sldId id="1515" r:id="rId40"/>
+    <p:sldId id="1516" r:id="rId41"/>
+    <p:sldId id="1517" r:id="rId42"/>
+    <p:sldId id="1518" r:id="rId43"/>
+    <p:sldId id="1519" r:id="rId44"/>
+    <p:sldId id="1520" r:id="rId45"/>
+    <p:sldId id="335" r:id="rId46"/>
+    <p:sldId id="504" r:id="rId47"/>
+    <p:sldId id="505" r:id="rId48"/>
   </p:sldIdLst>
   <p:sldSz cx="12192000" cy="6858000"/>
   <p:notesSz cx="6858000" cy="9144000"/>
@@ -190,7 +189,6 @@
             <p14:sldId id="312"/>
             <p14:sldId id="313"/>
             <p14:sldId id="314"/>
-            <p14:sldId id="496"/>
           </p14:sldIdLst>
         </p14:section>
         <p14:section name="File Class" id="{E8A5C151-E279-462A-B2B2-4196C31572ED}">
@@ -1161,7 +1159,7 @@
             <a:fld id="{3EBA5BD7-F043-4D1B-AA17-CD412FC534DE}" type="slidenum">
               <a:rPr lang="en-US" smtClean="0"/>
               <a:pPr/>
-              <a:t>48</a:t>
+              <a:t>47</a:t>
             </a:fld>
             <a:endParaRPr lang="en-US" dirty="0"/>
           </a:p>
@@ -1945,7 +1943,7 @@
           <a:p>
             <a:fld id="{2BF067CD-8E6B-4360-9AA8-C5DF2A48A6D1}" type="slidenum">
               <a:rPr lang="en-US" smtClean="0"/>
-              <a:t>29</a:t>
+              <a:t>28</a:t>
             </a:fld>
             <a:endParaRPr lang="en-US" dirty="0"/>
           </a:p>
@@ -2067,7 +2065,7 @@
             <a:fld id="{3EBA5BD7-F043-4D1B-AA17-CD412FC534DE}" type="slidenum">
               <a:rPr lang="en-US" smtClean="0"/>
               <a:pPr/>
-              <a:t>40</a:t>
+              <a:t>39</a:t>
             </a:fld>
             <a:endParaRPr lang="en-US" dirty="0"/>
           </a:p>
@@ -2207,7 +2205,7 @@
             <a:fld id="{3EBA5BD7-F043-4D1B-AA17-CD412FC534DE}" type="slidenum">
               <a:rPr lang="en-US" smtClean="0"/>
               <a:pPr/>
-              <a:t>46</a:t>
+              <a:t>45</a:t>
             </a:fld>
             <a:endParaRPr lang="en-US" dirty="0"/>
           </a:p>
@@ -2453,7 +2451,7 @@
             <a:fld id="{3EBA5BD7-F043-4D1B-AA17-CD412FC534DE}" type="slidenum">
               <a:rPr lang="en-US" smtClean="0"/>
               <a:pPr/>
-              <a:t>47</a:t>
+              <a:t>46</a:t>
             </a:fld>
             <a:endParaRPr lang="en-US" dirty="0"/>
           </a:p>
@@ -16938,1251 +16936,6 @@
           <a:chExt cx="0" cy="0"/>
         </a:xfrm>
       </p:grpSpPr>
-      <p:sp>
-        <p:nvSpPr>
-          <p:cNvPr id="4" name="Title 3"/>
-          <p:cNvSpPr>
-            <a:spLocks noGrp="1"/>
-          </p:cNvSpPr>
-          <p:nvPr>
-            <p:ph type="title"/>
-          </p:nvPr>
-        </p:nvSpPr>
-        <p:spPr/>
-        <p:txBody>
-          <a:bodyPr/>
-          <a:lstStyle/>
-          <a:p>
-            <a:r>
-              <a:rPr lang="en-US" sz="3950" dirty="0">
-                <a:latin typeface="Consolas" panose="020B0609020204030204" pitchFamily="49" charset="0"/>
-                <a:cs typeface="Consolas" panose="020B0609020204030204" pitchFamily="49" charset="0"/>
-              </a:rPr>
-              <a:t>Try-Catch-Finally</a:t>
-            </a:r>
-            <a:r>
-              <a:rPr lang="bg-BG" sz="3950" dirty="0"/>
-              <a:t> –</a:t>
-            </a:r>
-            <a:r>
-              <a:rPr lang="en-US" sz="3950" dirty="0"/>
-              <a:t> </a:t>
-            </a:r>
-            <a:r>
-              <a:rPr lang="bg-BG" sz="3950" dirty="0"/>
-              <a:t>Пример</a:t>
-            </a:r>
-            <a:endParaRPr lang="en-US" dirty="0"/>
-          </a:p>
-        </p:txBody>
-      </p:sp>
-      <p:sp>
-        <p:nvSpPr>
-          <p:cNvPr id="5" name="Text Placeholder 5"/>
-          <p:cNvSpPr txBox="1">
-            <a:spLocks/>
-          </p:cNvSpPr>
-          <p:nvPr/>
-        </p:nvSpPr>
-        <p:spPr>
-          <a:xfrm>
-            <a:off x="440443" y="1404306"/>
-            <a:ext cx="11311114" cy="5128887"/>
-          </a:xfrm>
-          <a:prstGeom prst="rect">
-            <a:avLst/>
-          </a:prstGeom>
-          <a:solidFill>
-            <a:schemeClr val="accent6">
-              <a:lumMod val="75000"/>
-              <a:alpha val="15000"/>
-            </a:schemeClr>
-          </a:solidFill>
-          <a:ln w="12700">
-            <a:solidFill>
-              <a:schemeClr val="tx1">
-                <a:lumMod val="50000"/>
-              </a:schemeClr>
-            </a:solidFill>
-          </a:ln>
-        </p:spPr>
-        <p:txBody>
-          <a:bodyPr vert="horz" wrap="square" lIns="143963" tIns="107972" rIns="143963" bIns="107972" rtlCol="0">
-            <a:spAutoFit/>
-          </a:bodyPr>
-          <a:lstStyle>
-            <a:defPPr>
-              <a:defRPr lang="en-US"/>
-            </a:defPPr>
-            <a:lvl1pPr indent="0" defTabSz="1218438" latinLnBrk="1">
-              <a:lnSpc>
-                <a:spcPct val="100000"/>
-              </a:lnSpc>
-              <a:spcBef>
-                <a:spcPts val="600"/>
-              </a:spcBef>
-              <a:spcAft>
-                <a:spcPts val="600"/>
-              </a:spcAft>
-              <a:buFont typeface="Wingdings" panose="05000000000000000000" pitchFamily="2" charset="2"/>
-              <a:buNone/>
-              <a:defRPr sz="2400" b="1">
-                <a:solidFill>
-                  <a:schemeClr val="tx1">
-                    <a:lumMod val="75000"/>
-                  </a:schemeClr>
-                </a:solidFill>
-                <a:effectLst/>
-                <a:latin typeface="Consolas" pitchFamily="49" charset="0"/>
-                <a:cs typeface="Consolas" pitchFamily="49" charset="0"/>
-              </a:defRPr>
-            </a:lvl1pPr>
-            <a:lvl2pPr marL="989981" indent="-380762" defTabSz="1218438" latinLnBrk="1">
-              <a:lnSpc>
-                <a:spcPct val="105000"/>
-              </a:lnSpc>
-              <a:spcBef>
-                <a:spcPts val="600"/>
-              </a:spcBef>
-              <a:spcAft>
-                <a:spcPts val="600"/>
-              </a:spcAft>
-              <a:buFont typeface="Wingdings" panose="05000000000000000000" pitchFamily="2" charset="2"/>
-              <a:buChar char="§"/>
-              <a:defRPr sz="3198"/>
-            </a:lvl2pPr>
-            <a:lvl3pPr marL="1523048" indent="-304610" defTabSz="1218438" latinLnBrk="1">
-              <a:lnSpc>
-                <a:spcPct val="105000"/>
-              </a:lnSpc>
-              <a:spcBef>
-                <a:spcPts val="600"/>
-              </a:spcBef>
-              <a:spcAft>
-                <a:spcPts val="600"/>
-              </a:spcAft>
-              <a:buFont typeface="Wingdings" panose="05000000000000000000" pitchFamily="2" charset="2"/>
-              <a:buChar char="§"/>
-              <a:defRPr sz="2998"/>
-            </a:lvl3pPr>
-            <a:lvl4pPr marL="2132267" indent="-304610" defTabSz="1218438" latinLnBrk="1">
-              <a:lnSpc>
-                <a:spcPct val="105000"/>
-              </a:lnSpc>
-              <a:spcBef>
-                <a:spcPts val="600"/>
-              </a:spcBef>
-              <a:spcAft>
-                <a:spcPts val="600"/>
-              </a:spcAft>
-              <a:buFont typeface="Wingdings" panose="05000000000000000000" pitchFamily="2" charset="2"/>
-              <a:buChar char="§"/>
-              <a:defRPr sz="2798"/>
-            </a:lvl4pPr>
-            <a:lvl5pPr marL="2741485" indent="-304610" defTabSz="1218438" latinLnBrk="1">
-              <a:lnSpc>
-                <a:spcPct val="105000"/>
-              </a:lnSpc>
-              <a:spcBef>
-                <a:spcPts val="600"/>
-              </a:spcBef>
-              <a:spcAft>
-                <a:spcPts val="600"/>
-              </a:spcAft>
-              <a:buFont typeface="Wingdings" panose="05000000000000000000" pitchFamily="2" charset="2"/>
-              <a:buChar char="§"/>
-              <a:defRPr sz="2598"/>
-            </a:lvl5pPr>
-            <a:lvl6pPr marL="3350704" indent="-304610" defTabSz="1218438" latinLnBrk="1">
-              <a:spcBef>
-                <a:spcPct val="20000"/>
-              </a:spcBef>
-              <a:buFont typeface="Arial" pitchFamily="34" charset="0"/>
-              <a:buChar char="•"/>
-              <a:defRPr sz="2665"/>
-            </a:lvl6pPr>
-            <a:lvl7pPr marL="3959924" indent="-304610" defTabSz="1218438" latinLnBrk="1">
-              <a:spcBef>
-                <a:spcPct val="20000"/>
-              </a:spcBef>
-              <a:buFont typeface="Arial" pitchFamily="34" charset="0"/>
-              <a:buChar char="•"/>
-              <a:defRPr sz="2665"/>
-            </a:lvl7pPr>
-            <a:lvl8pPr marL="4569143" indent="-304610" defTabSz="1218438" latinLnBrk="1">
-              <a:spcBef>
-                <a:spcPct val="20000"/>
-              </a:spcBef>
-              <a:buFont typeface="Arial" pitchFamily="34" charset="0"/>
-              <a:buChar char="•"/>
-              <a:defRPr sz="2665"/>
-            </a:lvl8pPr>
-            <a:lvl9pPr marL="5178362" indent="-304610" defTabSz="1218438" latinLnBrk="1">
-              <a:spcBef>
-                <a:spcPct val="20000"/>
-              </a:spcBef>
-              <a:buFont typeface="Arial" pitchFamily="34" charset="0"/>
-              <a:buChar char="•"/>
-              <a:defRPr sz="2665"/>
-            </a:lvl9pPr>
-          </a:lstStyle>
-          <a:p>
-            <a:pPr>
-              <a:lnSpc>
-                <a:spcPct val="95000"/>
-              </a:lnSpc>
-              <a:spcBef>
-                <a:spcPts val="0"/>
-              </a:spcBef>
-              <a:spcAft>
-                <a:spcPts val="0"/>
-              </a:spcAft>
-            </a:pPr>
-            <a:r>
-              <a:rPr lang="en-US" sz="2399" noProof="1">
-                <a:solidFill>
-                  <a:schemeClr val="tx1"/>
-                </a:solidFill>
-              </a:rPr>
-              <a:t>StreamReader reader = null;</a:t>
-            </a:r>
-            <a:endParaRPr lang="en-US" sz="2399" noProof="1">
-              <a:solidFill>
-                <a:schemeClr val="bg1"/>
-              </a:solidFill>
-            </a:endParaRPr>
-          </a:p>
-          <a:p>
-            <a:pPr>
-              <a:lnSpc>
-                <a:spcPct val="95000"/>
-              </a:lnSpc>
-              <a:spcBef>
-                <a:spcPts val="0"/>
-              </a:spcBef>
-              <a:spcAft>
-                <a:spcPts val="0"/>
-              </a:spcAft>
-            </a:pPr>
-            <a:r>
-              <a:rPr lang="en-US" sz="2399" noProof="1">
-                <a:solidFill>
-                  <a:schemeClr val="tx1"/>
-                </a:solidFill>
-              </a:rPr>
-              <a:t>int linesCount = 0;</a:t>
-            </a:r>
-          </a:p>
-          <a:p>
-            <a:pPr>
-              <a:lnSpc>
-                <a:spcPct val="95000"/>
-              </a:lnSpc>
-              <a:spcBef>
-                <a:spcPts val="0"/>
-              </a:spcBef>
-              <a:spcAft>
-                <a:spcPts val="0"/>
-              </a:spcAft>
-            </a:pPr>
-            <a:r>
-              <a:rPr lang="en-US" sz="2399" noProof="1">
-                <a:solidFill>
-                  <a:schemeClr val="bg1"/>
-                </a:solidFill>
-              </a:rPr>
-              <a:t>try</a:t>
-            </a:r>
-            <a:r>
-              <a:rPr lang="en-US" sz="2399" noProof="1">
-                <a:solidFill>
-                  <a:schemeClr val="tx1"/>
-                </a:solidFill>
-              </a:rPr>
-              <a:t> {</a:t>
-            </a:r>
-          </a:p>
-          <a:p>
-            <a:pPr>
-              <a:lnSpc>
-                <a:spcPct val="95000"/>
-              </a:lnSpc>
-              <a:spcBef>
-                <a:spcPts val="0"/>
-              </a:spcBef>
-              <a:spcAft>
-                <a:spcPts val="0"/>
-              </a:spcAft>
-            </a:pPr>
-            <a:r>
-              <a:rPr lang="bg-BG" sz="2399" noProof="1">
-                <a:solidFill>
-                  <a:schemeClr val="tx1"/>
-                </a:solidFill>
-              </a:rPr>
-              <a:t>  </a:t>
-            </a:r>
-            <a:r>
-              <a:rPr lang="en-US" sz="2399" noProof="1">
-                <a:solidFill>
-                  <a:schemeClr val="tx1"/>
-                </a:solidFill>
-              </a:rPr>
-              <a:t>reader = new StreamReader("input.txt");</a:t>
-            </a:r>
-          </a:p>
-          <a:p>
-            <a:pPr>
-              <a:lnSpc>
-                <a:spcPct val="95000"/>
-              </a:lnSpc>
-              <a:spcBef>
-                <a:spcPts val="0"/>
-              </a:spcBef>
-              <a:spcAft>
-                <a:spcPts val="0"/>
-              </a:spcAft>
-            </a:pPr>
-            <a:r>
-              <a:rPr lang="en-US" sz="2399" noProof="1">
-                <a:solidFill>
-                  <a:schemeClr val="tx1"/>
-                </a:solidFill>
-              </a:rPr>
-              <a:t>  while (reader.ReadLine() != null)</a:t>
-            </a:r>
-          </a:p>
-          <a:p>
-            <a:pPr>
-              <a:lnSpc>
-                <a:spcPct val="95000"/>
-              </a:lnSpc>
-              <a:spcBef>
-                <a:spcPts val="0"/>
-              </a:spcBef>
-              <a:spcAft>
-                <a:spcPts val="0"/>
-              </a:spcAft>
-            </a:pPr>
-            <a:r>
-              <a:rPr lang="en-US" sz="2399" noProof="1">
-                <a:solidFill>
-                  <a:schemeClr val="tx1"/>
-                </a:solidFill>
-              </a:rPr>
-              <a:t>    linesCount++;</a:t>
-            </a:r>
-          </a:p>
-          <a:p>
-            <a:pPr>
-              <a:lnSpc>
-                <a:spcPct val="95000"/>
-              </a:lnSpc>
-              <a:spcBef>
-                <a:spcPts val="0"/>
-              </a:spcBef>
-              <a:spcAft>
-                <a:spcPts val="0"/>
-              </a:spcAft>
-            </a:pPr>
-            <a:r>
-              <a:rPr lang="en-US" sz="2399" noProof="1">
-                <a:solidFill>
-                  <a:schemeClr val="tx1"/>
-                </a:solidFill>
-              </a:rPr>
-              <a:t>  Console.WriteLine("Lines count: {0}", linesCount);</a:t>
-            </a:r>
-          </a:p>
-          <a:p>
-            <a:pPr>
-              <a:lnSpc>
-                <a:spcPct val="95000"/>
-              </a:lnSpc>
-              <a:spcBef>
-                <a:spcPts val="0"/>
-              </a:spcBef>
-              <a:spcAft>
-                <a:spcPts val="0"/>
-              </a:spcAft>
-            </a:pPr>
-            <a:r>
-              <a:rPr lang="en-US" sz="2399" noProof="1">
-                <a:solidFill>
-                  <a:schemeClr val="tx1"/>
-                </a:solidFill>
-              </a:rPr>
-              <a:t>}</a:t>
-            </a:r>
-          </a:p>
-          <a:p>
-            <a:pPr>
-              <a:lnSpc>
-                <a:spcPct val="95000"/>
-              </a:lnSpc>
-              <a:spcBef>
-                <a:spcPts val="0"/>
-              </a:spcBef>
-              <a:spcAft>
-                <a:spcPts val="0"/>
-              </a:spcAft>
-            </a:pPr>
-            <a:r>
-              <a:rPr lang="en-US" sz="2399" noProof="1">
-                <a:solidFill>
-                  <a:schemeClr val="bg1"/>
-                </a:solidFill>
-              </a:rPr>
-              <a:t>catch</a:t>
-            </a:r>
-            <a:r>
-              <a:rPr lang="en-US" sz="2399" noProof="1">
-                <a:solidFill>
-                  <a:schemeClr val="tx1"/>
-                </a:solidFill>
-              </a:rPr>
-              <a:t> (Exception ex) {</a:t>
-            </a:r>
-          </a:p>
-          <a:p>
-            <a:pPr>
-              <a:lnSpc>
-                <a:spcPct val="95000"/>
-              </a:lnSpc>
-              <a:spcBef>
-                <a:spcPts val="0"/>
-              </a:spcBef>
-              <a:spcAft>
-                <a:spcPts val="0"/>
-              </a:spcAft>
-            </a:pPr>
-            <a:r>
-              <a:rPr lang="en-US" sz="2399" noProof="1">
-                <a:solidFill>
-                  <a:schemeClr val="tx1"/>
-                </a:solidFill>
-              </a:rPr>
-              <a:t>  Console.Error.WriteLine("Error reading file: {0}", ex);</a:t>
-            </a:r>
-          </a:p>
-          <a:p>
-            <a:pPr>
-              <a:lnSpc>
-                <a:spcPct val="95000"/>
-              </a:lnSpc>
-              <a:spcBef>
-                <a:spcPts val="0"/>
-              </a:spcBef>
-              <a:spcAft>
-                <a:spcPts val="0"/>
-              </a:spcAft>
-            </a:pPr>
-            <a:r>
-              <a:rPr lang="en-US" sz="2399" noProof="1">
-                <a:solidFill>
-                  <a:schemeClr val="tx1"/>
-                </a:solidFill>
-              </a:rPr>
-              <a:t>}</a:t>
-            </a:r>
-          </a:p>
-          <a:p>
-            <a:pPr>
-              <a:lnSpc>
-                <a:spcPct val="95000"/>
-              </a:lnSpc>
-              <a:spcBef>
-                <a:spcPts val="0"/>
-              </a:spcBef>
-              <a:spcAft>
-                <a:spcPts val="0"/>
-              </a:spcAft>
-            </a:pPr>
-            <a:r>
-              <a:rPr lang="en-US" sz="2399" noProof="1">
-                <a:solidFill>
-                  <a:schemeClr val="bg1"/>
-                </a:solidFill>
-              </a:rPr>
-              <a:t>finally </a:t>
-            </a:r>
-            <a:r>
-              <a:rPr lang="en-US" sz="2399" noProof="1">
-                <a:solidFill>
-                  <a:schemeClr val="tx1"/>
-                </a:solidFill>
-              </a:rPr>
-              <a:t>{</a:t>
-            </a:r>
-          </a:p>
-          <a:p>
-            <a:pPr>
-              <a:lnSpc>
-                <a:spcPct val="95000"/>
-              </a:lnSpc>
-              <a:spcBef>
-                <a:spcPts val="0"/>
-              </a:spcBef>
-              <a:spcAft>
-                <a:spcPts val="0"/>
-              </a:spcAft>
-            </a:pPr>
-            <a:r>
-              <a:rPr lang="en-US" sz="2399" noProof="1">
-                <a:solidFill>
-                  <a:schemeClr val="tx1"/>
-                </a:solidFill>
-              </a:rPr>
-              <a:t>  if (reader != null) reader.Close();</a:t>
-            </a:r>
-          </a:p>
-          <a:p>
-            <a:pPr>
-              <a:lnSpc>
-                <a:spcPct val="95000"/>
-              </a:lnSpc>
-              <a:spcBef>
-                <a:spcPts val="0"/>
-              </a:spcBef>
-              <a:spcAft>
-                <a:spcPts val="0"/>
-              </a:spcAft>
-            </a:pPr>
-            <a:r>
-              <a:rPr lang="en-US" sz="2399" noProof="1">
-                <a:solidFill>
-                  <a:schemeClr val="tx1"/>
-                </a:solidFill>
-              </a:rPr>
-              <a:t>}</a:t>
-            </a:r>
-          </a:p>
-        </p:txBody>
-      </p:sp>
-      <p:sp>
-        <p:nvSpPr>
-          <p:cNvPr id="6" name="AutoShape 6">
-            <a:extLst>
-              <a:ext uri="{FF2B5EF4-FFF2-40B4-BE49-F238E27FC236}">
-                <a16:creationId xmlns:a16="http://schemas.microsoft.com/office/drawing/2014/main" id="{E8221FCC-E162-4D3F-BB51-2F6228880F2F}"/>
-              </a:ext>
-            </a:extLst>
-          </p:cNvPr>
-          <p:cNvSpPr>
-            <a:spLocks noChangeArrowheads="1"/>
-          </p:cNvSpPr>
-          <p:nvPr/>
-        </p:nvSpPr>
-        <p:spPr bwMode="auto">
-          <a:xfrm>
-            <a:off x="7670591" y="5183542"/>
-            <a:ext cx="3600409" cy="1323458"/>
-          </a:xfrm>
-          <a:prstGeom prst="wedgeRoundRectCallout">
-            <a:avLst>
-              <a:gd name="adj1" fmla="val -77055"/>
-              <a:gd name="adj2" fmla="val 4904"/>
-              <a:gd name="adj3" fmla="val 16667"/>
-            </a:avLst>
-          </a:prstGeom>
-          <a:solidFill>
-            <a:schemeClr val="dk2">
-              <a:alpha val="80000"/>
-            </a:schemeClr>
-          </a:solidFill>
-          <a:ln w="19050">
-            <a:solidFill>
-              <a:schemeClr val="tx1">
-                <a:lumMod val="75000"/>
-                <a:alpha val="80000"/>
-              </a:schemeClr>
-            </a:solidFill>
-          </a:ln>
-          <a:effectLst/>
-        </p:spPr>
-        <p:style>
-          <a:lnRef idx="2">
-            <a:schemeClr val="accent1">
-              <a:shade val="50000"/>
-            </a:schemeClr>
-          </a:lnRef>
-          <a:fillRef idx="1001">
-            <a:schemeClr val="dk2"/>
-          </a:fillRef>
-          <a:effectRef idx="0">
-            <a:schemeClr val="accent1"/>
-          </a:effectRef>
-          <a:fontRef idx="minor">
-            <a:schemeClr val="lt1"/>
-          </a:fontRef>
-        </p:style>
-        <p:txBody>
-          <a:bodyPr rot="0" spcFirstLastPara="0" vertOverflow="overflow" horzOverflow="overflow" vert="horz" wrap="square" lIns="91416" tIns="45708" rIns="91416" bIns="45708" numCol="1" spcCol="0" rtlCol="0" fromWordArt="0" anchor="ctr" anchorCtr="0" forceAA="0" compatLnSpc="1">
-            <a:prstTxWarp prst="textNoShape">
-              <a:avLst/>
-            </a:prstTxWarp>
-            <a:noAutofit/>
-          </a:bodyPr>
-          <a:lstStyle/>
-          <a:p>
-            <a:pPr algn="ctr"/>
-            <a:r>
-              <a:rPr lang="en-US" sz="2350" b="1" dirty="0">
-                <a:solidFill>
-                  <a:srgbClr val="FFFFFF"/>
-                </a:solidFill>
-              </a:rPr>
-              <a:t>Вместо</a:t>
-            </a:r>
-            <a:r>
-              <a:rPr lang="bg-BG" sz="2350" b="1" dirty="0">
-                <a:solidFill>
-                  <a:srgbClr val="FFFFFF"/>
-                </a:solidFill>
-              </a:rPr>
-              <a:t> </a:t>
-            </a:r>
-            <a:r>
-              <a:rPr lang="en-US" sz="2350" b="1" dirty="0">
-                <a:solidFill>
-                  <a:schemeClr val="bg1">
-                    <a:lumMod val="60000"/>
-                    <a:lumOff val="40000"/>
-                  </a:schemeClr>
-                </a:solidFill>
-                <a:latin typeface="Consolas" panose="020B0609020204030204" pitchFamily="49" charset="0"/>
-                <a:cs typeface="Consolas" panose="020B0609020204030204" pitchFamily="49" charset="0"/>
-              </a:rPr>
-              <a:t>using(reader) </a:t>
-            </a:r>
-            <a:r>
-              <a:rPr lang="bg-BG" sz="2350" b="1" dirty="0">
-                <a:solidFill>
-                  <a:srgbClr val="FFFFFF"/>
-                </a:solidFill>
-                <a:latin typeface="Consolas" panose="020B0609020204030204" pitchFamily="49" charset="0"/>
-                <a:cs typeface="Consolas" panose="020B0609020204030204" pitchFamily="49" charset="0"/>
-              </a:rPr>
-              <a:t>  </a:t>
-            </a:r>
-            <a:r>
-              <a:rPr lang="en-US" sz="2350" b="1" dirty="0">
-                <a:solidFill>
-                  <a:srgbClr val="FFFFFF"/>
-                </a:solidFill>
-              </a:rPr>
-              <a:t>може да използвате </a:t>
-            </a:r>
-            <a:r>
-              <a:rPr lang="en-US" sz="2350" b="1" dirty="0">
-                <a:solidFill>
-                  <a:schemeClr val="bg1">
-                    <a:lumMod val="60000"/>
-                    <a:lumOff val="40000"/>
-                  </a:schemeClr>
-                </a:solidFill>
-                <a:latin typeface="Consolas" panose="020B0609020204030204" pitchFamily="49" charset="0"/>
-                <a:cs typeface="Consolas" panose="020B0609020204030204" pitchFamily="49" charset="0"/>
-              </a:rPr>
-              <a:t>try-finally</a:t>
-            </a:r>
-            <a:endParaRPr lang="en-US" sz="2350" b="1" noProof="1">
-              <a:solidFill>
-                <a:schemeClr val="bg1">
-                  <a:lumMod val="60000"/>
-                  <a:lumOff val="40000"/>
-                </a:schemeClr>
-              </a:solidFill>
-              <a:latin typeface="Consolas" panose="020B0609020204030204" pitchFamily="49" charset="0"/>
-              <a:cs typeface="Consolas" panose="020B0609020204030204" pitchFamily="49" charset="0"/>
-            </a:endParaRPr>
-          </a:p>
-        </p:txBody>
-      </p:sp>
-      <p:sp>
-        <p:nvSpPr>
-          <p:cNvPr id="2" name="Slide Number">
-            <a:extLst>
-              <a:ext uri="{FF2B5EF4-FFF2-40B4-BE49-F238E27FC236}">
-                <a16:creationId xmlns:a16="http://schemas.microsoft.com/office/drawing/2014/main" id="{767400C3-6E9B-01AB-9D96-DC4438D16274}"/>
-              </a:ext>
-            </a:extLst>
-          </p:cNvPr>
-          <p:cNvSpPr>
-            <a:spLocks noGrp="1"/>
-          </p:cNvSpPr>
-          <p:nvPr>
-            <p:ph type="sldNum" sz="quarter" idx="5"/>
-          </p:nvPr>
-        </p:nvSpPr>
-        <p:spPr>
-          <a:xfrm>
-            <a:off x="11753030" y="6507000"/>
-            <a:ext cx="367414" cy="297000"/>
-          </a:xfrm>
-          <a:prstGeom prst="rect">
-            <a:avLst/>
-          </a:prstGeom>
-        </p:spPr>
-        <p:txBody>
-          <a:bodyPr vert="horz" lIns="91440" tIns="45720" rIns="91440" bIns="45720" rtlCol="0" anchor="b"/>
-          <a:lstStyle>
-            <a:lvl1pPr algn="r">
-              <a:defRPr sz="1000"/>
-            </a:lvl1pPr>
-          </a:lstStyle>
-          <a:p>
-            <a:fld id="{2BF067CD-8E6B-4360-9AA8-C5DF2A48A6D1}" type="slidenum">
-              <a:rPr lang="en-US" noProof="0" smtClean="0"/>
-              <a:pPr/>
-              <a:t>21</a:t>
-            </a:fld>
-            <a:endParaRPr lang="en-US" noProof="0" dirty="0"/>
-          </a:p>
-        </p:txBody>
-      </p:sp>
-    </p:spTree>
-    <p:extLst>
-      <p:ext uri="{BB962C8B-B14F-4D97-AF65-F5344CB8AC3E}">
-        <p14:creationId xmlns:p14="http://schemas.microsoft.com/office/powerpoint/2010/main" val="289093359"/>
-      </p:ext>
-    </p:extLst>
-  </p:cSld>
-  <p:clrMapOvr>
-    <a:masterClrMapping/>
-  </p:clrMapOvr>
-  <mc:AlternateContent xmlns:mc="http://schemas.openxmlformats.org/markup-compatibility/2006" xmlns:p14="http://schemas.microsoft.com/office/powerpoint/2010/main">
-    <mc:Choice Requires="p14">
-      <p:transition p14:dur="0" advClick="0" advTm="5000"/>
-    </mc:Choice>
-    <mc:Fallback xmlns="">
-      <p:transition advClick="0" advTm="5000"/>
-    </mc:Fallback>
-  </mc:AlternateContent>
-  <p:timing>
-    <p:tnLst>
-      <p:par>
-        <p:cTn id="1" dur="indefinite" restart="never" nodeType="tmRoot">
-          <p:childTnLst>
-            <p:seq concurrent="1" nextAc="seek">
-              <p:cTn id="2" dur="indefinite" nodeType="mainSeq">
-                <p:childTnLst>
-                  <p:par>
-                    <p:cTn id="3" fill="hold">
-                      <p:stCondLst>
-                        <p:cond delay="indefinite"/>
-                      </p:stCondLst>
-                      <p:childTnLst>
-                        <p:par>
-                          <p:cTn id="4" fill="hold">
-                            <p:stCondLst>
-                              <p:cond delay="0"/>
-                            </p:stCondLst>
-                            <p:childTnLst>
-                              <p:par>
-                                <p:cTn id="5" presetID="1" presetClass="entr" presetSubtype="0" fill="hold" nodeType="clickEffect">
-                                  <p:stCondLst>
-                                    <p:cond delay="0"/>
-                                  </p:stCondLst>
-                                  <p:childTnLst>
-                                    <p:set>
-                                      <p:cBhvr>
-                                        <p:cTn id="6" dur="1" fill="hold">
-                                          <p:stCondLst>
-                                            <p:cond delay="0"/>
-                                          </p:stCondLst>
-                                        </p:cTn>
-                                        <p:tgtEl>
-                                          <p:spTgt spid="5">
-                                            <p:txEl>
-                                              <p:pRg st="2" end="2"/>
-                                            </p:txEl>
-                                          </p:spTgt>
-                                        </p:tgtEl>
-                                        <p:attrNameLst>
-                                          <p:attrName>style.visibility</p:attrName>
-                                        </p:attrNameLst>
-                                      </p:cBhvr>
-                                      <p:to>
-                                        <p:strVal val="visible"/>
-                                      </p:to>
-                                    </p:set>
-                                  </p:childTnLst>
-                                </p:cTn>
-                              </p:par>
-                              <p:par>
-                                <p:cTn id="7" presetID="1" presetClass="entr" presetSubtype="0" fill="hold" nodeType="withEffect">
-                                  <p:stCondLst>
-                                    <p:cond delay="0"/>
-                                  </p:stCondLst>
-                                  <p:childTnLst>
-                                    <p:set>
-                                      <p:cBhvr>
-                                        <p:cTn id="8" dur="1" fill="hold">
-                                          <p:stCondLst>
-                                            <p:cond delay="0"/>
-                                          </p:stCondLst>
-                                        </p:cTn>
-                                        <p:tgtEl>
-                                          <p:spTgt spid="5">
-                                            <p:txEl>
-                                              <p:pRg st="3" end="3"/>
-                                            </p:txEl>
-                                          </p:spTgt>
-                                        </p:tgtEl>
-                                        <p:attrNameLst>
-                                          <p:attrName>style.visibility</p:attrName>
-                                        </p:attrNameLst>
-                                      </p:cBhvr>
-                                      <p:to>
-                                        <p:strVal val="visible"/>
-                                      </p:to>
-                                    </p:set>
-                                  </p:childTnLst>
-                                </p:cTn>
-                              </p:par>
-                              <p:par>
-                                <p:cTn id="9" presetID="1" presetClass="entr" presetSubtype="0" fill="hold" nodeType="withEffect">
-                                  <p:stCondLst>
-                                    <p:cond delay="0"/>
-                                  </p:stCondLst>
-                                  <p:childTnLst>
-                                    <p:set>
-                                      <p:cBhvr>
-                                        <p:cTn id="10" dur="1" fill="hold">
-                                          <p:stCondLst>
-                                            <p:cond delay="0"/>
-                                          </p:stCondLst>
-                                        </p:cTn>
-                                        <p:tgtEl>
-                                          <p:spTgt spid="5">
-                                            <p:txEl>
-                                              <p:pRg st="4" end="4"/>
-                                            </p:txEl>
-                                          </p:spTgt>
-                                        </p:tgtEl>
-                                        <p:attrNameLst>
-                                          <p:attrName>style.visibility</p:attrName>
-                                        </p:attrNameLst>
-                                      </p:cBhvr>
-                                      <p:to>
-                                        <p:strVal val="visible"/>
-                                      </p:to>
-                                    </p:set>
-                                  </p:childTnLst>
-                                </p:cTn>
-                              </p:par>
-                              <p:par>
-                                <p:cTn id="11" presetID="1" presetClass="entr" presetSubtype="0" fill="hold" nodeType="withEffect">
-                                  <p:stCondLst>
-                                    <p:cond delay="0"/>
-                                  </p:stCondLst>
-                                  <p:childTnLst>
-                                    <p:set>
-                                      <p:cBhvr>
-                                        <p:cTn id="12" dur="1" fill="hold">
-                                          <p:stCondLst>
-                                            <p:cond delay="0"/>
-                                          </p:stCondLst>
-                                        </p:cTn>
-                                        <p:tgtEl>
-                                          <p:spTgt spid="5">
-                                            <p:txEl>
-                                              <p:pRg st="5" end="5"/>
-                                            </p:txEl>
-                                          </p:spTgt>
-                                        </p:tgtEl>
-                                        <p:attrNameLst>
-                                          <p:attrName>style.visibility</p:attrName>
-                                        </p:attrNameLst>
-                                      </p:cBhvr>
-                                      <p:to>
-                                        <p:strVal val="visible"/>
-                                      </p:to>
-                                    </p:set>
-                                  </p:childTnLst>
-                                </p:cTn>
-                              </p:par>
-                              <p:par>
-                                <p:cTn id="13" presetID="1" presetClass="entr" presetSubtype="0" fill="hold" nodeType="withEffect">
-                                  <p:stCondLst>
-                                    <p:cond delay="0"/>
-                                  </p:stCondLst>
-                                  <p:childTnLst>
-                                    <p:set>
-                                      <p:cBhvr>
-                                        <p:cTn id="14" dur="1" fill="hold">
-                                          <p:stCondLst>
-                                            <p:cond delay="0"/>
-                                          </p:stCondLst>
-                                        </p:cTn>
-                                        <p:tgtEl>
-                                          <p:spTgt spid="5">
-                                            <p:txEl>
-                                              <p:pRg st="6" end="6"/>
-                                            </p:txEl>
-                                          </p:spTgt>
-                                        </p:tgtEl>
-                                        <p:attrNameLst>
-                                          <p:attrName>style.visibility</p:attrName>
-                                        </p:attrNameLst>
-                                      </p:cBhvr>
-                                      <p:to>
-                                        <p:strVal val="visible"/>
-                                      </p:to>
-                                    </p:set>
-                                  </p:childTnLst>
-                                </p:cTn>
-                              </p:par>
-                              <p:par>
-                                <p:cTn id="15" presetID="1" presetClass="entr" presetSubtype="0" fill="hold" nodeType="withEffect">
-                                  <p:stCondLst>
-                                    <p:cond delay="0"/>
-                                  </p:stCondLst>
-                                  <p:childTnLst>
-                                    <p:set>
-                                      <p:cBhvr>
-                                        <p:cTn id="16" dur="1" fill="hold">
-                                          <p:stCondLst>
-                                            <p:cond delay="0"/>
-                                          </p:stCondLst>
-                                        </p:cTn>
-                                        <p:tgtEl>
-                                          <p:spTgt spid="5">
-                                            <p:txEl>
-                                              <p:pRg st="7" end="7"/>
-                                            </p:txEl>
-                                          </p:spTgt>
-                                        </p:tgtEl>
-                                        <p:attrNameLst>
-                                          <p:attrName>style.visibility</p:attrName>
-                                        </p:attrNameLst>
-                                      </p:cBhvr>
-                                      <p:to>
-                                        <p:strVal val="visible"/>
-                                      </p:to>
-                                    </p:set>
-                                  </p:childTnLst>
-                                </p:cTn>
-                              </p:par>
-                            </p:childTnLst>
-                          </p:cTn>
-                        </p:par>
-                      </p:childTnLst>
-                    </p:cTn>
-                  </p:par>
-                  <p:par>
-                    <p:cTn id="17" fill="hold">
-                      <p:stCondLst>
-                        <p:cond delay="indefinite"/>
-                      </p:stCondLst>
-                      <p:childTnLst>
-                        <p:par>
-                          <p:cTn id="18" fill="hold">
-                            <p:stCondLst>
-                              <p:cond delay="0"/>
-                            </p:stCondLst>
-                            <p:childTnLst>
-                              <p:par>
-                                <p:cTn id="19" presetID="1" presetClass="entr" presetSubtype="0" fill="hold" nodeType="clickEffect">
-                                  <p:stCondLst>
-                                    <p:cond delay="0"/>
-                                  </p:stCondLst>
-                                  <p:childTnLst>
-                                    <p:set>
-                                      <p:cBhvr>
-                                        <p:cTn id="20" dur="1" fill="hold">
-                                          <p:stCondLst>
-                                            <p:cond delay="0"/>
-                                          </p:stCondLst>
-                                        </p:cTn>
-                                        <p:tgtEl>
-                                          <p:spTgt spid="5">
-                                            <p:txEl>
-                                              <p:pRg st="8" end="8"/>
-                                            </p:txEl>
-                                          </p:spTgt>
-                                        </p:tgtEl>
-                                        <p:attrNameLst>
-                                          <p:attrName>style.visibility</p:attrName>
-                                        </p:attrNameLst>
-                                      </p:cBhvr>
-                                      <p:to>
-                                        <p:strVal val="visible"/>
-                                      </p:to>
-                                    </p:set>
-                                  </p:childTnLst>
-                                </p:cTn>
-                              </p:par>
-                              <p:par>
-                                <p:cTn id="21" presetID="1" presetClass="entr" presetSubtype="0" fill="hold" nodeType="withEffect">
-                                  <p:stCondLst>
-                                    <p:cond delay="0"/>
-                                  </p:stCondLst>
-                                  <p:childTnLst>
-                                    <p:set>
-                                      <p:cBhvr>
-                                        <p:cTn id="22" dur="1" fill="hold">
-                                          <p:stCondLst>
-                                            <p:cond delay="0"/>
-                                          </p:stCondLst>
-                                        </p:cTn>
-                                        <p:tgtEl>
-                                          <p:spTgt spid="5">
-                                            <p:txEl>
-                                              <p:pRg st="9" end="9"/>
-                                            </p:txEl>
-                                          </p:spTgt>
-                                        </p:tgtEl>
-                                        <p:attrNameLst>
-                                          <p:attrName>style.visibility</p:attrName>
-                                        </p:attrNameLst>
-                                      </p:cBhvr>
-                                      <p:to>
-                                        <p:strVal val="visible"/>
-                                      </p:to>
-                                    </p:set>
-                                  </p:childTnLst>
-                                </p:cTn>
-                              </p:par>
-                              <p:par>
-                                <p:cTn id="23" presetID="1" presetClass="entr" presetSubtype="0" fill="hold" nodeType="withEffect">
-                                  <p:stCondLst>
-                                    <p:cond delay="0"/>
-                                  </p:stCondLst>
-                                  <p:childTnLst>
-                                    <p:set>
-                                      <p:cBhvr>
-                                        <p:cTn id="24" dur="1" fill="hold">
-                                          <p:stCondLst>
-                                            <p:cond delay="0"/>
-                                          </p:stCondLst>
-                                        </p:cTn>
-                                        <p:tgtEl>
-                                          <p:spTgt spid="5">
-                                            <p:txEl>
-                                              <p:pRg st="10" end="10"/>
-                                            </p:txEl>
-                                          </p:spTgt>
-                                        </p:tgtEl>
-                                        <p:attrNameLst>
-                                          <p:attrName>style.visibility</p:attrName>
-                                        </p:attrNameLst>
-                                      </p:cBhvr>
-                                      <p:to>
-                                        <p:strVal val="visible"/>
-                                      </p:to>
-                                    </p:set>
-                                  </p:childTnLst>
-                                </p:cTn>
-                              </p:par>
-                            </p:childTnLst>
-                          </p:cTn>
-                        </p:par>
-                      </p:childTnLst>
-                    </p:cTn>
-                  </p:par>
-                  <p:par>
-                    <p:cTn id="25" fill="hold">
-                      <p:stCondLst>
-                        <p:cond delay="indefinite"/>
-                      </p:stCondLst>
-                      <p:childTnLst>
-                        <p:par>
-                          <p:cTn id="26" fill="hold">
-                            <p:stCondLst>
-                              <p:cond delay="0"/>
-                            </p:stCondLst>
-                            <p:childTnLst>
-                              <p:par>
-                                <p:cTn id="27" presetID="1" presetClass="entr" presetSubtype="0" fill="hold" nodeType="clickEffect">
-                                  <p:stCondLst>
-                                    <p:cond delay="0"/>
-                                  </p:stCondLst>
-                                  <p:childTnLst>
-                                    <p:set>
-                                      <p:cBhvr>
-                                        <p:cTn id="28" dur="1" fill="hold">
-                                          <p:stCondLst>
-                                            <p:cond delay="0"/>
-                                          </p:stCondLst>
-                                        </p:cTn>
-                                        <p:tgtEl>
-                                          <p:spTgt spid="5">
-                                            <p:txEl>
-                                              <p:pRg st="11" end="11"/>
-                                            </p:txEl>
-                                          </p:spTgt>
-                                        </p:tgtEl>
-                                        <p:attrNameLst>
-                                          <p:attrName>style.visibility</p:attrName>
-                                        </p:attrNameLst>
-                                      </p:cBhvr>
-                                      <p:to>
-                                        <p:strVal val="visible"/>
-                                      </p:to>
-                                    </p:set>
-                                  </p:childTnLst>
-                                </p:cTn>
-                              </p:par>
-                              <p:par>
-                                <p:cTn id="29" presetID="1" presetClass="entr" presetSubtype="0" fill="hold" nodeType="withEffect">
-                                  <p:stCondLst>
-                                    <p:cond delay="0"/>
-                                  </p:stCondLst>
-                                  <p:childTnLst>
-                                    <p:set>
-                                      <p:cBhvr>
-                                        <p:cTn id="30" dur="1" fill="hold">
-                                          <p:stCondLst>
-                                            <p:cond delay="0"/>
-                                          </p:stCondLst>
-                                        </p:cTn>
-                                        <p:tgtEl>
-                                          <p:spTgt spid="5">
-                                            <p:txEl>
-                                              <p:pRg st="12" end="12"/>
-                                            </p:txEl>
-                                          </p:spTgt>
-                                        </p:tgtEl>
-                                        <p:attrNameLst>
-                                          <p:attrName>style.visibility</p:attrName>
-                                        </p:attrNameLst>
-                                      </p:cBhvr>
-                                      <p:to>
-                                        <p:strVal val="visible"/>
-                                      </p:to>
-                                    </p:set>
-                                  </p:childTnLst>
-                                </p:cTn>
-                              </p:par>
-                              <p:par>
-                                <p:cTn id="31" presetID="1" presetClass="entr" presetSubtype="0" fill="hold" nodeType="withEffect">
-                                  <p:stCondLst>
-                                    <p:cond delay="0"/>
-                                  </p:stCondLst>
-                                  <p:childTnLst>
-                                    <p:set>
-                                      <p:cBhvr>
-                                        <p:cTn id="32" dur="1" fill="hold">
-                                          <p:stCondLst>
-                                            <p:cond delay="0"/>
-                                          </p:stCondLst>
-                                        </p:cTn>
-                                        <p:tgtEl>
-                                          <p:spTgt spid="5">
-                                            <p:txEl>
-                                              <p:pRg st="13" end="13"/>
-                                            </p:txEl>
-                                          </p:spTgt>
-                                        </p:tgtEl>
-                                        <p:attrNameLst>
-                                          <p:attrName>style.visibility</p:attrName>
-                                        </p:attrNameLst>
-                                      </p:cBhvr>
-                                      <p:to>
-                                        <p:strVal val="visible"/>
-                                      </p:to>
-                                    </p:set>
-                                  </p:childTnLst>
-                                </p:cTn>
-                              </p:par>
-                            </p:childTnLst>
-                          </p:cTn>
-                        </p:par>
-                      </p:childTnLst>
-                    </p:cTn>
-                  </p:par>
-                  <p:par>
-                    <p:cTn id="33" fill="hold">
-                      <p:stCondLst>
-                        <p:cond delay="indefinite"/>
-                      </p:stCondLst>
-                      <p:childTnLst>
-                        <p:par>
-                          <p:cTn id="34" fill="hold">
-                            <p:stCondLst>
-                              <p:cond delay="0"/>
-                            </p:stCondLst>
-                            <p:childTnLst>
-                              <p:par>
-                                <p:cTn id="35" presetID="1" presetClass="entr" presetSubtype="0" fill="hold" grpId="0" nodeType="clickEffect">
-                                  <p:stCondLst>
-                                    <p:cond delay="0"/>
-                                  </p:stCondLst>
-                                  <p:childTnLst>
-                                    <p:set>
-                                      <p:cBhvr>
-                                        <p:cTn id="36" dur="1" fill="hold">
-                                          <p:stCondLst>
-                                            <p:cond delay="0"/>
-                                          </p:stCondLst>
-                                        </p:cTn>
-                                        <p:tgtEl>
-                                          <p:spTgt spid="6"/>
-                                        </p:tgtEl>
-                                        <p:attrNameLst>
-                                          <p:attrName>style.visibility</p:attrName>
-                                        </p:attrNameLst>
-                                      </p:cBhvr>
-                                      <p:to>
-                                        <p:strVal val="visible"/>
-                                      </p:to>
-                                    </p:set>
-                                  </p:childTnLst>
-                                </p:cTn>
-                              </p:par>
-                            </p:childTnLst>
-                          </p:cTn>
-                        </p:par>
-                      </p:childTnLst>
-                    </p:cTn>
-                  </p:par>
-                </p:childTnLst>
-              </p:cTn>
-              <p:prevCondLst>
-                <p:cond evt="onPrev" delay="0">
-                  <p:tgtEl>
-                    <p:sldTgt/>
-                  </p:tgtEl>
-                </p:cond>
-              </p:prevCondLst>
-              <p:nextCondLst>
-                <p:cond evt="onNext" delay="0">
-                  <p:tgtEl>
-                    <p:sldTgt/>
-                  </p:tgtEl>
-                </p:cond>
-              </p:nextCondLst>
-            </p:seq>
-          </p:childTnLst>
-        </p:cTn>
-      </p:par>
-    </p:tnLst>
-    <p:bldLst>
-      <p:bldP spid="6" grpId="0" animBg="1"/>
-    </p:bldLst>
-  </p:timing>
-</p:sld>
-</file>
-
-<file path=ppt/slides/slide22.xml><?xml version="1.0" encoding="utf-8"?>
-<p:sld xmlns:a="http://schemas.openxmlformats.org/drawingml/2006/main" xmlns:r="http://schemas.openxmlformats.org/officeDocument/2006/relationships" xmlns:p="http://schemas.openxmlformats.org/presentationml/2006/main">
-  <p:cSld>
-    <p:spTree>
-      <p:nvGrpSpPr>
-        <p:cNvPr id="1" name=""/>
-        <p:cNvGrpSpPr/>
-        <p:nvPr/>
-      </p:nvGrpSpPr>
-      <p:grpSpPr>
-        <a:xfrm>
-          <a:off x="0" y="0"/>
-          <a:ext cx="0" cy="0"/>
-          <a:chOff x="0" y="0"/>
-          <a:chExt cx="0" cy="0"/>
-        </a:xfrm>
-      </p:grpSpPr>
       <p:pic>
         <p:nvPicPr>
           <p:cNvPr id="5" name="Picture 4">
@@ -18317,7 +17070,7 @@
 </p:sld>
 </file>
 
-<file path=ppt/slides/slide23.xml><?xml version="1.0" encoding="utf-8"?>
+<file path=ppt/slides/slide22.xml><?xml version="1.0" encoding="utf-8"?>
 <p:sld xmlns:a="http://schemas.openxmlformats.org/drawingml/2006/main" xmlns:r="http://schemas.openxmlformats.org/officeDocument/2006/relationships" xmlns:p="http://schemas.openxmlformats.org/presentationml/2006/main">
   <p:cSld>
     <p:spTree>
@@ -18822,7 +17575,7 @@
             <a:fld id="{2BF067CD-8E6B-4360-9AA8-C5DF2A48A6D1}" type="slidenum">
               <a:rPr lang="en-US" noProof="0" smtClean="0"/>
               <a:pPr/>
-              <a:t>23</a:t>
+              <a:t>22</a:t>
             </a:fld>
             <a:endParaRPr lang="en-US" noProof="0" dirty="0"/>
           </a:p>
@@ -18959,7 +17712,7 @@
 </p:sld>
 </file>
 
-<file path=ppt/slides/slide24.xml><?xml version="1.0" encoding="utf-8"?>
+<file path=ppt/slides/slide23.xml><?xml version="1.0" encoding="utf-8"?>
 <p:sld xmlns:a="http://schemas.openxmlformats.org/drawingml/2006/main" xmlns:r="http://schemas.openxmlformats.org/officeDocument/2006/relationships" xmlns:p="http://schemas.openxmlformats.org/presentationml/2006/main">
   <p:cSld>
     <p:spTree>
@@ -19716,7 +18469,7 @@
             <a:fld id="{2BF067CD-8E6B-4360-9AA8-C5DF2A48A6D1}" type="slidenum">
               <a:rPr lang="en-US" noProof="0" smtClean="0"/>
               <a:pPr/>
-              <a:t>24</a:t>
+              <a:t>23</a:t>
             </a:fld>
             <a:endParaRPr lang="en-US" noProof="0" dirty="0"/>
           </a:p>
@@ -19930,7 +18683,7 @@
 </p:sld>
 </file>
 
-<file path=ppt/slides/slide25.xml><?xml version="1.0" encoding="utf-8"?>
+<file path=ppt/slides/slide24.xml><?xml version="1.0" encoding="utf-8"?>
 <p:sld xmlns:a="http://schemas.openxmlformats.org/drawingml/2006/main" xmlns:r="http://schemas.openxmlformats.org/officeDocument/2006/relationships" xmlns:p="http://schemas.openxmlformats.org/presentationml/2006/main">
   <p:cSld>
     <p:spTree>
@@ -20616,7 +19369,7 @@
             <a:fld id="{2BF067CD-8E6B-4360-9AA8-C5DF2A48A6D1}" type="slidenum">
               <a:rPr lang="en-US" noProof="0" smtClean="0"/>
               <a:pPr/>
-              <a:t>25</a:t>
+              <a:t>24</a:t>
             </a:fld>
             <a:endParaRPr lang="en-US" noProof="0" dirty="0"/>
           </a:p>
@@ -20752,7 +19505,7 @@
 </p:sld>
 </file>
 
-<file path=ppt/slides/slide26.xml><?xml version="1.0" encoding="utf-8"?>
+<file path=ppt/slides/slide25.xml><?xml version="1.0" encoding="utf-8"?>
 <p:sld xmlns:a="http://schemas.openxmlformats.org/drawingml/2006/main" xmlns:r="http://schemas.openxmlformats.org/officeDocument/2006/relationships" xmlns:p="http://schemas.openxmlformats.org/presentationml/2006/main">
   <p:cSld>
     <p:spTree>
@@ -20903,7 +19656,7 @@
 </p:sld>
 </file>
 
-<file path=ppt/slides/slide27.xml><?xml version="1.0" encoding="utf-8"?>
+<file path=ppt/slides/slide26.xml><?xml version="1.0" encoding="utf-8"?>
 <p:sld xmlns:a="http://schemas.openxmlformats.org/drawingml/2006/main" xmlns:r="http://schemas.openxmlformats.org/officeDocument/2006/relationships" xmlns:p="http://schemas.openxmlformats.org/presentationml/2006/main">
   <p:cSld>
     <p:spTree>
@@ -21424,7 +20177,7 @@
             <a:fld id="{2BF067CD-8E6B-4360-9AA8-C5DF2A48A6D1}" type="slidenum">
               <a:rPr lang="en-US" noProof="0" smtClean="0"/>
               <a:pPr/>
-              <a:t>27</a:t>
+              <a:t>26</a:t>
             </a:fld>
             <a:endParaRPr lang="en-US" noProof="0" dirty="0"/>
           </a:p>
@@ -21637,7 +20390,7 @@
 </p:sld>
 </file>
 
-<file path=ppt/slides/slide28.xml><?xml version="1.0" encoding="utf-8"?>
+<file path=ppt/slides/slide27.xml><?xml version="1.0" encoding="utf-8"?>
 <p:sld xmlns:a="http://schemas.openxmlformats.org/drawingml/2006/main" xmlns:r="http://schemas.openxmlformats.org/officeDocument/2006/relationships" xmlns:p="http://schemas.openxmlformats.org/presentationml/2006/main">
   <p:cSld>
     <p:spTree>
@@ -22026,7 +20779,7 @@
             <a:fld id="{2BF067CD-8E6B-4360-9AA8-C5DF2A48A6D1}" type="slidenum">
               <a:rPr lang="en-US" noProof="0" smtClean="0"/>
               <a:pPr/>
-              <a:t>28</a:t>
+              <a:t>27</a:t>
             </a:fld>
             <a:endParaRPr lang="en-US" noProof="0" dirty="0"/>
           </a:p>
@@ -22162,7 +20915,7 @@
 </p:sld>
 </file>
 
-<file path=ppt/slides/slide29.xml><?xml version="1.0" encoding="utf-8"?>
+<file path=ppt/slides/slide28.xml><?xml version="1.0" encoding="utf-8"?>
 <p:sld xmlns:a="http://schemas.openxmlformats.org/drawingml/2006/main" xmlns:r="http://schemas.openxmlformats.org/officeDocument/2006/relationships" xmlns:p="http://schemas.openxmlformats.org/presentationml/2006/main">
   <p:cSld>
     <p:spTree>
@@ -22525,7 +21278,7 @@
             <a:fld id="{2BF067CD-8E6B-4360-9AA8-C5DF2A48A6D1}" type="slidenum">
               <a:rPr lang="en-US" noProof="0" smtClean="0"/>
               <a:pPr/>
-              <a:t>29</a:t>
+              <a:t>28</a:t>
             </a:fld>
             <a:endParaRPr lang="en-US" noProof="0" dirty="0"/>
           </a:p>
@@ -22756,102 +21509,7 @@
 </p:sld>
 </file>
 
-<file path=ppt/slides/slide3.xml><?xml version="1.0" encoding="utf-8"?>
-<p:sld xmlns:a="http://schemas.openxmlformats.org/drawingml/2006/main" xmlns:r="http://schemas.openxmlformats.org/officeDocument/2006/relationships" xmlns:p="http://schemas.openxmlformats.org/presentationml/2006/main">
-  <p:cSld>
-    <p:spTree>
-      <p:nvGrpSpPr>
-        <p:cNvPr id="1" name=""/>
-        <p:cNvGrpSpPr/>
-        <p:nvPr/>
-      </p:nvGrpSpPr>
-      <p:grpSpPr>
-        <a:xfrm>
-          <a:off x="0" y="0"/>
-          <a:ext cx="0" cy="0"/>
-          <a:chOff x="0" y="0"/>
-          <a:chExt cx="0" cy="0"/>
-        </a:xfrm>
-      </p:grpSpPr>
-      <p:pic>
-        <p:nvPicPr>
-          <p:cNvPr id="6" name="Picture 5"/>
-          <p:cNvPicPr>
-            <a:picLocks noChangeAspect="1"/>
-          </p:cNvPicPr>
-          <p:nvPr/>
-        </p:nvPicPr>
-        <p:blipFill rotWithShape="1">
-          <a:blip r:embed="rId2" cstate="print">
-            <a:extLst>
-              <a:ext uri="{28A0092B-C50C-407E-A947-70E740481C1C}">
-                <a14:useLocalDpi xmlns:a14="http://schemas.microsoft.com/office/drawing/2010/main" val="0"/>
-              </a:ext>
-            </a:extLst>
-          </a:blip>
-          <a:srcRect/>
-          <a:stretch/>
-        </p:blipFill>
-        <p:spPr>
-          <a:xfrm>
-            <a:off x="4343858" y="1115654"/>
-            <a:ext cx="3580467" cy="2798371"/>
-          </a:xfrm>
-          <a:prstGeom prst="rect">
-            <a:avLst/>
-          </a:prstGeom>
-        </p:spPr>
-      </p:pic>
-      <p:sp>
-        <p:nvSpPr>
-          <p:cNvPr id="3" name="Заглавие 2">
-            <a:extLst>
-              <a:ext uri="{FF2B5EF4-FFF2-40B4-BE49-F238E27FC236}">
-                <a16:creationId xmlns:a16="http://schemas.microsoft.com/office/drawing/2014/main" id="{20EF15B5-579C-69B8-3107-C5A48275BD9F}"/>
-              </a:ext>
-            </a:extLst>
-          </p:cNvPr>
-          <p:cNvSpPr>
-            <a:spLocks noGrp="1"/>
-          </p:cNvSpPr>
-          <p:nvPr>
-            <p:ph type="title" sz="quarter" idx="10"/>
-          </p:nvPr>
-        </p:nvSpPr>
-        <p:spPr/>
-        <p:txBody>
-          <a:bodyPr/>
-          <a:lstStyle/>
-          <a:p>
-            <a:r>
-              <a:rPr lang="bg-BG"/>
-              <a:t>Какво е стриймване?</a:t>
-            </a:r>
-          </a:p>
-        </p:txBody>
-      </p:sp>
-    </p:spTree>
-    <p:extLst>
-      <p:ext uri="{BB962C8B-B14F-4D97-AF65-F5344CB8AC3E}">
-        <p14:creationId xmlns:p14="http://schemas.microsoft.com/office/powerpoint/2010/main" val="3957415902"/>
-      </p:ext>
-    </p:extLst>
-  </p:cSld>
-  <p:clrMapOvr>
-    <a:masterClrMapping/>
-  </p:clrMapOvr>
-  <mc:AlternateContent xmlns:mc="http://schemas.openxmlformats.org/markup-compatibility/2006" xmlns:p14="http://schemas.microsoft.com/office/powerpoint/2010/main">
-    <mc:Choice Requires="p14">
-      <p:transition p14:dur="0" advClick="0" advTm="5000"/>
-    </mc:Choice>
-    <mc:Fallback xmlns="">
-      <p:transition advClick="0" advTm="5000"/>
-    </mc:Fallback>
-  </mc:AlternateContent>
-</p:sld>
-</file>
-
-<file path=ppt/slides/slide30.xml><?xml version="1.0" encoding="utf-8"?>
+<file path=ppt/slides/slide29.xml><?xml version="1.0" encoding="utf-8"?>
 <p:sld xmlns:a="http://schemas.openxmlformats.org/drawingml/2006/main" xmlns:r="http://schemas.openxmlformats.org/officeDocument/2006/relationships" xmlns:p="http://schemas.openxmlformats.org/presentationml/2006/main">
   <p:cSld>
     <p:spTree>
@@ -23327,7 +21985,7 @@
             <a:fld id="{2BF067CD-8E6B-4360-9AA8-C5DF2A48A6D1}" type="slidenum">
               <a:rPr lang="en-US" noProof="0" smtClean="0"/>
               <a:pPr/>
-              <a:t>30</a:t>
+              <a:t>29</a:t>
             </a:fld>
             <a:endParaRPr lang="en-US" noProof="0" dirty="0"/>
           </a:p>
@@ -23788,7 +22446,102 @@
 </p:sld>
 </file>
 
-<file path=ppt/slides/slide31.xml><?xml version="1.0" encoding="utf-8"?>
+<file path=ppt/slides/slide3.xml><?xml version="1.0" encoding="utf-8"?>
+<p:sld xmlns:a="http://schemas.openxmlformats.org/drawingml/2006/main" xmlns:r="http://schemas.openxmlformats.org/officeDocument/2006/relationships" xmlns:p="http://schemas.openxmlformats.org/presentationml/2006/main">
+  <p:cSld>
+    <p:spTree>
+      <p:nvGrpSpPr>
+        <p:cNvPr id="1" name=""/>
+        <p:cNvGrpSpPr/>
+        <p:nvPr/>
+      </p:nvGrpSpPr>
+      <p:grpSpPr>
+        <a:xfrm>
+          <a:off x="0" y="0"/>
+          <a:ext cx="0" cy="0"/>
+          <a:chOff x="0" y="0"/>
+          <a:chExt cx="0" cy="0"/>
+        </a:xfrm>
+      </p:grpSpPr>
+      <p:pic>
+        <p:nvPicPr>
+          <p:cNvPr id="6" name="Picture 5"/>
+          <p:cNvPicPr>
+            <a:picLocks noChangeAspect="1"/>
+          </p:cNvPicPr>
+          <p:nvPr/>
+        </p:nvPicPr>
+        <p:blipFill rotWithShape="1">
+          <a:blip r:embed="rId2" cstate="print">
+            <a:extLst>
+              <a:ext uri="{28A0092B-C50C-407E-A947-70E740481C1C}">
+                <a14:useLocalDpi xmlns:a14="http://schemas.microsoft.com/office/drawing/2010/main" val="0"/>
+              </a:ext>
+            </a:extLst>
+          </a:blip>
+          <a:srcRect/>
+          <a:stretch/>
+        </p:blipFill>
+        <p:spPr>
+          <a:xfrm>
+            <a:off x="4343858" y="1115654"/>
+            <a:ext cx="3580467" cy="2798371"/>
+          </a:xfrm>
+          <a:prstGeom prst="rect">
+            <a:avLst/>
+          </a:prstGeom>
+        </p:spPr>
+      </p:pic>
+      <p:sp>
+        <p:nvSpPr>
+          <p:cNvPr id="3" name="Заглавие 2">
+            <a:extLst>
+              <a:ext uri="{FF2B5EF4-FFF2-40B4-BE49-F238E27FC236}">
+                <a16:creationId xmlns:a16="http://schemas.microsoft.com/office/drawing/2014/main" id="{20EF15B5-579C-69B8-3107-C5A48275BD9F}"/>
+              </a:ext>
+            </a:extLst>
+          </p:cNvPr>
+          <p:cNvSpPr>
+            <a:spLocks noGrp="1"/>
+          </p:cNvSpPr>
+          <p:nvPr>
+            <p:ph type="title" sz="quarter" idx="10"/>
+          </p:nvPr>
+        </p:nvSpPr>
+        <p:spPr/>
+        <p:txBody>
+          <a:bodyPr/>
+          <a:lstStyle/>
+          <a:p>
+            <a:r>
+              <a:rPr lang="bg-BG"/>
+              <a:t>Какво е стриймване?</a:t>
+            </a:r>
+          </a:p>
+        </p:txBody>
+      </p:sp>
+    </p:spTree>
+    <p:extLst>
+      <p:ext uri="{BB962C8B-B14F-4D97-AF65-F5344CB8AC3E}">
+        <p14:creationId xmlns:p14="http://schemas.microsoft.com/office/powerpoint/2010/main" val="3957415902"/>
+      </p:ext>
+    </p:extLst>
+  </p:cSld>
+  <p:clrMapOvr>
+    <a:masterClrMapping/>
+  </p:clrMapOvr>
+  <mc:AlternateContent xmlns:mc="http://schemas.openxmlformats.org/markup-compatibility/2006" xmlns:p14="http://schemas.microsoft.com/office/powerpoint/2010/main">
+    <mc:Choice Requires="p14">
+      <p:transition p14:dur="0" advClick="0" advTm="5000"/>
+    </mc:Choice>
+    <mc:Fallback xmlns="">
+      <p:transition advClick="0" advTm="5000"/>
+    </mc:Fallback>
+  </mc:AlternateContent>
+</p:sld>
+</file>
+
+<file path=ppt/slides/slide30.xml><?xml version="1.0" encoding="utf-8"?>
 <p:sld xmlns:a="http://schemas.openxmlformats.org/drawingml/2006/main" xmlns:r="http://schemas.openxmlformats.org/officeDocument/2006/relationships" xmlns:p="http://schemas.openxmlformats.org/presentationml/2006/main">
   <p:cSld>
     <p:spTree>
@@ -23901,7 +22654,7 @@
 </p:sld>
 </file>
 
-<file path=ppt/slides/slide32.xml><?xml version="1.0" encoding="utf-8"?>
+<file path=ppt/slides/slide31.xml><?xml version="1.0" encoding="utf-8"?>
 <p:sld xmlns:a="http://schemas.openxmlformats.org/drawingml/2006/main" xmlns:r="http://schemas.openxmlformats.org/officeDocument/2006/relationships" xmlns:p="http://schemas.openxmlformats.org/presentationml/2006/main">
   <p:cSld>
     <p:spTree>
@@ -24177,7 +22930,7 @@
             <a:fld id="{2BF067CD-8E6B-4360-9AA8-C5DF2A48A6D1}" type="slidenum">
               <a:rPr lang="en-US" noProof="0" smtClean="0"/>
               <a:pPr/>
-              <a:t>32</a:t>
+              <a:t>31</a:t>
             </a:fld>
             <a:endParaRPr lang="en-US" noProof="0" dirty="0"/>
           </a:p>
@@ -24415,7 +23168,7 @@
 </p:sld>
 </file>
 
-<file path=ppt/slides/slide33.xml><?xml version="1.0" encoding="utf-8"?>
+<file path=ppt/slides/slide32.xml><?xml version="1.0" encoding="utf-8"?>
 <p:sld xmlns:a="http://schemas.openxmlformats.org/drawingml/2006/main" xmlns:r="http://schemas.openxmlformats.org/officeDocument/2006/relationships" xmlns:p="http://schemas.openxmlformats.org/presentationml/2006/main">
   <p:cSld>
     <p:spTree>
@@ -24464,7 +23217,7 @@
             <a:fld id="{2BF067CD-8E6B-4360-9AA8-C5DF2A48A6D1}" type="slidenum">
               <a:rPr lang="en-US" noProof="0" smtClean="0"/>
               <a:pPr/>
-              <a:t>33</a:t>
+              <a:t>32</a:t>
             </a:fld>
             <a:endParaRPr lang="en-US" noProof="0" dirty="0"/>
           </a:p>
@@ -24948,7 +23701,7 @@
 </p:sld>
 </file>
 
-<file path=ppt/slides/slide34.xml><?xml version="1.0" encoding="utf-8"?>
+<file path=ppt/slides/slide33.xml><?xml version="1.0" encoding="utf-8"?>
 <p:sld xmlns:a="http://schemas.openxmlformats.org/drawingml/2006/main" xmlns:r="http://schemas.openxmlformats.org/officeDocument/2006/relationships" xmlns:p="http://schemas.openxmlformats.org/presentationml/2006/main">
   <p:cSld>
     <p:spTree>
@@ -25066,7 +23819,7 @@
 </p:sld>
 </file>
 
-<file path=ppt/slides/slide35.xml><?xml version="1.0" encoding="utf-8"?>
+<file path=ppt/slides/slide34.xml><?xml version="1.0" encoding="utf-8"?>
 <p:sld xmlns:a="http://schemas.openxmlformats.org/drawingml/2006/main" xmlns:r="http://schemas.openxmlformats.org/officeDocument/2006/relationships" xmlns:p="http://schemas.openxmlformats.org/presentationml/2006/main">
   <p:cSld>
     <p:spTree>
@@ -25410,7 +24163,7 @@
             <a:fld id="{2BF067CD-8E6B-4360-9AA8-C5DF2A48A6D1}" type="slidenum">
               <a:rPr lang="en-US" smtClean="0"/>
               <a:pPr/>
-              <a:t>35</a:t>
+              <a:t>34</a:t>
             </a:fld>
             <a:endParaRPr lang="en-US" dirty="0"/>
           </a:p>
@@ -25666,7 +24419,7 @@
 </p:sld>
 </file>
 
-<file path=ppt/slides/slide36.xml><?xml version="1.0" encoding="utf-8"?>
+<file path=ppt/slides/slide35.xml><?xml version="1.0" encoding="utf-8"?>
 <p:sld xmlns:a="http://schemas.openxmlformats.org/drawingml/2006/main" xmlns:r="http://schemas.openxmlformats.org/officeDocument/2006/relationships" xmlns:p="http://schemas.openxmlformats.org/presentationml/2006/main">
   <p:cSld>
     <p:spTree>
@@ -27236,7 +25989,7 @@
             <a:fld id="{2BF067CD-8E6B-4360-9AA8-C5DF2A48A6D1}" type="slidenum">
               <a:rPr lang="en-US" noProof="0" smtClean="0"/>
               <a:pPr/>
-              <a:t>36</a:t>
+              <a:t>35</a:t>
             </a:fld>
             <a:endParaRPr lang="en-US" noProof="0" dirty="0"/>
           </a:p>
@@ -27617,7 +26370,7 @@
 </p:sld>
 </file>
 
-<file path=ppt/slides/slide37.xml><?xml version="1.0" encoding="utf-8"?>
+<file path=ppt/slides/slide36.xml><?xml version="1.0" encoding="utf-8"?>
 <p:sld xmlns:a="http://schemas.openxmlformats.org/drawingml/2006/main" xmlns:r="http://schemas.openxmlformats.org/officeDocument/2006/relationships" xmlns:p="http://schemas.openxmlformats.org/presentationml/2006/main">
   <p:cSld>
     <p:spTree>
@@ -28220,7 +26973,7 @@
             <a:fld id="{2BF067CD-8E6B-4360-9AA8-C5DF2A48A6D1}" type="slidenum">
               <a:rPr lang="en-US" noProof="0" smtClean="0"/>
               <a:pPr/>
-              <a:t>37</a:t>
+              <a:t>36</a:t>
             </a:fld>
             <a:endParaRPr lang="en-US" noProof="0" dirty="0"/>
           </a:p>
@@ -28659,7 +27412,7 @@
 </p:sld>
 </file>
 
-<file path=ppt/slides/slide38.xml><?xml version="1.0" encoding="utf-8"?>
+<file path=ppt/slides/slide37.xml><?xml version="1.0" encoding="utf-8"?>
 <p:sld xmlns:a="http://schemas.openxmlformats.org/drawingml/2006/main" xmlns:r="http://schemas.openxmlformats.org/officeDocument/2006/relationships" xmlns:p="http://schemas.openxmlformats.org/presentationml/2006/main">
   <p:cSld>
     <p:spTree>
@@ -29145,7 +27898,7 @@
             <a:fld id="{2BF067CD-8E6B-4360-9AA8-C5DF2A48A6D1}" type="slidenum">
               <a:rPr lang="en-US" noProof="0" smtClean="0"/>
               <a:pPr/>
-              <a:t>38</a:t>
+              <a:t>37</a:t>
             </a:fld>
             <a:endParaRPr lang="en-US" noProof="0" dirty="0"/>
           </a:p>
@@ -29567,7 +28320,7 @@
 </p:sld>
 </file>
 
-<file path=ppt/slides/slide39.xml><?xml version="1.0" encoding="utf-8"?>
+<file path=ppt/slides/slide38.xml><?xml version="1.0" encoding="utf-8"?>
 <p:sld xmlns:a="http://schemas.openxmlformats.org/drawingml/2006/main" xmlns:r="http://schemas.openxmlformats.org/officeDocument/2006/relationships" xmlns:p="http://schemas.openxmlformats.org/presentationml/2006/main">
   <p:cSld>
     <p:spTree>
@@ -29999,7 +28752,7 @@
             <a:fld id="{2BF067CD-8E6B-4360-9AA8-C5DF2A48A6D1}" type="slidenum">
               <a:rPr lang="en-US" noProof="0" smtClean="0"/>
               <a:pPr/>
-              <a:t>39</a:t>
+              <a:t>38</a:t>
             </a:fld>
             <a:endParaRPr lang="en-US" noProof="0" dirty="0"/>
           </a:p>
@@ -30325,6 +29078,125 @@
       <p:bldP spid="6" grpId="0" uiExpand="1" build="allAtOnce" animBg="1"/>
     </p:bldLst>
   </p:timing>
+</p:sld>
+</file>
+
+<file path=ppt/slides/slide39.xml><?xml version="1.0" encoding="utf-8"?>
+<p:sld xmlns:a="http://schemas.openxmlformats.org/drawingml/2006/main" xmlns:r="http://schemas.openxmlformats.org/officeDocument/2006/relationships" xmlns:p="http://schemas.openxmlformats.org/presentationml/2006/main">
+  <p:cSld>
+    <p:spTree>
+      <p:nvGrpSpPr>
+        <p:cNvPr id="1" name=""/>
+        <p:cNvGrpSpPr/>
+        <p:nvPr/>
+      </p:nvGrpSpPr>
+      <p:grpSpPr>
+        <a:xfrm>
+          <a:off x="0" y="0"/>
+          <a:ext cx="0" cy="0"/>
+          <a:chOff x="0" y="0"/>
+          <a:chExt cx="0" cy="0"/>
+        </a:xfrm>
+      </p:grpSpPr>
+      <p:sp>
+        <p:nvSpPr>
+          <p:cNvPr id="5" name="TextBox 4"/>
+          <p:cNvSpPr txBox="1"/>
+          <p:nvPr/>
+        </p:nvSpPr>
+        <p:spPr>
+          <a:xfrm>
+            <a:off x="4495801" y="1828801"/>
+            <a:ext cx="3200400" cy="1504615"/>
+          </a:xfrm>
+          <a:prstGeom prst="rect">
+            <a:avLst/>
+          </a:prstGeom>
+          <a:noFill/>
+          <a:ln w="12700">
+            <a:noFill/>
+          </a:ln>
+        </p:spPr>
+        <p:txBody>
+          <a:bodyPr vert="horz" wrap="square" lIns="144000" tIns="108000" rIns="144000" bIns="108000" rtlCol="0">
+            <a:spAutoFit/>
+          </a:bodyPr>
+          <a:lstStyle/>
+          <a:p>
+            <a:pPr algn="l" eaLnBrk="0" hangingPunct="0">
+              <a:lnSpc>
+                <a:spcPct val="110000"/>
+              </a:lnSpc>
+              <a:buClr>
+                <a:schemeClr val="accent5">
+                  <a:lumMod val="40000"/>
+                  <a:lumOff val="60000"/>
+                </a:schemeClr>
+              </a:buClr>
+              <a:buSzPct val="70000"/>
+            </a:pPr>
+            <a:r>
+              <a:rPr lang="en-US" sz="8000" b="1" i="1" dirty="0">
+                <a:solidFill>
+                  <a:schemeClr val="bg2"/>
+                </a:solidFill>
+              </a:rPr>
+              <a:t>{JSON}</a:t>
+            </a:r>
+          </a:p>
+        </p:txBody>
+      </p:sp>
+      <p:sp>
+        <p:nvSpPr>
+          <p:cNvPr id="4" name="Заглавие 3">
+            <a:extLst>
+              <a:ext uri="{FF2B5EF4-FFF2-40B4-BE49-F238E27FC236}">
+                <a16:creationId xmlns:a16="http://schemas.microsoft.com/office/drawing/2014/main" id="{7F5D79BD-D6DF-59E5-EE3C-1531AE56A123}"/>
+              </a:ext>
+            </a:extLst>
+          </p:cNvPr>
+          <p:cNvSpPr>
+            <a:spLocks noGrp="1"/>
+          </p:cNvSpPr>
+          <p:nvPr>
+            <p:ph type="title" sz="quarter" idx="10"/>
+          </p:nvPr>
+        </p:nvSpPr>
+        <p:spPr/>
+        <p:txBody>
+          <a:bodyPr/>
+          <a:lstStyle/>
+          <a:p>
+            <a:r>
+              <a:rPr lang="bg-BG" dirty="0"/>
+              <a:t>Какво е </a:t>
+            </a:r>
+            <a:r>
+              <a:rPr lang="en-US" dirty="0"/>
+              <a:t>JSON?</a:t>
+            </a:r>
+            <a:endParaRPr lang="bg-BG" dirty="0"/>
+          </a:p>
+        </p:txBody>
+      </p:sp>
+    </p:spTree>
+    <p:extLst>
+      <p:ext uri="{BB962C8B-B14F-4D97-AF65-F5344CB8AC3E}">
+        <p14:creationId xmlns:p14="http://schemas.microsoft.com/office/powerpoint/2010/main" val="1847948655"/>
+      </p:ext>
+    </p:extLst>
+  </p:cSld>
+  <p:clrMapOvr>
+    <a:masterClrMapping/>
+  </p:clrMapOvr>
+  <mc:AlternateContent xmlns:mc="http://schemas.openxmlformats.org/markup-compatibility/2006" xmlns:p14="http://schemas.microsoft.com/office/powerpoint/2010/main">
+    <mc:Choice Requires="p14">
+      <p:transition spd="slow" p14:dur="2000" advClick="0" advTm="5000"/>
+    </mc:Choice>
+    <mc:Fallback xmlns="">
+      <p:transition spd="slow" advClick="0" advTm="5000"/>
+    </mc:Fallback>
+  </mc:AlternateContent>
 </p:sld>
 </file>
 
@@ -31276,125 +30148,6 @@
       </p:grpSpPr>
       <p:sp>
         <p:nvSpPr>
-          <p:cNvPr id="5" name="TextBox 4"/>
-          <p:cNvSpPr txBox="1"/>
-          <p:nvPr/>
-        </p:nvSpPr>
-        <p:spPr>
-          <a:xfrm>
-            <a:off x="4495801" y="1828801"/>
-            <a:ext cx="3200400" cy="1504615"/>
-          </a:xfrm>
-          <a:prstGeom prst="rect">
-            <a:avLst/>
-          </a:prstGeom>
-          <a:noFill/>
-          <a:ln w="12700">
-            <a:noFill/>
-          </a:ln>
-        </p:spPr>
-        <p:txBody>
-          <a:bodyPr vert="horz" wrap="square" lIns="144000" tIns="108000" rIns="144000" bIns="108000" rtlCol="0">
-            <a:spAutoFit/>
-          </a:bodyPr>
-          <a:lstStyle/>
-          <a:p>
-            <a:pPr algn="l" eaLnBrk="0" hangingPunct="0">
-              <a:lnSpc>
-                <a:spcPct val="110000"/>
-              </a:lnSpc>
-              <a:buClr>
-                <a:schemeClr val="accent5">
-                  <a:lumMod val="40000"/>
-                  <a:lumOff val="60000"/>
-                </a:schemeClr>
-              </a:buClr>
-              <a:buSzPct val="70000"/>
-            </a:pPr>
-            <a:r>
-              <a:rPr lang="en-US" sz="8000" b="1" i="1" dirty="0">
-                <a:solidFill>
-                  <a:schemeClr val="bg2"/>
-                </a:solidFill>
-              </a:rPr>
-              <a:t>{JSON}</a:t>
-            </a:r>
-          </a:p>
-        </p:txBody>
-      </p:sp>
-      <p:sp>
-        <p:nvSpPr>
-          <p:cNvPr id="4" name="Заглавие 3">
-            <a:extLst>
-              <a:ext uri="{FF2B5EF4-FFF2-40B4-BE49-F238E27FC236}">
-                <a16:creationId xmlns:a16="http://schemas.microsoft.com/office/drawing/2014/main" id="{7F5D79BD-D6DF-59E5-EE3C-1531AE56A123}"/>
-              </a:ext>
-            </a:extLst>
-          </p:cNvPr>
-          <p:cNvSpPr>
-            <a:spLocks noGrp="1"/>
-          </p:cNvSpPr>
-          <p:nvPr>
-            <p:ph type="title" sz="quarter" idx="10"/>
-          </p:nvPr>
-        </p:nvSpPr>
-        <p:spPr/>
-        <p:txBody>
-          <a:bodyPr/>
-          <a:lstStyle/>
-          <a:p>
-            <a:r>
-              <a:rPr lang="bg-BG" dirty="0"/>
-              <a:t>Какво е </a:t>
-            </a:r>
-            <a:r>
-              <a:rPr lang="en-US" dirty="0"/>
-              <a:t>JSON?</a:t>
-            </a:r>
-            <a:endParaRPr lang="bg-BG" dirty="0"/>
-          </a:p>
-        </p:txBody>
-      </p:sp>
-    </p:spTree>
-    <p:extLst>
-      <p:ext uri="{BB962C8B-B14F-4D97-AF65-F5344CB8AC3E}">
-        <p14:creationId xmlns:p14="http://schemas.microsoft.com/office/powerpoint/2010/main" val="1847948655"/>
-      </p:ext>
-    </p:extLst>
-  </p:cSld>
-  <p:clrMapOvr>
-    <a:masterClrMapping/>
-  </p:clrMapOvr>
-  <mc:AlternateContent xmlns:mc="http://schemas.openxmlformats.org/markup-compatibility/2006" xmlns:p14="http://schemas.microsoft.com/office/powerpoint/2010/main">
-    <mc:Choice Requires="p14">
-      <p:transition spd="slow" p14:dur="2000" advClick="0" advTm="5000"/>
-    </mc:Choice>
-    <mc:Fallback xmlns="">
-      <p:transition spd="slow" advClick="0" advTm="5000"/>
-    </mc:Fallback>
-  </mc:AlternateContent>
-</p:sld>
-</file>
-
-<file path=ppt/slides/slide41.xml><?xml version="1.0" encoding="utf-8"?>
-<p:sld xmlns:a="http://schemas.openxmlformats.org/drawingml/2006/main" xmlns:r="http://schemas.openxmlformats.org/officeDocument/2006/relationships" xmlns:p="http://schemas.openxmlformats.org/presentationml/2006/main">
-  <p:cSld>
-    <p:spTree>
-      <p:nvGrpSpPr>
-        <p:cNvPr id="1" name=""/>
-        <p:cNvGrpSpPr/>
-        <p:nvPr/>
-      </p:nvGrpSpPr>
-      <p:grpSpPr>
-        <a:xfrm>
-          <a:off x="0" y="0"/>
-          <a:ext cx="0" cy="0"/>
-          <a:chOff x="0" y="0"/>
-          <a:chExt cx="0" cy="0"/>
-        </a:xfrm>
-      </p:grpSpPr>
-      <p:sp>
-        <p:nvSpPr>
           <p:cNvPr id="5" name="Content Placeholder 4"/>
           <p:cNvSpPr>
             <a:spLocks noGrp="1"/>
@@ -31973,7 +30726,7 @@
             <a:fld id="{2BF067CD-8E6B-4360-9AA8-C5DF2A48A6D1}" type="slidenum">
               <a:rPr lang="en-US" noProof="0" smtClean="0"/>
               <a:pPr/>
-              <a:t>41</a:t>
+              <a:t>40</a:t>
             </a:fld>
             <a:endParaRPr lang="en-US" noProof="0" dirty="0"/>
           </a:p>
@@ -32313,7 +31066,7 @@
 </p:sld>
 </file>
 
-<file path=ppt/slides/slide42.xml><?xml version="1.0" encoding="utf-8"?>
+<file path=ppt/slides/slide41.xml><?xml version="1.0" encoding="utf-8"?>
 <p:sld xmlns:a="http://schemas.openxmlformats.org/drawingml/2006/main" xmlns:r="http://schemas.openxmlformats.org/officeDocument/2006/relationships" xmlns:p="http://schemas.openxmlformats.org/presentationml/2006/main">
   <p:cSld>
     <p:spTree>
@@ -32943,7 +31696,7 @@
             <a:fld id="{2BF067CD-8E6B-4360-9AA8-C5DF2A48A6D1}" type="slidenum">
               <a:rPr lang="en-US" smtClean="0"/>
               <a:pPr/>
-              <a:t>42</a:t>
+              <a:t>41</a:t>
             </a:fld>
             <a:endParaRPr lang="en-US" dirty="0"/>
           </a:p>
@@ -33128,7 +31881,7 @@
 </p:sld>
 </file>
 
-<file path=ppt/slides/slide43.xml><?xml version="1.0" encoding="utf-8"?>
+<file path=ppt/slides/slide42.xml><?xml version="1.0" encoding="utf-8"?>
 <p:sld xmlns:a="http://schemas.openxmlformats.org/drawingml/2006/main" xmlns:r="http://schemas.openxmlformats.org/officeDocument/2006/relationships" xmlns:p="http://schemas.openxmlformats.org/presentationml/2006/main">
   <p:cSld>
     <p:spTree>
@@ -33715,7 +32468,7 @@
             <a:fld id="{2BF067CD-8E6B-4360-9AA8-C5DF2A48A6D1}" type="slidenum">
               <a:rPr lang="en-US" noProof="0" smtClean="0"/>
               <a:pPr/>
-              <a:t>43</a:t>
+              <a:t>42</a:t>
             </a:fld>
             <a:endParaRPr lang="en-US" noProof="0" dirty="0"/>
           </a:p>
@@ -33883,7 +32636,7 @@
 </p:sld>
 </file>
 
-<file path=ppt/slides/slide44.xml><?xml version="1.0" encoding="utf-8"?>
+<file path=ppt/slides/slide43.xml><?xml version="1.0" encoding="utf-8"?>
 <p:sld xmlns:a="http://schemas.openxmlformats.org/drawingml/2006/main" xmlns:r="http://schemas.openxmlformats.org/officeDocument/2006/relationships" xmlns:p="http://schemas.openxmlformats.org/presentationml/2006/main">
   <p:cSld>
     <p:spTree>
@@ -34680,7 +33433,7 @@
             <a:fld id="{2BF067CD-8E6B-4360-9AA8-C5DF2A48A6D1}" type="slidenum">
               <a:rPr lang="en-US" noProof="0" smtClean="0"/>
               <a:pPr/>
-              <a:t>44</a:t>
+              <a:t>43</a:t>
             </a:fld>
             <a:endParaRPr lang="en-US" noProof="0" dirty="0"/>
           </a:p>
@@ -34859,7 +33612,7 @@
 </p:sld>
 </file>
 
-<file path=ppt/slides/slide45.xml><?xml version="1.0" encoding="utf-8"?>
+<file path=ppt/slides/slide44.xml><?xml version="1.0" encoding="utf-8"?>
 <p:sld xmlns:a="http://schemas.openxmlformats.org/drawingml/2006/main" xmlns:r="http://schemas.openxmlformats.org/officeDocument/2006/relationships" xmlns:p="http://schemas.openxmlformats.org/presentationml/2006/main">
   <p:cSld>
     <p:spTree>
@@ -35539,7 +34292,7 @@
             <a:fld id="{2BF067CD-8E6B-4360-9AA8-C5DF2A48A6D1}" type="slidenum">
               <a:rPr lang="en-US" noProof="0" smtClean="0"/>
               <a:pPr/>
-              <a:t>45</a:t>
+              <a:t>44</a:t>
             </a:fld>
             <a:endParaRPr lang="en-US" noProof="0" dirty="0"/>
           </a:p>
@@ -35689,7 +34442,7 @@
 </p:sld>
 </file>
 
-<file path=ppt/slides/slide46.xml><?xml version="1.0" encoding="utf-8"?>
+<file path=ppt/slides/slide45.xml><?xml version="1.0" encoding="utf-8"?>
 <p:sld xmlns:a="http://schemas.openxmlformats.org/drawingml/2006/main" xmlns:r="http://schemas.openxmlformats.org/officeDocument/2006/relationships" xmlns:p="http://schemas.openxmlformats.org/presentationml/2006/main">
   <p:cSld>
     <p:spTree>
@@ -36631,7 +35384,7 @@
             <a:fld id="{2BF067CD-8E6B-4360-9AA8-C5DF2A48A6D1}" type="slidenum">
               <a:rPr lang="en-US" noProof="0" smtClean="0"/>
               <a:pPr/>
-              <a:t>46</a:t>
+              <a:t>45</a:t>
             </a:fld>
             <a:endParaRPr lang="en-US" noProof="0" dirty="0"/>
           </a:p>
@@ -36933,7 +35686,7 @@
 </p:sld>
 </file>
 
-<file path=ppt/slides/slide47.xml><?xml version="1.0" encoding="utf-8"?>
+<file path=ppt/slides/slide46.xml><?xml version="1.0" encoding="utf-8"?>
 <p:sld xmlns:a="http://schemas.openxmlformats.org/drawingml/2006/main" xmlns:r="http://schemas.openxmlformats.org/officeDocument/2006/relationships" xmlns:p="http://schemas.openxmlformats.org/presentationml/2006/main">
   <p:cSld>
     <p:spTree>
@@ -37123,7 +35876,7 @@
 </p:sld>
 </file>
 
-<file path=ppt/slides/slide48.xml><?xml version="1.0" encoding="utf-8"?>
+<file path=ppt/slides/slide47.xml><?xml version="1.0" encoding="utf-8"?>
 <p:sld xmlns:a="http://schemas.openxmlformats.org/drawingml/2006/main" xmlns:r="http://schemas.openxmlformats.org/officeDocument/2006/relationships" xmlns:p="http://schemas.openxmlformats.org/presentationml/2006/main" show="0">
   <p:cSld>
     <p:spTree>
@@ -37479,7 +36232,7 @@
             <a:fld id="{2BF067CD-8E6B-4360-9AA8-C5DF2A48A6D1}" type="slidenum">
               <a:rPr lang="en-US" noProof="0" smtClean="0"/>
               <a:pPr/>
-              <a:t>48</a:t>
+              <a:t>47</a:t>
             </a:fld>
             <a:endParaRPr lang="en-US" noProof="0" dirty="0"/>
           </a:p>
